--- a/παρουσίαση.pptx
+++ b/παρουσίαση.pptx
@@ -12486,10 +12486,6 @@
               </a:rPr>
               <a:t>μεγάλες εταιρίες του διαδικτύου.</a:t>
             </a:r>
-            <a:endParaRPr lang="el-GR" dirty="0" smtClean="0">
-              <a:latin typeface="Segoe UI Light" panose="020B0502040204020203" pitchFamily="34" charset="0"/>
-              <a:cs typeface="Segoe UI Light" panose="020B0502040204020203" pitchFamily="34" charset="0"/>
-            </a:endParaRPr>
           </a:p>
           <a:p>
             <a:r>
@@ -12497,37 +12493,16 @@
                 <a:latin typeface="Segoe UI Light" panose="020B0502040204020203" pitchFamily="34" charset="0"/>
                 <a:cs typeface="Segoe UI Light" panose="020B0502040204020203" pitchFamily="34" charset="0"/>
               </a:rPr>
-              <a:t>Αναγνωρίζουν </a:t>
-            </a:r>
+              <a:t>Αναγνωρίζουν τις προτιμήσεις κάθε χρήστη μέσα από την δραστηριότητα του.</a:t>
+            </a:r>
+          </a:p>
+          <a:p>
             <a:r>
               <a:rPr lang="el-GR" dirty="0" smtClean="0">
                 <a:latin typeface="Segoe UI Light" panose="020B0502040204020203" pitchFamily="34" charset="0"/>
                 <a:cs typeface="Segoe UI Light" panose="020B0502040204020203" pitchFamily="34" charset="0"/>
               </a:rPr>
-              <a:t>τις προτιμήσεις κάθε χρήστη μέσα από την δραστηριότητα του.</a:t>
-            </a:r>
-          </a:p>
-          <a:p>
-            <a:r>
-              <a:rPr lang="el-GR" dirty="0" smtClean="0">
-                <a:latin typeface="Segoe UI Light" panose="020B0502040204020203" pitchFamily="34" charset="0"/>
-                <a:cs typeface="Segoe UI Light" panose="020B0502040204020203" pitchFamily="34" charset="0"/>
-              </a:rPr>
-              <a:t>Βρίσκουν προϊόντα ή υπηρεσίες που </a:t>
-            </a:r>
-            <a:r>
-              <a:rPr lang="el-GR" dirty="0" smtClean="0">
-                <a:latin typeface="Segoe UI Light" panose="020B0502040204020203" pitchFamily="34" charset="0"/>
-                <a:cs typeface="Segoe UI Light" panose="020B0502040204020203" pitchFamily="34" charset="0"/>
-              </a:rPr>
-              <a:t>είναι αρκετά πιθανό να αρέσουν μέσα </a:t>
-            </a:r>
-            <a:r>
-              <a:rPr lang="el-GR" dirty="0" smtClean="0">
-                <a:latin typeface="Segoe UI Light" panose="020B0502040204020203" pitchFamily="34" charset="0"/>
-                <a:cs typeface="Segoe UI Light" panose="020B0502040204020203" pitchFamily="34" charset="0"/>
-              </a:rPr>
-              <a:t>από τεράστιους όγκους δεδομένων.</a:t>
+              <a:t>Βρίσκουν προϊόντα ή υπηρεσίες που είναι αρκετά πιθανό να αρέσουν μέσα από τεράστιους όγκους δεδομένων.</a:t>
             </a:r>
           </a:p>
           <a:p>
@@ -12979,64 +12954,39 @@
                 <a:latin typeface="Segoe UI Light" panose="020B0502040204020203" pitchFamily="34" charset="0"/>
                 <a:cs typeface="Segoe UI Light" panose="020B0502040204020203" pitchFamily="34" charset="0"/>
               </a:rPr>
-              <a:t>Η </a:t>
+              <a:t>Η διπλωματική εργασία </a:t>
+            </a:r>
+            <a:r>
+              <a:rPr lang="el-GR" dirty="0">
+                <a:latin typeface="Segoe UI Light" panose="020B0502040204020203" pitchFamily="34" charset="0"/>
+                <a:cs typeface="Segoe UI Light" panose="020B0502040204020203" pitchFamily="34" charset="0"/>
+              </a:rPr>
+              <a:t>περιλαμβάνει δεδομένα εισόδου </a:t>
             </a:r>
             <a:r>
               <a:rPr lang="el-GR" dirty="0" smtClean="0">
                 <a:latin typeface="Segoe UI Light" panose="020B0502040204020203" pitchFamily="34" charset="0"/>
                 <a:cs typeface="Segoe UI Light" panose="020B0502040204020203" pitchFamily="34" charset="0"/>
               </a:rPr>
-              <a:t>διπλωματική </a:t>
-            </a:r>
+              <a:t>με:</a:t>
+            </a:r>
+          </a:p>
+          <a:p>
             <a:r>
               <a:rPr lang="el-GR" dirty="0" smtClean="0">
                 <a:latin typeface="Segoe UI Light" panose="020B0502040204020203" pitchFamily="34" charset="0"/>
                 <a:cs typeface="Segoe UI Light" panose="020B0502040204020203" pitchFamily="34" charset="0"/>
               </a:rPr>
-              <a:t>εργασία </a:t>
-            </a:r>
-            <a:r>
-              <a:rPr lang="el-GR" dirty="0">
-                <a:latin typeface="Segoe UI Light" panose="020B0502040204020203" pitchFamily="34" charset="0"/>
-                <a:cs typeface="Segoe UI Light" panose="020B0502040204020203" pitchFamily="34" charset="0"/>
-              </a:rPr>
-              <a:t>περιλαμβάνει δεδομένα εισόδου </a:t>
-            </a:r>
+              <a:t>Ρούχα για την παροχή προτάσεων σε σχεδιαστές</a:t>
+            </a:r>
+          </a:p>
+          <a:p>
             <a:r>
               <a:rPr lang="el-GR" dirty="0" smtClean="0">
                 <a:latin typeface="Segoe UI Light" panose="020B0502040204020203" pitchFamily="34" charset="0"/>
                 <a:cs typeface="Segoe UI Light" panose="020B0502040204020203" pitchFamily="34" charset="0"/>
               </a:rPr>
-              <a:t>με:</a:t>
-            </a:r>
-            <a:endParaRPr lang="el-GR" dirty="0" smtClean="0">
-              <a:latin typeface="Segoe UI Light" panose="020B0502040204020203" pitchFamily="34" charset="0"/>
-              <a:cs typeface="Segoe UI Light" panose="020B0502040204020203" pitchFamily="34" charset="0"/>
-            </a:endParaRPr>
-          </a:p>
-          <a:p>
-            <a:r>
-              <a:rPr lang="el-GR" dirty="0" smtClean="0">
-                <a:latin typeface="Segoe UI Light" panose="020B0502040204020203" pitchFamily="34" charset="0"/>
-                <a:cs typeface="Segoe UI Light" panose="020B0502040204020203" pitchFamily="34" charset="0"/>
-              </a:rPr>
-              <a:t>Ρούχα για την παροχή προτάσεων σε σχεδιαστές</a:t>
-            </a:r>
-          </a:p>
-          <a:p>
-            <a:r>
-              <a:rPr lang="el-GR" dirty="0" smtClean="0">
-                <a:latin typeface="Segoe UI Light" panose="020B0502040204020203" pitchFamily="34" charset="0"/>
-                <a:cs typeface="Segoe UI Light" panose="020B0502040204020203" pitchFamily="34" charset="0"/>
-              </a:rPr>
-              <a:t>Ταινίες για την παροχή προτάσεων σε </a:t>
-            </a:r>
-            <a:r>
-              <a:rPr lang="el-GR" dirty="0" smtClean="0">
-                <a:latin typeface="Segoe UI Light" panose="020B0502040204020203" pitchFamily="34" charset="0"/>
-                <a:cs typeface="Segoe UI Light" panose="020B0502040204020203" pitchFamily="34" charset="0"/>
-              </a:rPr>
-              <a:t>τηλεθεατές.</a:t>
+              <a:t>Ταινίες για την παροχή προτάσεων σε τηλεθεατές.</a:t>
             </a:r>
             <a:endParaRPr lang="en-US" dirty="0">
               <a:latin typeface="Segoe UI Light" panose="020B0502040204020203" pitchFamily="34" charset="0"/>
@@ -14392,7 +14342,14 @@
                 <a:latin typeface="Segoe UI Light" panose="020B0502040204020203" pitchFamily="34" charset="0"/>
                 <a:cs typeface="Segoe UI Light" panose="020B0502040204020203" pitchFamily="34" charset="0"/>
               </a:rPr>
-              <a:t> x r</a:t>
+              <a:t> x </a:t>
+            </a:r>
+            <a:r>
+              <a:rPr lang="en-US" sz="1200" dirty="0" smtClean="0">
+                <a:latin typeface="Segoe UI Light" panose="020B0502040204020203" pitchFamily="34" charset="0"/>
+                <a:cs typeface="Segoe UI Light" panose="020B0502040204020203" pitchFamily="34" charset="0"/>
+              </a:rPr>
+              <a:t>k</a:t>
             </a:r>
             <a:endParaRPr lang="en-US" sz="1200" dirty="0">
               <a:latin typeface="Segoe UI Light" panose="020B0502040204020203" pitchFamily="34" charset="0"/>
@@ -14424,11 +14381,32 @@
           <a:lstStyle/>
           <a:p>
             <a:r>
+              <a:rPr lang="en-US" sz="1200" dirty="0">
+                <a:latin typeface="Segoe UI Light" panose="020B0502040204020203" pitchFamily="34" charset="0"/>
+                <a:cs typeface="Segoe UI Light" panose="020B0502040204020203" pitchFamily="34" charset="0"/>
+              </a:rPr>
+              <a:t>k</a:t>
+            </a:r>
+            <a:r>
               <a:rPr lang="en-US" sz="1200" dirty="0" smtClean="0">
                 <a:latin typeface="Segoe UI Light" panose="020B0502040204020203" pitchFamily="34" charset="0"/>
                 <a:cs typeface="Segoe UI Light" panose="020B0502040204020203" pitchFamily="34" charset="0"/>
               </a:rPr>
-              <a:t>r x r</a:t>
+              <a:t> </a:t>
+            </a:r>
+            <a:r>
+              <a:rPr lang="en-US" sz="1200" dirty="0" smtClean="0">
+                <a:latin typeface="Segoe UI Light" panose="020B0502040204020203" pitchFamily="34" charset="0"/>
+                <a:cs typeface="Segoe UI Light" panose="020B0502040204020203" pitchFamily="34" charset="0"/>
+              </a:rPr>
+              <a:t>x </a:t>
+            </a:r>
+            <a:r>
+              <a:rPr lang="en-US" sz="1200" dirty="0" smtClean="0">
+                <a:latin typeface="Segoe UI Light" panose="020B0502040204020203" pitchFamily="34" charset="0"/>
+                <a:cs typeface="Segoe UI Light" panose="020B0502040204020203" pitchFamily="34" charset="0"/>
+              </a:rPr>
+              <a:t>k</a:t>
             </a:r>
             <a:endParaRPr lang="en-US" sz="1200" dirty="0">
               <a:latin typeface="Segoe UI Light" panose="020B0502040204020203" pitchFamily="34" charset="0"/>
@@ -14460,11 +14438,25 @@
           <a:lstStyle/>
           <a:p>
             <a:r>
+              <a:rPr lang="en-US" sz="1200" dirty="0">
+                <a:latin typeface="Segoe UI Light" panose="020B0502040204020203" pitchFamily="34" charset="0"/>
+                <a:cs typeface="Segoe UI Light" panose="020B0502040204020203" pitchFamily="34" charset="0"/>
+              </a:rPr>
+              <a:t>k</a:t>
+            </a:r>
+            <a:r>
               <a:rPr lang="en-US" sz="1200" dirty="0" smtClean="0">
                 <a:latin typeface="Segoe UI Light" panose="020B0502040204020203" pitchFamily="34" charset="0"/>
                 <a:cs typeface="Segoe UI Light" panose="020B0502040204020203" pitchFamily="34" charset="0"/>
               </a:rPr>
-              <a:t>r x N</a:t>
+              <a:t> </a:t>
+            </a:r>
+            <a:r>
+              <a:rPr lang="en-US" sz="1200" dirty="0" smtClean="0">
+                <a:latin typeface="Segoe UI Light" panose="020B0502040204020203" pitchFamily="34" charset="0"/>
+                <a:cs typeface="Segoe UI Light" panose="020B0502040204020203" pitchFamily="34" charset="0"/>
+              </a:rPr>
+              <a:t>x N</a:t>
             </a:r>
             <a:endParaRPr lang="en-US" sz="1200" dirty="0">
               <a:latin typeface="Segoe UI Light" panose="020B0502040204020203" pitchFamily="34" charset="0"/>

--- a/παρουσίαση.pptx
+++ b/παρουσίαση.pptx
@@ -268,7 +268,7 @@
           <a:p>
             <a:fld id="{E03456D4-7753-4FDE-8187-3BFD45D146A1}" type="datetimeFigureOut">
               <a:rPr lang="en-US" smtClean="0"/>
-              <a:t>4/9/2021</a:t>
+              <a:t>4/12/2021</a:t>
             </a:fld>
             <a:endParaRPr lang="en-US"/>
           </a:p>
@@ -438,7 +438,7 @@
           <a:p>
             <a:fld id="{E03456D4-7753-4FDE-8187-3BFD45D146A1}" type="datetimeFigureOut">
               <a:rPr lang="en-US" smtClean="0"/>
-              <a:t>4/9/2021</a:t>
+              <a:t>4/12/2021</a:t>
             </a:fld>
             <a:endParaRPr lang="en-US"/>
           </a:p>
@@ -618,7 +618,7 @@
           <a:p>
             <a:fld id="{E03456D4-7753-4FDE-8187-3BFD45D146A1}" type="datetimeFigureOut">
               <a:rPr lang="en-US" smtClean="0"/>
-              <a:t>4/9/2021</a:t>
+              <a:t>4/12/2021</a:t>
             </a:fld>
             <a:endParaRPr lang="en-US"/>
           </a:p>
@@ -788,7 +788,7 @@
           <a:p>
             <a:fld id="{E03456D4-7753-4FDE-8187-3BFD45D146A1}" type="datetimeFigureOut">
               <a:rPr lang="en-US" smtClean="0"/>
-              <a:t>4/9/2021</a:t>
+              <a:t>4/12/2021</a:t>
             </a:fld>
             <a:endParaRPr lang="en-US"/>
           </a:p>
@@ -1034,7 +1034,7 @@
           <a:p>
             <a:fld id="{E03456D4-7753-4FDE-8187-3BFD45D146A1}" type="datetimeFigureOut">
               <a:rPr lang="en-US" smtClean="0"/>
-              <a:t>4/9/2021</a:t>
+              <a:t>4/12/2021</a:t>
             </a:fld>
             <a:endParaRPr lang="en-US"/>
           </a:p>
@@ -1266,7 +1266,7 @@
           <a:p>
             <a:fld id="{E03456D4-7753-4FDE-8187-3BFD45D146A1}" type="datetimeFigureOut">
               <a:rPr lang="en-US" smtClean="0"/>
-              <a:t>4/9/2021</a:t>
+              <a:t>4/12/2021</a:t>
             </a:fld>
             <a:endParaRPr lang="en-US"/>
           </a:p>
@@ -1633,7 +1633,7 @@
           <a:p>
             <a:fld id="{E03456D4-7753-4FDE-8187-3BFD45D146A1}" type="datetimeFigureOut">
               <a:rPr lang="en-US" smtClean="0"/>
-              <a:t>4/9/2021</a:t>
+              <a:t>4/12/2021</a:t>
             </a:fld>
             <a:endParaRPr lang="en-US"/>
           </a:p>
@@ -1751,7 +1751,7 @@
           <a:p>
             <a:fld id="{E03456D4-7753-4FDE-8187-3BFD45D146A1}" type="datetimeFigureOut">
               <a:rPr lang="en-US" smtClean="0"/>
-              <a:t>4/9/2021</a:t>
+              <a:t>4/12/2021</a:t>
             </a:fld>
             <a:endParaRPr lang="en-US"/>
           </a:p>
@@ -1846,7 +1846,7 @@
           <a:p>
             <a:fld id="{E03456D4-7753-4FDE-8187-3BFD45D146A1}" type="datetimeFigureOut">
               <a:rPr lang="en-US" smtClean="0"/>
-              <a:t>4/9/2021</a:t>
+              <a:t>4/12/2021</a:t>
             </a:fld>
             <a:endParaRPr lang="en-US"/>
           </a:p>
@@ -2123,7 +2123,7 @@
           <a:p>
             <a:fld id="{E03456D4-7753-4FDE-8187-3BFD45D146A1}" type="datetimeFigureOut">
               <a:rPr lang="en-US" smtClean="0"/>
-              <a:t>4/9/2021</a:t>
+              <a:t>4/12/2021</a:t>
             </a:fld>
             <a:endParaRPr lang="en-US"/>
           </a:p>
@@ -2376,7 +2376,7 @@
           <a:p>
             <a:fld id="{E03456D4-7753-4FDE-8187-3BFD45D146A1}" type="datetimeFigureOut">
               <a:rPr lang="en-US" smtClean="0"/>
-              <a:t>4/9/2021</a:t>
+              <a:t>4/12/2021</a:t>
             </a:fld>
             <a:endParaRPr lang="en-US"/>
           </a:p>
@@ -2589,7 +2589,7 @@
           <a:p>
             <a:fld id="{E03456D4-7753-4FDE-8187-3BFD45D146A1}" type="datetimeFigureOut">
               <a:rPr lang="en-US" smtClean="0"/>
-              <a:t>4/9/2021</a:t>
+              <a:t>4/12/2021</a:t>
             </a:fld>
             <a:endParaRPr lang="en-US"/>
           </a:p>
@@ -3629,7 +3629,17 @@
                 <a:latin typeface="Segoe UI Light" panose="020B0502040204020203" pitchFamily="34" charset="0"/>
                 <a:cs typeface="Segoe UI Light" panose="020B0502040204020203" pitchFamily="34" charset="0"/>
               </a:rPr>
-              <a:t>Χρήστες</a:t>
+              <a:t>Διάνυσμα </a:t>
+            </a:r>
+          </a:p>
+          <a:p>
+            <a:pPr algn="ctr"/>
+            <a:r>
+              <a:rPr lang="el-GR" dirty="0" smtClean="0">
+                <a:latin typeface="Segoe UI Light" panose="020B0502040204020203" pitchFamily="34" charset="0"/>
+                <a:cs typeface="Segoe UI Light" panose="020B0502040204020203" pitchFamily="34" charset="0"/>
+              </a:rPr>
+              <a:t>Χρήστη</a:t>
             </a:r>
             <a:endParaRPr lang="en-US" dirty="0">
               <a:latin typeface="Segoe UI Light" panose="020B0502040204020203" pitchFamily="34" charset="0"/>
@@ -3679,7 +3689,7 @@
                 <a:latin typeface="Segoe UI Light" panose="020B0502040204020203" pitchFamily="34" charset="0"/>
                 <a:cs typeface="Segoe UI Light" panose="020B0502040204020203" pitchFamily="34" charset="0"/>
               </a:rPr>
-              <a:t>Προϊόντα</a:t>
+              <a:t>Διάνυσμα Προϊόντος</a:t>
             </a:r>
           </a:p>
           <a:p>
@@ -3689,7 +3699,7 @@
                 <a:latin typeface="Segoe UI Light" panose="020B0502040204020203" pitchFamily="34" charset="0"/>
                 <a:cs typeface="Segoe UI Light" panose="020B0502040204020203" pitchFamily="34" charset="0"/>
               </a:rPr>
-              <a:t>(Ρούχα/Ταινίες)</a:t>
+              <a:t>(Ρούχο/Ταινία)</a:t>
             </a:r>
             <a:endParaRPr lang="en-US" sz="1400" dirty="0">
               <a:latin typeface="Segoe UI Light" panose="020B0502040204020203" pitchFamily="34" charset="0"/>
@@ -3706,7 +3716,7 @@
         </p:nvSpPr>
         <p:spPr>
           <a:xfrm>
-            <a:off x="4224100" y="2873109"/>
+            <a:off x="4224100" y="2680428"/>
             <a:ext cx="3751385" cy="1723292"/>
           </a:xfrm>
           <a:prstGeom prst="rect">
@@ -3754,7 +3764,7 @@
         </p:nvSpPr>
         <p:spPr>
           <a:xfrm>
-            <a:off x="4663717" y="4143966"/>
+            <a:off x="4663717" y="3951285"/>
             <a:ext cx="2875085" cy="298938"/>
           </a:xfrm>
           <a:prstGeom prst="rect">
@@ -3804,7 +3814,7 @@
         </p:nvSpPr>
         <p:spPr>
           <a:xfrm>
-            <a:off x="5016139" y="3685236"/>
+            <a:off x="5016139" y="3492555"/>
             <a:ext cx="2167305" cy="286424"/>
           </a:xfrm>
           <a:prstGeom prst="rect">
@@ -3861,7 +3871,7 @@
         </p:nvSpPr>
         <p:spPr>
           <a:xfrm>
-            <a:off x="5282106" y="3336422"/>
+            <a:off x="5282106" y="3143741"/>
             <a:ext cx="1635369" cy="226764"/>
           </a:xfrm>
           <a:prstGeom prst="rect">
@@ -3918,7 +3928,7 @@
         </p:nvSpPr>
         <p:spPr>
           <a:xfrm>
-            <a:off x="5551739" y="2977823"/>
+            <a:off x="5551739" y="2785142"/>
             <a:ext cx="1096107" cy="239228"/>
           </a:xfrm>
           <a:prstGeom prst="rect">
@@ -3968,7 +3978,7 @@
         </p:nvCxnSpPr>
         <p:spPr>
           <a:xfrm flipH="1" flipV="1">
-            <a:off x="6099792" y="3971660"/>
+            <a:off x="6099792" y="3778979"/>
             <a:ext cx="1468" cy="172306"/>
           </a:xfrm>
           <a:prstGeom prst="straightConnector1">
@@ -4004,7 +4014,7 @@
         </p:nvCxnSpPr>
         <p:spPr>
           <a:xfrm flipH="1" flipV="1">
-            <a:off x="6099791" y="3563186"/>
+            <a:off x="6099791" y="3370505"/>
             <a:ext cx="1" cy="122050"/>
           </a:xfrm>
           <a:prstGeom prst="straightConnector1">
@@ -4040,7 +4050,7 @@
         </p:nvCxnSpPr>
         <p:spPr>
           <a:xfrm flipV="1">
-            <a:off x="6099791" y="3217051"/>
+            <a:off x="6099791" y="3024370"/>
             <a:ext cx="2" cy="119371"/>
           </a:xfrm>
           <a:prstGeom prst="straightConnector1">
@@ -4075,7 +4085,7 @@
             </p:nvSpPr>
             <p:spPr>
               <a:xfrm>
-                <a:off x="5887309" y="2416952"/>
+                <a:off x="5887309" y="2224271"/>
                 <a:ext cx="424962" cy="334107"/>
               </a:xfrm>
               <a:prstGeom prst="ellipse">
@@ -4159,7 +4169,7 @@
             </p:nvSpPr>
             <p:spPr>
               <a:xfrm>
-                <a:off x="5887309" y="2416952"/>
+                <a:off x="5887309" y="2224271"/>
                 <a:ext cx="424962" cy="334107"/>
               </a:xfrm>
               <a:prstGeom prst="ellipse">
@@ -4198,7 +4208,7 @@
         </p:nvCxnSpPr>
         <p:spPr>
           <a:xfrm flipH="1" flipV="1">
-            <a:off x="6099790" y="2751059"/>
+            <a:off x="6099790" y="2558378"/>
             <a:ext cx="3" cy="226764"/>
           </a:xfrm>
           <a:prstGeom prst="straightConnector1">
@@ -4231,7 +4241,7 @@
         </p:nvSpPr>
         <p:spPr>
           <a:xfrm>
-            <a:off x="838200" y="6131825"/>
+            <a:off x="838200" y="6037268"/>
             <a:ext cx="2206869" cy="523220"/>
           </a:xfrm>
           <a:prstGeom prst="rect">
@@ -4253,6 +4263,9 @@
               </a:rPr>
               <a:t>Επίπεδο Εισόδου </a:t>
             </a:r>
+          </a:p>
+          <a:p>
+            <a:pPr algn="ctr"/>
             <a:r>
               <a:rPr lang="en-US" sz="1400" dirty="0" smtClean="0">
                 <a:latin typeface="Segoe UI Light" panose="020B0502040204020203" pitchFamily="34" charset="0"/>
@@ -4495,14 +4508,14 @@
           <p:cNvPr id="59" name="Ευθύγραμμο βέλος σύνδεσης 58"/>
           <p:cNvCxnSpPr>
             <a:stCxn id="43" idx="0"/>
-            <a:endCxn id="12" idx="2"/>
+            <a:endCxn id="31" idx="4"/>
           </p:cNvCxnSpPr>
           <p:nvPr/>
         </p:nvCxnSpPr>
         <p:spPr>
           <a:xfrm flipV="1">
-            <a:off x="4887919" y="4442904"/>
-            <a:ext cx="1213341" cy="523582"/>
+            <a:off x="4887919" y="4758159"/>
+            <a:ext cx="1208081" cy="208327"/>
           </a:xfrm>
           <a:prstGeom prst="straightConnector1">
             <a:avLst/>
@@ -4531,14 +4544,14 @@
           <p:cNvPr id="62" name="Ευθύγραμμο βέλος σύνδεσης 61"/>
           <p:cNvCxnSpPr>
             <a:stCxn id="44" idx="0"/>
-            <a:endCxn id="12" idx="2"/>
+            <a:endCxn id="31" idx="4"/>
           </p:cNvCxnSpPr>
           <p:nvPr/>
         </p:nvCxnSpPr>
         <p:spPr>
           <a:xfrm flipH="1" flipV="1">
-            <a:off x="6101260" y="4442904"/>
-            <a:ext cx="1224326" cy="523582"/>
+            <a:off x="6096000" y="4758159"/>
+            <a:ext cx="1229586" cy="208327"/>
           </a:xfrm>
           <a:prstGeom prst="straightConnector1">
             <a:avLst/>
@@ -4570,7 +4583,7 @@
         </p:nvSpPr>
         <p:spPr>
           <a:xfrm>
-            <a:off x="838200" y="3487972"/>
+            <a:off x="838200" y="3212621"/>
             <a:ext cx="2206869" cy="738664"/>
           </a:xfrm>
           <a:prstGeom prst="rect">
@@ -4614,7 +4627,7 @@
         </p:nvSpPr>
         <p:spPr>
           <a:xfrm>
-            <a:off x="838200" y="2416952"/>
+            <a:off x="838200" y="2224271"/>
             <a:ext cx="2206869" cy="523220"/>
           </a:xfrm>
           <a:prstGeom prst="rect">
@@ -4642,6 +4655,186 @@
                 <a:cs typeface="Segoe UI Light" panose="020B0502040204020203" pitchFamily="34" charset="0"/>
               </a:rPr>
               <a:t>(output layer)</a:t>
+            </a:r>
+            <a:endParaRPr lang="en-US" sz="1400" dirty="0">
+              <a:latin typeface="Segoe UI Light" panose="020B0502040204020203" pitchFamily="34" charset="0"/>
+              <a:cs typeface="Segoe UI Light" panose="020B0502040204020203" pitchFamily="34" charset="0"/>
+            </a:endParaRPr>
+          </a:p>
+        </p:txBody>
+      </p:sp>
+      <mc:AlternateContent xmlns:mc="http://schemas.openxmlformats.org/markup-compatibility/2006" xmlns:a14="http://schemas.microsoft.com/office/drawing/2010/main">
+        <mc:Choice Requires="a14">
+          <p:sp>
+            <p:nvSpPr>
+              <p:cNvPr id="31" name="Οβάλ 30"/>
+              <p:cNvSpPr/>
+              <p:nvPr/>
+            </p:nvSpPr>
+            <p:spPr>
+              <a:xfrm>
+                <a:off x="5883519" y="4424052"/>
+                <a:ext cx="424962" cy="334107"/>
+              </a:xfrm>
+              <a:prstGeom prst="ellipse">
+                <a:avLst/>
+              </a:prstGeom>
+            </p:spPr>
+            <p:style>
+              <a:lnRef idx="2">
+                <a:schemeClr val="accent2">
+                  <a:shade val="50000"/>
+                </a:schemeClr>
+              </a:lnRef>
+              <a:fillRef idx="1">
+                <a:schemeClr val="accent2"/>
+              </a:fillRef>
+              <a:effectRef idx="0">
+                <a:schemeClr val="accent2"/>
+              </a:effectRef>
+              <a:fontRef idx="minor">
+                <a:schemeClr val="lt1"/>
+              </a:fontRef>
+            </p:style>
+            <p:txBody>
+              <a:bodyPr rtlCol="0" anchor="ctr"/>
+              <a:lstStyle/>
+              <a:p>
+                <a:pPr algn="ctr"/>
+                <a14:m>
+                  <m:oMathPara xmlns:m="http://schemas.openxmlformats.org/officeDocument/2006/math">
+                    <m:oMathParaPr>
+                      <m:jc m:val="centerGroup"/>
+                    </m:oMathParaPr>
+                    <m:oMath xmlns:m="http://schemas.openxmlformats.org/officeDocument/2006/math">
+                      <m:r>
+                        <a:rPr lang="en-US" sz="2000" b="0" i="1" smtClean="0">
+                          <a:latin typeface="Cambria Math" panose="02040503050406030204" pitchFamily="18" charset="0"/>
+                        </a:rPr>
+                        <m:t> +</m:t>
+                      </m:r>
+                    </m:oMath>
+                  </m:oMathPara>
+                </a14:m>
+                <a:endParaRPr lang="en-US" sz="2000" dirty="0"/>
+              </a:p>
+            </p:txBody>
+          </p:sp>
+        </mc:Choice>
+        <mc:Fallback xmlns="">
+          <p:sp>
+            <p:nvSpPr>
+              <p:cNvPr id="31" name="Οβάλ 30"/>
+              <p:cNvSpPr>
+                <a:spLocks noRot="1" noChangeAspect="1" noMove="1" noResize="1" noEditPoints="1" noAdjustHandles="1" noChangeArrowheads="1" noChangeShapeType="1" noTextEdit="1"/>
+              </p:cNvSpPr>
+              <p:nvPr/>
+            </p:nvSpPr>
+            <p:spPr>
+              <a:xfrm>
+                <a:off x="5883519" y="4424052"/>
+                <a:ext cx="424962" cy="334107"/>
+              </a:xfrm>
+              <a:prstGeom prst="ellipse">
+                <a:avLst/>
+              </a:prstGeom>
+              <a:blipFill>
+                <a:blip r:embed="rId3"/>
+                <a:stretch>
+                  <a:fillRect/>
+                </a:stretch>
+              </a:blipFill>
+            </p:spPr>
+            <p:txBody>
+              <a:bodyPr/>
+              <a:lstStyle/>
+              <a:p>
+                <a:r>
+                  <a:rPr lang="en-US">
+                    <a:noFill/>
+                  </a:rPr>
+                  <a:t> </a:t>
+                </a:r>
+              </a:p>
+            </p:txBody>
+          </p:sp>
+        </mc:Fallback>
+      </mc:AlternateContent>
+      <p:cxnSp>
+        <p:nvCxnSpPr>
+          <p:cNvPr id="33" name="Ευθύγραμμο βέλος σύνδεσης 32"/>
+          <p:cNvCxnSpPr>
+            <a:stCxn id="31" idx="0"/>
+            <a:endCxn id="12" idx="2"/>
+          </p:cNvCxnSpPr>
+          <p:nvPr/>
+        </p:nvCxnSpPr>
+        <p:spPr>
+          <a:xfrm flipV="1">
+            <a:off x="6096000" y="4250223"/>
+            <a:ext cx="5260" cy="173829"/>
+          </a:xfrm>
+          <a:prstGeom prst="straightConnector1">
+            <a:avLst/>
+          </a:prstGeom>
+          <a:ln>
+            <a:tailEnd type="triangle"/>
+          </a:ln>
+        </p:spPr>
+        <p:style>
+          <a:lnRef idx="1">
+            <a:schemeClr val="accent1"/>
+          </a:lnRef>
+          <a:fillRef idx="0">
+            <a:schemeClr val="accent1"/>
+          </a:fillRef>
+          <a:effectRef idx="0">
+            <a:schemeClr val="accent1"/>
+          </a:effectRef>
+          <a:fontRef idx="minor">
+            <a:schemeClr val="tx1"/>
+          </a:fontRef>
+        </p:style>
+      </p:cxnSp>
+      <p:sp>
+        <p:nvSpPr>
+          <p:cNvPr id="36" name="TextBox 35"/>
+          <p:cNvSpPr txBox="1"/>
+          <p:nvPr/>
+        </p:nvSpPr>
+        <p:spPr>
+          <a:xfrm>
+            <a:off x="838200" y="4400685"/>
+            <a:ext cx="2206869" cy="523220"/>
+          </a:xfrm>
+          <a:prstGeom prst="rect">
+            <a:avLst/>
+          </a:prstGeom>
+          <a:noFill/>
+        </p:spPr>
+        <p:txBody>
+          <a:bodyPr wrap="square" rtlCol="0">
+            <a:spAutoFit/>
+          </a:bodyPr>
+          <a:lstStyle/>
+          <a:p>
+            <a:pPr algn="ctr"/>
+            <a:r>
+              <a:rPr lang="el-GR" sz="1400" dirty="0" smtClean="0">
+                <a:latin typeface="Segoe UI Light" panose="020B0502040204020203" pitchFamily="34" charset="0"/>
+                <a:cs typeface="Segoe UI Light" panose="020B0502040204020203" pitchFamily="34" charset="0"/>
+              </a:rPr>
+              <a:t>Συνένωση </a:t>
+            </a:r>
+          </a:p>
+          <a:p>
+            <a:pPr algn="ctr"/>
+            <a:r>
+              <a:rPr lang="el-GR" sz="1400" dirty="0" smtClean="0">
+                <a:latin typeface="Segoe UI Light" panose="020B0502040204020203" pitchFamily="34" charset="0"/>
+                <a:cs typeface="Segoe UI Light" panose="020B0502040204020203" pitchFamily="34" charset="0"/>
+              </a:rPr>
+              <a:t>Χαρακτηριστικών</a:t>
             </a:r>
             <a:endParaRPr lang="en-US" sz="1400" dirty="0">
               <a:latin typeface="Segoe UI Light" panose="020B0502040204020203" pitchFamily="34" charset="0"/>
@@ -4925,7 +5118,7 @@
                 <a:latin typeface="Segoe UI Light" panose="020B0502040204020203" pitchFamily="34" charset="0"/>
                 <a:cs typeface="Segoe UI Light" panose="020B0502040204020203" pitchFamily="34" charset="0"/>
               </a:rPr>
-              <a:t>Βαθμολογίες Προϊόντων Χρήστη (Ρούχων/Ταινιών)</a:t>
+              <a:t>Βαθμολογίες Προϊόντων Χρήστη (Διάνυσμα Χρήστη)</a:t>
             </a:r>
             <a:endParaRPr lang="en-US" sz="1400" dirty="0">
               <a:latin typeface="Segoe UI Light" panose="020B0502040204020203" pitchFamily="34" charset="0"/>
@@ -5935,7 +6128,14 @@
                 <a:latin typeface="Segoe UI Light" panose="020B0502040204020203" pitchFamily="34" charset="0"/>
                 <a:cs typeface="Segoe UI Light" panose="020B0502040204020203" pitchFamily="34" charset="0"/>
               </a:rPr>
-              <a:t>Βαθμολογίες Προϊόντων Χρήστη (Ρούχων/Ταινιών)</a:t>
+              <a:t>Βαθμολογίες Προϊόντων Χρήστη </a:t>
+            </a:r>
+            <a:r>
+              <a:rPr lang="el-GR" sz="1400" dirty="0">
+                <a:latin typeface="Segoe UI Light" panose="020B0502040204020203" pitchFamily="34" charset="0"/>
+                <a:cs typeface="Segoe UI Light" panose="020B0502040204020203" pitchFamily="34" charset="0"/>
+              </a:rPr>
+              <a:t>(Διάνυσμα Χρήστη)</a:t>
             </a:r>
             <a:endParaRPr lang="en-US" sz="1400" dirty="0">
               <a:latin typeface="Segoe UI Light" panose="020B0502040204020203" pitchFamily="34" charset="0"/>
@@ -6367,8 +6567,8 @@
         </p:nvSpPr>
         <p:spPr>
           <a:xfrm>
-            <a:off x="838194" y="4705805"/>
-            <a:ext cx="2206869" cy="523220"/>
+            <a:off x="838194" y="4583723"/>
+            <a:ext cx="2206869" cy="738664"/>
           </a:xfrm>
           <a:prstGeom prst="rect">
             <a:avLst/>
@@ -6383,16 +6583,19 @@
           <a:p>
             <a:pPr algn="ctr"/>
             <a:r>
-              <a:rPr lang="el-GR" sz="1400" dirty="0" smtClean="0">
-                <a:latin typeface="Segoe UI Light" panose="020B0502040204020203" pitchFamily="34" charset="0"/>
-                <a:cs typeface="Segoe UI Light" panose="020B0502040204020203" pitchFamily="34" charset="0"/>
-              </a:rPr>
-              <a:t>Προετοιμασία Μοντέλου (Εκπαίδευση και Έλεγχος)</a:t>
-            </a:r>
-            <a:endParaRPr lang="en-US" sz="1400" dirty="0">
-              <a:latin typeface="Segoe UI Light" panose="020B0502040204020203" pitchFamily="34" charset="0"/>
-              <a:cs typeface="Segoe UI Light" panose="020B0502040204020203" pitchFamily="34" charset="0"/>
-            </a:endParaRPr>
+              <a:rPr lang="el-GR" sz="1400" dirty="0">
+                <a:latin typeface="Segoe UI Light" panose="020B0502040204020203" pitchFamily="34" charset="0"/>
+                <a:cs typeface="Segoe UI Light" panose="020B0502040204020203" pitchFamily="34" charset="0"/>
+              </a:rPr>
+              <a:t>Πολύ-επίπεδο Νευρωνικό Δίκτυο </a:t>
+            </a:r>
+            <a:r>
+              <a:rPr lang="en-US" sz="1400" dirty="0">
+                <a:latin typeface="Segoe UI Light" panose="020B0502040204020203" pitchFamily="34" charset="0"/>
+                <a:cs typeface="Segoe UI Light" panose="020B0502040204020203" pitchFamily="34" charset="0"/>
+              </a:rPr>
+              <a:t>(multi-layer neural network)</a:t>
+            </a:r>
           </a:p>
         </p:txBody>
       </p:sp>
@@ -7977,7 +8180,7 @@
         <p:spPr>
           <a:xfrm>
             <a:off x="504085" y="3741038"/>
-            <a:ext cx="2206869" cy="1169551"/>
+            <a:ext cx="2206869" cy="738664"/>
           </a:xfrm>
           <a:prstGeom prst="rect">
             <a:avLst/>
@@ -7996,7 +8199,7 @@
                 <a:latin typeface="Segoe UI Light" panose="020B0502040204020203" pitchFamily="34" charset="0"/>
                 <a:cs typeface="Segoe UI Light" panose="020B0502040204020203" pitchFamily="34" charset="0"/>
               </a:rPr>
-              <a:t>Εκπαίδευση του υβριδικού συστήματος σύμφωνα με τις προτάσεις και καθορισμός των βαρών</a:t>
+              <a:t>Εκπαίδευση του υβριδικού συστήματος. Διαμόρφωση των βαρών.</a:t>
             </a:r>
             <a:endParaRPr lang="en-US" sz="1400" dirty="0">
               <a:latin typeface="Segoe UI Light" panose="020B0502040204020203" pitchFamily="34" charset="0"/>
@@ -8499,14 +8702,14 @@
           <p:nvPr>
             <p:extLst>
               <p:ext uri="{D42A27DB-BD31-4B8C-83A1-F6EECF244321}">
-                <p14:modId xmlns:p14="http://schemas.microsoft.com/office/powerpoint/2010/main" val="528508082"/>
+                <p14:modId xmlns:p14="http://schemas.microsoft.com/office/powerpoint/2010/main" val="2555548245"/>
               </p:ext>
             </p:extLst>
           </p:nvPr>
         </p:nvGraphicFramePr>
         <p:xfrm>
-          <a:off x="1925515" y="2743200"/>
-          <a:ext cx="7904285" cy="2347546"/>
+          <a:off x="2842435" y="2708031"/>
+          <a:ext cx="6507129" cy="2347546"/>
         </p:xfrm>
         <a:graphic>
           <a:graphicData uri="http://schemas.openxmlformats.org/drawingml/2006/table">
@@ -8540,13 +8743,6 @@
                   <a:extLst>
                     <a:ext uri="{9D8B030D-6E8A-4147-A177-3AD203B41FA5}">
                       <a16:colId xmlns:a16="http://schemas.microsoft.com/office/drawing/2014/main" val="1259507518"/>
-                    </a:ext>
-                  </a:extLst>
-                </a:gridCol>
-                <a:gridCol w="1397156">
-                  <a:extLst>
-                    <a:ext uri="{9D8B030D-6E8A-4147-A177-3AD203B41FA5}">
-                      <a16:colId xmlns:a16="http://schemas.microsoft.com/office/drawing/2014/main" val="331463594"/>
                     </a:ext>
                   </a:extLst>
                 </a:gridCol>
@@ -8888,45 +9084,14 @@
                         </a:spcAft>
                       </a:pPr>
                       <a:r>
-                        <a:rPr lang="el-GR" sz="1100">
-                          <a:effectLst/>
-                          <a:latin typeface="Segoe UI Light" panose="020B0502040204020203" pitchFamily="34" charset="0"/>
-                          <a:cs typeface="Segoe UI Light" panose="020B0502040204020203" pitchFamily="34" charset="0"/>
-                        </a:rPr>
-                        <a:t>Ποσοστό αξιολογήσεων (%)</a:t>
-                      </a:r>
-                      <a:endParaRPr lang="en-US" sz="1100">
-                        <a:effectLst/>
-                        <a:latin typeface="Segoe UI Light" panose="020B0502040204020203" pitchFamily="34" charset="0"/>
-                        <a:ea typeface="Calibri" panose="020F0502020204030204" pitchFamily="34" charset="0"/>
-                        <a:cs typeface="Segoe UI Light" panose="020B0502040204020203" pitchFamily="34" charset="0"/>
-                      </a:endParaRPr>
-                    </a:p>
-                  </a:txBody>
-                  <a:tcPr marL="68580" marR="68580" marT="0" marB="0" anchor="ctr"/>
-                </a:tc>
-                <a:tc>
-                  <a:txBody>
-                    <a:bodyPr/>
-                    <a:lstStyle/>
-                    <a:p>
-                      <a:pPr algn="ctr">
-                        <a:lnSpc>
-                          <a:spcPct val="107000"/>
-                        </a:lnSpc>
-                        <a:spcAft>
-                          <a:spcPts val="0"/>
-                        </a:spcAft>
-                      </a:pPr>
-                      <a:r>
-                        <a:rPr lang="el-GR" sz="1100">
+                        <a:rPr lang="el-GR" sz="1100" dirty="0">
                           <a:effectLst/>
                           <a:latin typeface="Segoe UI Light" panose="020B0502040204020203" pitchFamily="34" charset="0"/>
                           <a:cs typeface="Segoe UI Light" panose="020B0502040204020203" pitchFamily="34" charset="0"/>
                         </a:rPr>
                         <a:t>Κλίμακα</a:t>
                       </a:r>
-                      <a:endParaRPr lang="en-US" sz="1100">
+                      <a:endParaRPr lang="en-US" sz="1100" dirty="0">
                         <a:effectLst/>
                         <a:latin typeface="Segoe UI Light" panose="020B0502040204020203" pitchFamily="34" charset="0"/>
                         <a:ea typeface="Calibri" panose="020F0502020204030204" pitchFamily="34" charset="0"/>
@@ -9097,37 +9262,6 @@
                         <a:t>50k</a:t>
                       </a:r>
                       <a:endParaRPr lang="en-US" sz="1100" dirty="0">
-                        <a:effectLst/>
-                        <a:latin typeface="Segoe UI Light" panose="020B0502040204020203" pitchFamily="34" charset="0"/>
-                        <a:ea typeface="Calibri" panose="020F0502020204030204" pitchFamily="34" charset="0"/>
-                        <a:cs typeface="Segoe UI Light" panose="020B0502040204020203" pitchFamily="34" charset="0"/>
-                      </a:endParaRPr>
-                    </a:p>
-                  </a:txBody>
-                  <a:tcPr marL="68580" marR="68580" marT="0" marB="0"/>
-                </a:tc>
-                <a:tc>
-                  <a:txBody>
-                    <a:bodyPr/>
-                    <a:lstStyle/>
-                    <a:p>
-                      <a:pPr algn="ctr">
-                        <a:lnSpc>
-                          <a:spcPct val="107000"/>
-                        </a:lnSpc>
-                        <a:spcAft>
-                          <a:spcPts val="0"/>
-                        </a:spcAft>
-                      </a:pPr>
-                      <a:r>
-                        <a:rPr lang="el-GR" sz="1100">
-                          <a:effectLst/>
-                          <a:latin typeface="Segoe UI Light" panose="020B0502040204020203" pitchFamily="34" charset="0"/>
-                          <a:cs typeface="Segoe UI Light" panose="020B0502040204020203" pitchFamily="34" charset="0"/>
-                        </a:rPr>
-                        <a:t>30 %</a:t>
-                      </a:r>
-                      <a:endParaRPr lang="en-US" sz="1100">
                         <a:effectLst/>
                         <a:latin typeface="Segoe UI Light" panose="020B0502040204020203" pitchFamily="34" charset="0"/>
                         <a:ea typeface="Calibri" panose="020F0502020204030204" pitchFamily="34" charset="0"/>
@@ -9357,37 +9491,6 @@
                           <a:latin typeface="Segoe UI Light" panose="020B0502040204020203" pitchFamily="34" charset="0"/>
                           <a:cs typeface="Segoe UI Light" panose="020B0502040204020203" pitchFamily="34" charset="0"/>
                         </a:rPr>
-                        <a:t>60 %</a:t>
-                      </a:r>
-                      <a:endParaRPr lang="en-US" sz="1100" dirty="0">
-                        <a:effectLst/>
-                        <a:latin typeface="Segoe UI Light" panose="020B0502040204020203" pitchFamily="34" charset="0"/>
-                        <a:ea typeface="Calibri" panose="020F0502020204030204" pitchFamily="34" charset="0"/>
-                        <a:cs typeface="Segoe UI Light" panose="020B0502040204020203" pitchFamily="34" charset="0"/>
-                      </a:endParaRPr>
-                    </a:p>
-                  </a:txBody>
-                  <a:tcPr marL="68580" marR="68580" marT="0" marB="0"/>
-                </a:tc>
-                <a:tc>
-                  <a:txBody>
-                    <a:bodyPr/>
-                    <a:lstStyle/>
-                    <a:p>
-                      <a:pPr algn="ctr">
-                        <a:lnSpc>
-                          <a:spcPct val="107000"/>
-                        </a:lnSpc>
-                        <a:spcAft>
-                          <a:spcPts val="0"/>
-                        </a:spcAft>
-                      </a:pPr>
-                      <a:r>
-                        <a:rPr lang="el-GR" sz="1100" dirty="0">
-                          <a:effectLst/>
-                          <a:latin typeface="Segoe UI Light" panose="020B0502040204020203" pitchFamily="34" charset="0"/>
-                          <a:cs typeface="Segoe UI Light" panose="020B0502040204020203" pitchFamily="34" charset="0"/>
-                        </a:rPr>
                         <a:t>[0,10]</a:t>
                       </a:r>
                       <a:endParaRPr lang="en-US" sz="1100" dirty="0">
@@ -9576,37 +9679,6 @@
                         </a:spcAft>
                       </a:pPr>
                       <a:r>
-                        <a:rPr lang="el-GR" sz="1100">
-                          <a:effectLst/>
-                          <a:latin typeface="Segoe UI Light" panose="020B0502040204020203" pitchFamily="34" charset="0"/>
-                          <a:cs typeface="Segoe UI Light" panose="020B0502040204020203" pitchFamily="34" charset="0"/>
-                        </a:rPr>
-                        <a:t>2 % </a:t>
-                      </a:r>
-                      <a:endParaRPr lang="en-US" sz="1100">
-                        <a:effectLst/>
-                        <a:latin typeface="Segoe UI Light" panose="020B0502040204020203" pitchFamily="34" charset="0"/>
-                        <a:ea typeface="Calibri" panose="020F0502020204030204" pitchFamily="34" charset="0"/>
-                        <a:cs typeface="Segoe UI Light" panose="020B0502040204020203" pitchFamily="34" charset="0"/>
-                      </a:endParaRPr>
-                    </a:p>
-                  </a:txBody>
-                  <a:tcPr marL="68580" marR="68580" marT="0" marB="0"/>
-                </a:tc>
-                <a:tc>
-                  <a:txBody>
-                    <a:bodyPr/>
-                    <a:lstStyle/>
-                    <a:p>
-                      <a:pPr algn="ctr">
-                        <a:lnSpc>
-                          <a:spcPct val="107000"/>
-                        </a:lnSpc>
-                        <a:spcAft>
-                          <a:spcPts val="0"/>
-                        </a:spcAft>
-                      </a:pPr>
-                      <a:r>
                         <a:rPr lang="el-GR" sz="1100" dirty="0">
                           <a:effectLst/>
                           <a:latin typeface="Segoe UI Light" panose="020B0502040204020203" pitchFamily="34" charset="0"/>
@@ -9737,11 +9809,18 @@
               <a:t>αποτελέσματα (</a:t>
             </a:r>
             <a:r>
+              <a:rPr lang="en-US" i="1" dirty="0" smtClean="0">
+                <a:latin typeface="Segoe UI Light" panose="020B0502040204020203" pitchFamily="34" charset="0"/>
+                <a:cs typeface="Segoe UI Light" panose="020B0502040204020203" pitchFamily="34" charset="0"/>
+              </a:rPr>
+              <a:t>Asos30</a:t>
+            </a:r>
+            <a:r>
               <a:rPr lang="en-US" dirty="0" smtClean="0">
                 <a:latin typeface="Segoe UI Light" panose="020B0502040204020203" pitchFamily="34" charset="0"/>
                 <a:cs typeface="Segoe UI Light" panose="020B0502040204020203" pitchFamily="34" charset="0"/>
               </a:rPr>
-              <a:t>Asos30)</a:t>
+              <a:t>)</a:t>
             </a:r>
             <a:endParaRPr lang="en-US" dirty="0"/>
           </a:p>
@@ -9787,7 +9866,7 @@
         </p:blipFill>
         <p:spPr>
           <a:xfrm>
-            <a:off x="2447924" y="4272451"/>
+            <a:off x="2447924" y="4369166"/>
             <a:ext cx="7296150" cy="2028825"/>
           </a:xfrm>
           <a:prstGeom prst="rect">
@@ -9797,182 +9876,88 @@
       </p:pic>
       <p:sp>
         <p:nvSpPr>
-          <p:cNvPr id="6" name="Ορθογώνιο 5"/>
-          <p:cNvSpPr/>
+          <p:cNvPr id="3" name="TextBox 2"/>
+          <p:cNvSpPr txBox="1"/>
           <p:nvPr/>
         </p:nvSpPr>
         <p:spPr>
           <a:xfrm>
-            <a:off x="8667750" y="2402497"/>
-            <a:ext cx="776288" cy="322201"/>
+            <a:off x="2760785" y="1380392"/>
+            <a:ext cx="5873261" cy="369332"/>
           </a:xfrm>
           <a:prstGeom prst="rect">
             <a:avLst/>
           </a:prstGeom>
           <a:noFill/>
-          <a:ln w="9525" cap="flat" cmpd="sng" algn="ctr">
-            <a:solidFill>
-              <a:schemeClr val="accent2"/>
-            </a:solidFill>
-            <a:prstDash val="solid"/>
-            <a:round/>
-            <a:headEnd type="none" w="med" len="med"/>
-            <a:tailEnd type="none" w="med" len="med"/>
-          </a:ln>
-        </p:spPr>
-        <p:style>
-          <a:lnRef idx="0">
-            <a:scrgbClr r="0" g="0" b="0"/>
-          </a:lnRef>
-          <a:fillRef idx="0">
-            <a:scrgbClr r="0" g="0" b="0"/>
-          </a:fillRef>
-          <a:effectRef idx="0">
-            <a:scrgbClr r="0" g="0" b="0"/>
-          </a:effectRef>
-          <a:fontRef idx="minor">
-            <a:schemeClr val="accent2"/>
-          </a:fontRef>
-        </p:style>
-        <p:txBody>
-          <a:bodyPr rtlCol="0" anchor="ctr"/>
+        </p:spPr>
+        <p:txBody>
+          <a:bodyPr wrap="square" rtlCol="0">
+            <a:spAutoFit/>
+          </a:bodyPr>
           <a:lstStyle/>
           <a:p>
             <a:pPr algn="ctr"/>
-            <a:endParaRPr lang="en-US"/>
-          </a:p>
-        </p:txBody>
-      </p:sp>
-      <p:sp>
-        <p:nvSpPr>
-          <p:cNvPr id="7" name="Ορθογώνιο 6"/>
-          <p:cNvSpPr/>
+            <a:r>
+              <a:rPr lang="el-GR" dirty="0" smtClean="0">
+                <a:latin typeface="Segoe UI Light" panose="020B0502040204020203" pitchFamily="34" charset="0"/>
+                <a:cs typeface="Segoe UI Light" panose="020B0502040204020203" pitchFamily="34" charset="0"/>
+              </a:rPr>
+              <a:t>Μετρικές ταξινόμησης </a:t>
+            </a:r>
+            <a:endParaRPr lang="en-US" dirty="0">
+              <a:latin typeface="Segoe UI Light" panose="020B0502040204020203" pitchFamily="34" charset="0"/>
+              <a:cs typeface="Segoe UI Light" panose="020B0502040204020203" pitchFamily="34" charset="0"/>
+            </a:endParaRPr>
+          </a:p>
+        </p:txBody>
+      </p:sp>
+      <p:sp>
+        <p:nvSpPr>
+          <p:cNvPr id="15" name="TextBox 14"/>
+          <p:cNvSpPr txBox="1"/>
           <p:nvPr/>
         </p:nvSpPr>
         <p:spPr>
           <a:xfrm>
-            <a:off x="8667750" y="2724699"/>
-            <a:ext cx="776288" cy="304252"/>
+            <a:off x="2760785" y="3969428"/>
+            <a:ext cx="5873261" cy="369332"/>
           </a:xfrm>
           <a:prstGeom prst="rect">
             <a:avLst/>
           </a:prstGeom>
           <a:noFill/>
-          <a:ln w="9525" cap="flat" cmpd="sng" algn="ctr">
-            <a:solidFill>
-              <a:schemeClr val="accent2"/>
-            </a:solidFill>
-            <a:prstDash val="solid"/>
-            <a:round/>
-            <a:headEnd type="none" w="med" len="med"/>
-            <a:tailEnd type="none" w="med" len="med"/>
-          </a:ln>
-        </p:spPr>
-        <p:style>
-          <a:lnRef idx="0">
-            <a:scrgbClr r="0" g="0" b="0"/>
-          </a:lnRef>
-          <a:fillRef idx="0">
-            <a:scrgbClr r="0" g="0" b="0"/>
-          </a:fillRef>
-          <a:effectRef idx="0">
-            <a:scrgbClr r="0" g="0" b="0"/>
-          </a:effectRef>
-          <a:fontRef idx="minor">
-            <a:schemeClr val="accent2"/>
-          </a:fontRef>
-        </p:style>
-        <p:txBody>
-          <a:bodyPr rtlCol="0" anchor="ctr"/>
+        </p:spPr>
+        <p:txBody>
+          <a:bodyPr wrap="square" rtlCol="0">
+            <a:spAutoFit/>
+          </a:bodyPr>
           <a:lstStyle/>
           <a:p>
             <a:pPr algn="ctr"/>
-            <a:endParaRPr lang="en-US"/>
-          </a:p>
-        </p:txBody>
-      </p:sp>
-      <p:cxnSp>
-        <p:nvCxnSpPr>
-          <p:cNvPr id="9" name="Ευθύγραμμο βέλος σύνδεσης 8"/>
-          <p:cNvCxnSpPr>
-            <a:stCxn id="6" idx="3"/>
-            <a:endCxn id="14" idx="1"/>
-          </p:cNvCxnSpPr>
-          <p:nvPr/>
-        </p:nvCxnSpPr>
-        <p:spPr>
-          <a:xfrm flipV="1">
-            <a:off x="9444038" y="2065733"/>
-            <a:ext cx="500059" cy="497865"/>
-          </a:xfrm>
-          <a:prstGeom prst="straightConnector1">
-            <a:avLst/>
-          </a:prstGeom>
-          <a:ln>
-            <a:tailEnd type="triangle"/>
-          </a:ln>
-        </p:spPr>
-        <p:style>
-          <a:lnRef idx="1">
-            <a:schemeClr val="accent1"/>
-          </a:lnRef>
-          <a:fillRef idx="0">
-            <a:schemeClr val="accent1"/>
-          </a:fillRef>
-          <a:effectRef idx="0">
-            <a:schemeClr val="accent1"/>
-          </a:effectRef>
-          <a:fontRef idx="minor">
-            <a:schemeClr val="tx1"/>
-          </a:fontRef>
-        </p:style>
-      </p:cxnSp>
-      <p:cxnSp>
-        <p:nvCxnSpPr>
-          <p:cNvPr id="11" name="Ευθύγραμμο βέλος σύνδεσης 10"/>
-          <p:cNvCxnSpPr>
-            <a:stCxn id="7" idx="3"/>
-            <a:endCxn id="18" idx="1"/>
-          </p:cNvCxnSpPr>
-          <p:nvPr/>
-        </p:nvCxnSpPr>
-        <p:spPr>
-          <a:xfrm>
-            <a:off x="9444038" y="2876825"/>
-            <a:ext cx="500059" cy="686983"/>
-          </a:xfrm>
-          <a:prstGeom prst="straightConnector1">
-            <a:avLst/>
-          </a:prstGeom>
-          <a:ln>
-            <a:tailEnd type="triangle"/>
-          </a:ln>
-        </p:spPr>
-        <p:style>
-          <a:lnRef idx="1">
-            <a:schemeClr val="accent1"/>
-          </a:lnRef>
-          <a:fillRef idx="0">
-            <a:schemeClr val="accent1"/>
-          </a:fillRef>
-          <a:effectRef idx="0">
-            <a:schemeClr val="accent1"/>
-          </a:effectRef>
-          <a:fontRef idx="minor">
-            <a:schemeClr val="tx1"/>
-          </a:fontRef>
-        </p:style>
-      </p:cxnSp>
-      <p:sp>
-        <p:nvSpPr>
-          <p:cNvPr id="14" name="Ορθογώνιο 13"/>
+            <a:r>
+              <a:rPr lang="el-GR" dirty="0" smtClean="0">
+                <a:latin typeface="Segoe UI Light" panose="020B0502040204020203" pitchFamily="34" charset="0"/>
+                <a:cs typeface="Segoe UI Light" panose="020B0502040204020203" pitchFamily="34" charset="0"/>
+              </a:rPr>
+              <a:t>Σφάλμα εκτίμησης </a:t>
+            </a:r>
+            <a:endParaRPr lang="en-US" dirty="0">
+              <a:latin typeface="Segoe UI Light" panose="020B0502040204020203" pitchFamily="34" charset="0"/>
+              <a:cs typeface="Segoe UI Light" panose="020B0502040204020203" pitchFamily="34" charset="0"/>
+            </a:endParaRPr>
+          </a:p>
+        </p:txBody>
+      </p:sp>
+      <p:sp>
+        <p:nvSpPr>
+          <p:cNvPr id="10" name="Ορθογώνιο 9"/>
           <p:cNvSpPr/>
           <p:nvPr/>
         </p:nvSpPr>
         <p:spPr>
           <a:xfrm>
-            <a:off x="9944097" y="1589872"/>
-            <a:ext cx="1647825" cy="951721"/>
+            <a:off x="10069390" y="3708339"/>
+            <a:ext cx="1974056" cy="1243813"/>
           </a:xfrm>
           <a:prstGeom prst="rect">
             <a:avLst/>
@@ -10000,79 +9985,227 @@
           <a:p>
             <a:pPr algn="ctr"/>
             <a:r>
-              <a:rPr lang="el-GR" sz="1200" dirty="0" smtClean="0">
-                <a:latin typeface="Segoe UI Light" panose="020B0502040204020203" pitchFamily="34" charset="0"/>
-                <a:cs typeface="Segoe UI Light" panose="020B0502040204020203" pitchFamily="34" charset="0"/>
-              </a:rPr>
-              <a:t>Υλοποιήσεις που μελετούν την αλληλεπίδραση μεταξύ των χρηστών</a:t>
-            </a:r>
-            <a:endParaRPr lang="en-US" sz="1200" dirty="0">
+              <a:rPr lang="el-GR" sz="1400" dirty="0" smtClean="0">
+                <a:latin typeface="Segoe UI Light" panose="020B0502040204020203" pitchFamily="34" charset="0"/>
+                <a:cs typeface="Segoe UI Light" panose="020B0502040204020203" pitchFamily="34" charset="0"/>
+              </a:rPr>
+              <a:t>Καλύτερη υλοποίηση: Υβριδικό Σύστημα Γραμμικής Παλινδρόμησης</a:t>
+            </a:r>
+            <a:endParaRPr lang="en-US" sz="1400" dirty="0">
               <a:latin typeface="Segoe UI Light" panose="020B0502040204020203" pitchFamily="34" charset="0"/>
               <a:cs typeface="Segoe UI Light" panose="020B0502040204020203" pitchFamily="34" charset="0"/>
             </a:endParaRPr>
           </a:p>
         </p:txBody>
       </p:sp>
-      <p:sp>
-        <p:nvSpPr>
-          <p:cNvPr id="18" name="Ορθογώνιο 17"/>
+      <p:cxnSp>
+        <p:nvCxnSpPr>
+          <p:cNvPr id="13" name="Ευθύγραμμο βέλος σύνδεσης 12"/>
+          <p:cNvCxnSpPr/>
+          <p:nvPr/>
+        </p:nvCxnSpPr>
+        <p:spPr>
+          <a:xfrm flipH="1" flipV="1">
+            <a:off x="3991708" y="3640015"/>
+            <a:ext cx="8792" cy="219808"/>
+          </a:xfrm>
+          <a:prstGeom prst="straightConnector1">
+            <a:avLst/>
+          </a:prstGeom>
+          <a:ln>
+            <a:tailEnd type="triangle"/>
+          </a:ln>
+        </p:spPr>
+        <p:style>
+          <a:lnRef idx="1">
+            <a:schemeClr val="accent5"/>
+          </a:lnRef>
+          <a:fillRef idx="0">
+            <a:schemeClr val="accent5"/>
+          </a:fillRef>
+          <a:effectRef idx="0">
+            <a:schemeClr val="accent5"/>
+          </a:effectRef>
+          <a:fontRef idx="minor">
+            <a:schemeClr val="tx1"/>
+          </a:fontRef>
+        </p:style>
+      </p:cxnSp>
+      <p:cxnSp>
+        <p:nvCxnSpPr>
+          <p:cNvPr id="20" name="Ευθύγραμμο βέλος σύνδεσης 19"/>
+          <p:cNvCxnSpPr/>
+          <p:nvPr/>
+        </p:nvCxnSpPr>
+        <p:spPr>
+          <a:xfrm flipH="1" flipV="1">
+            <a:off x="5462954" y="3615789"/>
+            <a:ext cx="8792" cy="219808"/>
+          </a:xfrm>
+          <a:prstGeom prst="straightConnector1">
+            <a:avLst/>
+          </a:prstGeom>
+          <a:ln>
+            <a:tailEnd type="triangle"/>
+          </a:ln>
+        </p:spPr>
+        <p:style>
+          <a:lnRef idx="1">
+            <a:schemeClr val="accent5"/>
+          </a:lnRef>
+          <a:fillRef idx="0">
+            <a:schemeClr val="accent5"/>
+          </a:fillRef>
+          <a:effectRef idx="0">
+            <a:schemeClr val="accent5"/>
+          </a:effectRef>
+          <a:fontRef idx="minor">
+            <a:schemeClr val="tx1"/>
+          </a:fontRef>
+        </p:style>
+      </p:cxnSp>
+      <p:cxnSp>
+        <p:nvCxnSpPr>
+          <p:cNvPr id="21" name="Ευθύγραμμο βέλος σύνδεσης 20"/>
+          <p:cNvCxnSpPr/>
+          <p:nvPr/>
+        </p:nvCxnSpPr>
+        <p:spPr>
+          <a:xfrm flipH="1" flipV="1">
+            <a:off x="6944274" y="3615789"/>
+            <a:ext cx="8792" cy="219808"/>
+          </a:xfrm>
+          <a:prstGeom prst="straightConnector1">
+            <a:avLst/>
+          </a:prstGeom>
+          <a:ln>
+            <a:tailEnd type="triangle"/>
+          </a:ln>
+        </p:spPr>
+        <p:style>
+          <a:lnRef idx="1">
+            <a:schemeClr val="accent5"/>
+          </a:lnRef>
+          <a:fillRef idx="0">
+            <a:schemeClr val="accent5"/>
+          </a:fillRef>
+          <a:effectRef idx="0">
+            <a:schemeClr val="accent5"/>
+          </a:effectRef>
+          <a:fontRef idx="minor">
+            <a:schemeClr val="tx1"/>
+          </a:fontRef>
+        </p:style>
+      </p:cxnSp>
+      <p:cxnSp>
+        <p:nvCxnSpPr>
+          <p:cNvPr id="24" name="Ευθύγραμμο βέλος σύνδεσης 23"/>
+          <p:cNvCxnSpPr/>
+          <p:nvPr/>
+        </p:nvCxnSpPr>
+        <p:spPr>
+          <a:xfrm flipH="1" flipV="1">
+            <a:off x="8416802" y="3598435"/>
+            <a:ext cx="8792" cy="219808"/>
+          </a:xfrm>
+          <a:prstGeom prst="straightConnector1">
+            <a:avLst/>
+          </a:prstGeom>
+          <a:ln>
+            <a:tailEnd type="triangle"/>
+          </a:ln>
+        </p:spPr>
+        <p:style>
+          <a:lnRef idx="1">
+            <a:schemeClr val="accent5"/>
+          </a:lnRef>
+          <a:fillRef idx="0">
+            <a:schemeClr val="accent5"/>
+          </a:fillRef>
+          <a:effectRef idx="0">
+            <a:schemeClr val="accent5"/>
+          </a:effectRef>
+          <a:fontRef idx="minor">
+            <a:schemeClr val="tx1"/>
+          </a:fontRef>
+        </p:style>
+      </p:cxnSp>
+      <p:cxnSp>
+        <p:nvCxnSpPr>
+          <p:cNvPr id="25" name="Ευθύγραμμο βέλος σύνδεσης 24"/>
+          <p:cNvCxnSpPr/>
+          <p:nvPr/>
+        </p:nvCxnSpPr>
+        <p:spPr>
+          <a:xfrm flipH="1" flipV="1">
+            <a:off x="5199185" y="6288087"/>
+            <a:ext cx="8792" cy="219808"/>
+          </a:xfrm>
+          <a:prstGeom prst="straightConnector1">
+            <a:avLst/>
+          </a:prstGeom>
+          <a:ln>
+            <a:tailEnd type="triangle"/>
+          </a:ln>
+        </p:spPr>
+        <p:style>
+          <a:lnRef idx="1">
+            <a:schemeClr val="accent5"/>
+          </a:lnRef>
+          <a:fillRef idx="0">
+            <a:schemeClr val="accent5"/>
+          </a:fillRef>
+          <a:effectRef idx="0">
+            <a:schemeClr val="accent5"/>
+          </a:effectRef>
+          <a:fontRef idx="minor">
+            <a:schemeClr val="tx1"/>
+          </a:fontRef>
+        </p:style>
+      </p:cxnSp>
+      <p:cxnSp>
+        <p:nvCxnSpPr>
+          <p:cNvPr id="26" name="Ευθύγραμμο βέλος σύνδεσης 25"/>
+          <p:cNvCxnSpPr/>
+          <p:nvPr/>
+        </p:nvCxnSpPr>
+        <p:spPr>
+          <a:xfrm flipH="1" flipV="1">
+            <a:off x="8127023" y="6286004"/>
+            <a:ext cx="8792" cy="219808"/>
+          </a:xfrm>
+          <a:prstGeom prst="straightConnector1">
+            <a:avLst/>
+          </a:prstGeom>
+          <a:ln>
+            <a:tailEnd type="triangle"/>
+          </a:ln>
+        </p:spPr>
+        <p:style>
+          <a:lnRef idx="1">
+            <a:schemeClr val="accent5"/>
+          </a:lnRef>
+          <a:fillRef idx="0">
+            <a:schemeClr val="accent5"/>
+          </a:fillRef>
+          <a:effectRef idx="0">
+            <a:schemeClr val="accent5"/>
+          </a:effectRef>
+          <a:fontRef idx="minor">
+            <a:schemeClr val="tx1"/>
+          </a:fontRef>
+        </p:style>
+      </p:cxnSp>
+      <p:sp>
+        <p:nvSpPr>
+          <p:cNvPr id="16" name="Ορθογώνιο 15"/>
           <p:cNvSpPr/>
           <p:nvPr/>
         </p:nvSpPr>
         <p:spPr>
           <a:xfrm>
-            <a:off x="9944097" y="2945172"/>
-            <a:ext cx="1647825" cy="1237271"/>
-          </a:xfrm>
-          <a:prstGeom prst="rect">
-            <a:avLst/>
-          </a:prstGeom>
-        </p:spPr>
-        <p:style>
-          <a:lnRef idx="2">
-            <a:schemeClr val="accent1">
-              <a:shade val="50000"/>
-            </a:schemeClr>
-          </a:lnRef>
-          <a:fillRef idx="1">
-            <a:schemeClr val="accent1"/>
-          </a:fillRef>
-          <a:effectRef idx="0">
-            <a:schemeClr val="accent1"/>
-          </a:effectRef>
-          <a:fontRef idx="minor">
-            <a:schemeClr val="lt1"/>
-          </a:fontRef>
-        </p:style>
-        <p:txBody>
-          <a:bodyPr rtlCol="0" anchor="ctr"/>
-          <a:lstStyle/>
-          <a:p>
-            <a:pPr algn="ctr"/>
-            <a:r>
-              <a:rPr lang="el-GR" sz="1200" dirty="0" smtClean="0">
-                <a:latin typeface="Segoe UI Light" panose="020B0502040204020203" pitchFamily="34" charset="0"/>
-                <a:cs typeface="Segoe UI Light" panose="020B0502040204020203" pitchFamily="34" charset="0"/>
-              </a:rPr>
-              <a:t>Υλοποιήσεις που χρησιμοποιούν την αλληλεπίδραση του χρήστη με τα χαρακτηριστικά των προϊόντων</a:t>
-            </a:r>
-            <a:endParaRPr lang="en-US" sz="1200" dirty="0">
-              <a:latin typeface="Segoe UI Light" panose="020B0502040204020203" pitchFamily="34" charset="0"/>
-              <a:cs typeface="Segoe UI Light" panose="020B0502040204020203" pitchFamily="34" charset="0"/>
-            </a:endParaRPr>
-          </a:p>
-        </p:txBody>
-      </p:sp>
-      <p:sp>
-        <p:nvSpPr>
-          <p:cNvPr id="22" name="Ορθογώνιο 21"/>
-          <p:cNvSpPr/>
-          <p:nvPr/>
-        </p:nvSpPr>
-        <p:spPr>
-          <a:xfrm>
-            <a:off x="8667750" y="3026294"/>
-            <a:ext cx="1076324" cy="304252"/>
+            <a:off x="8634046" y="3191608"/>
+            <a:ext cx="1210041" cy="167054"/>
           </a:xfrm>
           <a:prstGeom prst="rect">
             <a:avLst/>
@@ -10080,7 +10213,7 @@
           <a:noFill/>
           <a:ln w="9525" cap="flat" cmpd="sng" algn="ctr">
             <a:solidFill>
-              <a:schemeClr val="accent2"/>
+              <a:schemeClr val="accent1"/>
             </a:solidFill>
             <a:prstDash val="solid"/>
             <a:round/>
@@ -10099,7 +10232,7 @@
             <a:scrgbClr r="0" g="0" b="0"/>
           </a:effectRef>
           <a:fontRef idx="minor">
-            <a:schemeClr val="accent2"/>
+            <a:schemeClr val="accent1"/>
           </a:fontRef>
         </p:style>
         <p:txBody>
@@ -10111,71 +10244,43 @@
           </a:p>
         </p:txBody>
       </p:sp>
-      <p:cxnSp>
-        <p:nvCxnSpPr>
-          <p:cNvPr id="23" name="Ευθύγραμμο βέλος σύνδεσης 22"/>
-          <p:cNvCxnSpPr>
-            <a:stCxn id="22" idx="2"/>
-            <a:endCxn id="27" idx="1"/>
-          </p:cNvCxnSpPr>
-          <p:nvPr/>
-        </p:nvCxnSpPr>
-        <p:spPr>
-          <a:xfrm>
-            <a:off x="9205912" y="3330546"/>
-            <a:ext cx="738186" cy="2028230"/>
-          </a:xfrm>
-          <a:prstGeom prst="straightConnector1">
-            <a:avLst/>
-          </a:prstGeom>
-          <a:ln>
-            <a:tailEnd type="triangle"/>
-          </a:ln>
-        </p:spPr>
-        <p:style>
-          <a:lnRef idx="1">
-            <a:schemeClr val="accent1"/>
-          </a:lnRef>
-          <a:fillRef idx="0">
-            <a:schemeClr val="accent1"/>
-          </a:fillRef>
-          <a:effectRef idx="0">
-            <a:schemeClr val="accent1"/>
-          </a:effectRef>
-          <a:fontRef idx="minor">
-            <a:schemeClr val="tx1"/>
-          </a:fontRef>
-        </p:style>
-      </p:cxnSp>
-      <p:sp>
-        <p:nvSpPr>
-          <p:cNvPr id="27" name="Ορθογώνιο 26"/>
+      <p:sp>
+        <p:nvSpPr>
+          <p:cNvPr id="28" name="Ορθογώνιο 27"/>
           <p:cNvSpPr/>
           <p:nvPr/>
         </p:nvSpPr>
         <p:spPr>
           <a:xfrm>
-            <a:off x="9944098" y="4736903"/>
-            <a:ext cx="1647825" cy="1243745"/>
+            <a:off x="8634046" y="5788270"/>
+            <a:ext cx="1210041" cy="167054"/>
           </a:xfrm>
           <a:prstGeom prst="rect">
             <a:avLst/>
           </a:prstGeom>
+          <a:noFill/>
+          <a:ln w="9525" cap="flat" cmpd="sng" algn="ctr">
+            <a:solidFill>
+              <a:schemeClr val="accent1"/>
+            </a:solidFill>
+            <a:prstDash val="solid"/>
+            <a:round/>
+            <a:headEnd type="none" w="med" len="med"/>
+            <a:tailEnd type="none" w="med" len="med"/>
+          </a:ln>
         </p:spPr>
         <p:style>
-          <a:lnRef idx="2">
-            <a:schemeClr val="accent1">
-              <a:shade val="50000"/>
-            </a:schemeClr>
+          <a:lnRef idx="0">
+            <a:scrgbClr r="0" g="0" b="0"/>
           </a:lnRef>
-          <a:fillRef idx="1">
-            <a:schemeClr val="accent1"/>
+          <a:fillRef idx="0">
+            <a:scrgbClr r="0" g="0" b="0"/>
           </a:fillRef>
           <a:effectRef idx="0">
-            <a:schemeClr val="accent1"/>
+            <a:scrgbClr r="0" g="0" b="0"/>
           </a:effectRef>
           <a:fontRef idx="minor">
-            <a:schemeClr val="lt1"/>
+            <a:schemeClr val="accent1"/>
           </a:fontRef>
         </p:style>
         <p:txBody>
@@ -10183,17 +10288,7 @@
           <a:lstStyle/>
           <a:p>
             <a:pPr algn="ctr"/>
-            <a:r>
-              <a:rPr lang="el-GR" sz="1200" dirty="0" smtClean="0">
-                <a:latin typeface="Segoe UI Light" panose="020B0502040204020203" pitchFamily="34" charset="0"/>
-                <a:cs typeface="Segoe UI Light" panose="020B0502040204020203" pitchFamily="34" charset="0"/>
-              </a:rPr>
-              <a:t>Υλοποιήσεις που χρησιμοποιούν και τις δύο πληροφορίες</a:t>
-            </a:r>
-            <a:endParaRPr lang="en-US" sz="1200" dirty="0">
-              <a:latin typeface="Segoe UI Light" panose="020B0502040204020203" pitchFamily="34" charset="0"/>
-              <a:cs typeface="Segoe UI Light" panose="020B0502040204020203" pitchFamily="34" charset="0"/>
-            </a:endParaRPr>
+            <a:endParaRPr lang="en-US"/>
           </a:p>
         </p:txBody>
       </p:sp>
@@ -10269,21 +10364,21 @@
               <a:t>(</a:t>
             </a:r>
             <a:r>
-              <a:rPr lang="en-US" dirty="0" err="1" smtClean="0">
+              <a:rPr lang="en-US" i="1" dirty="0" err="1" smtClean="0">
                 <a:latin typeface="Segoe UI Light" panose="020B0502040204020203" pitchFamily="34" charset="0"/>
                 <a:cs typeface="Segoe UI Light" panose="020B0502040204020203" pitchFamily="34" charset="0"/>
               </a:rPr>
               <a:t>Asos</a:t>
             </a:r>
             <a:r>
-              <a:rPr lang="el-GR" dirty="0" smtClean="0">
+              <a:rPr lang="el-GR" i="1" dirty="0" smtClean="0">
                 <a:latin typeface="Segoe UI Light" panose="020B0502040204020203" pitchFamily="34" charset="0"/>
                 <a:cs typeface="Segoe UI Light" panose="020B0502040204020203" pitchFamily="34" charset="0"/>
               </a:rPr>
               <a:t>6</a:t>
             </a:r>
             <a:r>
-              <a:rPr lang="en-US" dirty="0" smtClean="0">
+              <a:rPr lang="en-US" i="1" dirty="0" smtClean="0">
                 <a:latin typeface="Segoe UI Light" panose="020B0502040204020203" pitchFamily="34" charset="0"/>
                 <a:cs typeface="Segoe UI Light" panose="020B0502040204020203" pitchFamily="34" charset="0"/>
               </a:rPr>
@@ -10316,7 +10411,7 @@
         </p:blipFill>
         <p:spPr>
           <a:xfrm>
-            <a:off x="2376487" y="3833447"/>
+            <a:off x="2324099" y="4273062"/>
             <a:ext cx="7439025" cy="2057400"/>
           </a:xfrm>
           <a:prstGeom prst="rect">
@@ -10348,6 +10443,488 @@
           </a:prstGeom>
         </p:spPr>
       </p:pic>
+      <p:sp>
+        <p:nvSpPr>
+          <p:cNvPr id="6" name="TextBox 5"/>
+          <p:cNvSpPr txBox="1"/>
+          <p:nvPr/>
+        </p:nvSpPr>
+        <p:spPr>
+          <a:xfrm>
+            <a:off x="2664070" y="1359090"/>
+            <a:ext cx="5873261" cy="369332"/>
+          </a:xfrm>
+          <a:prstGeom prst="rect">
+            <a:avLst/>
+          </a:prstGeom>
+          <a:noFill/>
+        </p:spPr>
+        <p:txBody>
+          <a:bodyPr wrap="square" rtlCol="0">
+            <a:spAutoFit/>
+          </a:bodyPr>
+          <a:lstStyle/>
+          <a:p>
+            <a:pPr algn="ctr"/>
+            <a:r>
+              <a:rPr lang="el-GR" dirty="0" smtClean="0">
+                <a:latin typeface="Segoe UI Light" panose="020B0502040204020203" pitchFamily="34" charset="0"/>
+                <a:cs typeface="Segoe UI Light" panose="020B0502040204020203" pitchFamily="34" charset="0"/>
+              </a:rPr>
+              <a:t>Μετρικές ταξινόμησης </a:t>
+            </a:r>
+            <a:endParaRPr lang="en-US" dirty="0">
+              <a:latin typeface="Segoe UI Light" panose="020B0502040204020203" pitchFamily="34" charset="0"/>
+              <a:cs typeface="Segoe UI Light" panose="020B0502040204020203" pitchFamily="34" charset="0"/>
+            </a:endParaRPr>
+          </a:p>
+        </p:txBody>
+      </p:sp>
+      <p:sp>
+        <p:nvSpPr>
+          <p:cNvPr id="7" name="TextBox 6"/>
+          <p:cNvSpPr txBox="1"/>
+          <p:nvPr/>
+        </p:nvSpPr>
+        <p:spPr>
+          <a:xfrm>
+            <a:off x="2664070" y="3969428"/>
+            <a:ext cx="5873261" cy="369332"/>
+          </a:xfrm>
+          <a:prstGeom prst="rect">
+            <a:avLst/>
+          </a:prstGeom>
+          <a:noFill/>
+        </p:spPr>
+        <p:txBody>
+          <a:bodyPr wrap="square" rtlCol="0">
+            <a:spAutoFit/>
+          </a:bodyPr>
+          <a:lstStyle/>
+          <a:p>
+            <a:pPr algn="ctr"/>
+            <a:r>
+              <a:rPr lang="el-GR" dirty="0" smtClean="0">
+                <a:latin typeface="Segoe UI Light" panose="020B0502040204020203" pitchFamily="34" charset="0"/>
+                <a:cs typeface="Segoe UI Light" panose="020B0502040204020203" pitchFamily="34" charset="0"/>
+              </a:rPr>
+              <a:t>Σφάλμα εκτίμησης </a:t>
+            </a:r>
+            <a:endParaRPr lang="en-US" dirty="0">
+              <a:latin typeface="Segoe UI Light" panose="020B0502040204020203" pitchFamily="34" charset="0"/>
+              <a:cs typeface="Segoe UI Light" panose="020B0502040204020203" pitchFamily="34" charset="0"/>
+            </a:endParaRPr>
+          </a:p>
+        </p:txBody>
+      </p:sp>
+      <p:cxnSp>
+        <p:nvCxnSpPr>
+          <p:cNvPr id="8" name="Ευθύγραμμο βέλος σύνδεσης 7"/>
+          <p:cNvCxnSpPr/>
+          <p:nvPr/>
+        </p:nvCxnSpPr>
+        <p:spPr>
+          <a:xfrm flipH="1" flipV="1">
+            <a:off x="3877408" y="3613639"/>
+            <a:ext cx="8792" cy="219808"/>
+          </a:xfrm>
+          <a:prstGeom prst="straightConnector1">
+            <a:avLst/>
+          </a:prstGeom>
+          <a:ln>
+            <a:tailEnd type="triangle"/>
+          </a:ln>
+        </p:spPr>
+        <p:style>
+          <a:lnRef idx="1">
+            <a:schemeClr val="accent2"/>
+          </a:lnRef>
+          <a:fillRef idx="0">
+            <a:schemeClr val="accent2"/>
+          </a:fillRef>
+          <a:effectRef idx="0">
+            <a:schemeClr val="accent2"/>
+          </a:effectRef>
+          <a:fontRef idx="minor">
+            <a:schemeClr val="tx1"/>
+          </a:fontRef>
+        </p:style>
+      </p:cxnSp>
+      <p:cxnSp>
+        <p:nvCxnSpPr>
+          <p:cNvPr id="9" name="Ευθύγραμμο βέλος σύνδεσης 8"/>
+          <p:cNvCxnSpPr/>
+          <p:nvPr/>
+        </p:nvCxnSpPr>
+        <p:spPr>
+          <a:xfrm flipH="1" flipV="1">
+            <a:off x="5372100" y="3613639"/>
+            <a:ext cx="8792" cy="219808"/>
+          </a:xfrm>
+          <a:prstGeom prst="straightConnector1">
+            <a:avLst/>
+          </a:prstGeom>
+          <a:ln>
+            <a:tailEnd type="triangle"/>
+          </a:ln>
+        </p:spPr>
+        <p:style>
+          <a:lnRef idx="1">
+            <a:schemeClr val="accent2"/>
+          </a:lnRef>
+          <a:fillRef idx="0">
+            <a:schemeClr val="accent2"/>
+          </a:fillRef>
+          <a:effectRef idx="0">
+            <a:schemeClr val="accent2"/>
+          </a:effectRef>
+          <a:fontRef idx="minor">
+            <a:schemeClr val="tx1"/>
+          </a:fontRef>
+        </p:style>
+      </p:cxnSp>
+      <p:cxnSp>
+        <p:nvCxnSpPr>
+          <p:cNvPr id="10" name="Ευθύγραμμο βέλος σύνδεσης 9"/>
+          <p:cNvCxnSpPr/>
+          <p:nvPr/>
+        </p:nvCxnSpPr>
+        <p:spPr>
+          <a:xfrm flipH="1" flipV="1">
+            <a:off x="6866792" y="3613639"/>
+            <a:ext cx="8792" cy="219808"/>
+          </a:xfrm>
+          <a:prstGeom prst="straightConnector1">
+            <a:avLst/>
+          </a:prstGeom>
+          <a:ln>
+            <a:tailEnd type="triangle"/>
+          </a:ln>
+        </p:spPr>
+        <p:style>
+          <a:lnRef idx="1">
+            <a:schemeClr val="accent2"/>
+          </a:lnRef>
+          <a:fillRef idx="0">
+            <a:schemeClr val="accent2"/>
+          </a:fillRef>
+          <a:effectRef idx="0">
+            <a:schemeClr val="accent2"/>
+          </a:effectRef>
+          <a:fontRef idx="minor">
+            <a:schemeClr val="tx1"/>
+          </a:fontRef>
+        </p:style>
+      </p:cxnSp>
+      <p:cxnSp>
+        <p:nvCxnSpPr>
+          <p:cNvPr id="11" name="Ευθύγραμμο βέλος σύνδεσης 10"/>
+          <p:cNvCxnSpPr/>
+          <p:nvPr/>
+        </p:nvCxnSpPr>
+        <p:spPr>
+          <a:xfrm flipH="1" flipV="1">
+            <a:off x="8352692" y="3608945"/>
+            <a:ext cx="8792" cy="219808"/>
+          </a:xfrm>
+          <a:prstGeom prst="straightConnector1">
+            <a:avLst/>
+          </a:prstGeom>
+          <a:ln>
+            <a:tailEnd type="triangle"/>
+          </a:ln>
+        </p:spPr>
+        <p:style>
+          <a:lnRef idx="1">
+            <a:schemeClr val="accent2"/>
+          </a:lnRef>
+          <a:fillRef idx="0">
+            <a:schemeClr val="accent2"/>
+          </a:fillRef>
+          <a:effectRef idx="0">
+            <a:schemeClr val="accent2"/>
+          </a:effectRef>
+          <a:fontRef idx="minor">
+            <a:schemeClr val="tx1"/>
+          </a:fontRef>
+        </p:style>
+      </p:cxnSp>
+      <p:cxnSp>
+        <p:nvCxnSpPr>
+          <p:cNvPr id="12" name="Ευθύγραμμο βέλος σύνδεσης 11"/>
+          <p:cNvCxnSpPr/>
+          <p:nvPr/>
+        </p:nvCxnSpPr>
+        <p:spPr>
+          <a:xfrm flipH="1" flipV="1">
+            <a:off x="5125916" y="6121496"/>
+            <a:ext cx="8792" cy="219808"/>
+          </a:xfrm>
+          <a:prstGeom prst="straightConnector1">
+            <a:avLst/>
+          </a:prstGeom>
+          <a:ln>
+            <a:tailEnd type="triangle"/>
+          </a:ln>
+        </p:spPr>
+        <p:style>
+          <a:lnRef idx="1">
+            <a:schemeClr val="accent2"/>
+          </a:lnRef>
+          <a:fillRef idx="0">
+            <a:schemeClr val="accent2"/>
+          </a:fillRef>
+          <a:effectRef idx="0">
+            <a:schemeClr val="accent2"/>
+          </a:effectRef>
+          <a:fontRef idx="minor">
+            <a:schemeClr val="tx1"/>
+          </a:fontRef>
+        </p:style>
+      </p:cxnSp>
+      <p:cxnSp>
+        <p:nvCxnSpPr>
+          <p:cNvPr id="13" name="Ευθύγραμμο βέλος σύνδεσης 12"/>
+          <p:cNvCxnSpPr/>
+          <p:nvPr/>
+        </p:nvCxnSpPr>
+        <p:spPr>
+          <a:xfrm flipH="1" flipV="1">
+            <a:off x="8071339" y="6121496"/>
+            <a:ext cx="8792" cy="219808"/>
+          </a:xfrm>
+          <a:prstGeom prst="straightConnector1">
+            <a:avLst/>
+          </a:prstGeom>
+          <a:ln>
+            <a:tailEnd type="triangle"/>
+          </a:ln>
+        </p:spPr>
+        <p:style>
+          <a:lnRef idx="1">
+            <a:schemeClr val="accent2"/>
+          </a:lnRef>
+          <a:fillRef idx="0">
+            <a:schemeClr val="accent2"/>
+          </a:fillRef>
+          <a:effectRef idx="0">
+            <a:schemeClr val="accent2"/>
+          </a:effectRef>
+          <a:fontRef idx="minor">
+            <a:schemeClr val="tx1"/>
+          </a:fontRef>
+        </p:style>
+      </p:cxnSp>
+      <p:sp>
+        <p:nvSpPr>
+          <p:cNvPr id="14" name="Ορθογώνιο 13"/>
+          <p:cNvSpPr/>
+          <p:nvPr/>
+        </p:nvSpPr>
+        <p:spPr>
+          <a:xfrm>
+            <a:off x="10069390" y="3532187"/>
+            <a:ext cx="1974056" cy="1243813"/>
+          </a:xfrm>
+          <a:prstGeom prst="rect">
+            <a:avLst/>
+          </a:prstGeom>
+        </p:spPr>
+        <p:style>
+          <a:lnRef idx="2">
+            <a:schemeClr val="accent2">
+              <a:shade val="50000"/>
+            </a:schemeClr>
+          </a:lnRef>
+          <a:fillRef idx="1">
+            <a:schemeClr val="accent2"/>
+          </a:fillRef>
+          <a:effectRef idx="0">
+            <a:schemeClr val="accent2"/>
+          </a:effectRef>
+          <a:fontRef idx="minor">
+            <a:schemeClr val="lt1"/>
+          </a:fontRef>
+        </p:style>
+        <p:txBody>
+          <a:bodyPr rtlCol="0" anchor="ctr"/>
+          <a:lstStyle/>
+          <a:p>
+            <a:pPr algn="ctr"/>
+            <a:r>
+              <a:rPr lang="el-GR" sz="1400" dirty="0" smtClean="0">
+                <a:latin typeface="Segoe UI Light" panose="020B0502040204020203" pitchFamily="34" charset="0"/>
+                <a:cs typeface="Segoe UI Light" panose="020B0502040204020203" pitchFamily="34" charset="0"/>
+              </a:rPr>
+              <a:t>Καλύτερη υλοποίηση: Υβριδικό Σύστημα Γραμμικής Παλινδρόμησης</a:t>
+            </a:r>
+            <a:endParaRPr lang="en-US" sz="1400" dirty="0">
+              <a:latin typeface="Segoe UI Light" panose="020B0502040204020203" pitchFamily="34" charset="0"/>
+              <a:cs typeface="Segoe UI Light" panose="020B0502040204020203" pitchFamily="34" charset="0"/>
+            </a:endParaRPr>
+          </a:p>
+        </p:txBody>
+      </p:sp>
+      <p:sp>
+        <p:nvSpPr>
+          <p:cNvPr id="15" name="Ορθογώνιο 14"/>
+          <p:cNvSpPr/>
+          <p:nvPr/>
+        </p:nvSpPr>
+        <p:spPr>
+          <a:xfrm>
+            <a:off x="8605471" y="3200401"/>
+            <a:ext cx="1210041" cy="167054"/>
+          </a:xfrm>
+          <a:prstGeom prst="rect">
+            <a:avLst/>
+          </a:prstGeom>
+          <a:noFill/>
+          <a:ln w="9525" cap="flat" cmpd="sng" algn="ctr">
+            <a:solidFill>
+              <a:schemeClr val="accent2"/>
+            </a:solidFill>
+            <a:prstDash val="solid"/>
+            <a:round/>
+            <a:headEnd type="none" w="med" len="med"/>
+            <a:tailEnd type="none" w="med" len="med"/>
+          </a:ln>
+        </p:spPr>
+        <p:style>
+          <a:lnRef idx="0">
+            <a:scrgbClr r="0" g="0" b="0"/>
+          </a:lnRef>
+          <a:fillRef idx="0">
+            <a:scrgbClr r="0" g="0" b="0"/>
+          </a:fillRef>
+          <a:effectRef idx="0">
+            <a:scrgbClr r="0" g="0" b="0"/>
+          </a:effectRef>
+          <a:fontRef idx="minor">
+            <a:schemeClr val="accent2"/>
+          </a:fontRef>
+        </p:style>
+        <p:txBody>
+          <a:bodyPr rtlCol="0" anchor="ctr"/>
+          <a:lstStyle/>
+          <a:p>
+            <a:pPr algn="ctr"/>
+            <a:endParaRPr lang="en-US"/>
+          </a:p>
+        </p:txBody>
+      </p:sp>
+      <p:sp>
+        <p:nvSpPr>
+          <p:cNvPr id="16" name="Ορθογώνιο 15"/>
+          <p:cNvSpPr/>
+          <p:nvPr/>
+        </p:nvSpPr>
+        <p:spPr>
+          <a:xfrm>
+            <a:off x="8553083" y="5709139"/>
+            <a:ext cx="1210041" cy="167054"/>
+          </a:xfrm>
+          <a:prstGeom prst="rect">
+            <a:avLst/>
+          </a:prstGeom>
+          <a:noFill/>
+          <a:ln w="9525" cap="flat" cmpd="sng" algn="ctr">
+            <a:solidFill>
+              <a:schemeClr val="accent2"/>
+            </a:solidFill>
+            <a:prstDash val="solid"/>
+            <a:round/>
+            <a:headEnd type="none" w="med" len="med"/>
+            <a:tailEnd type="none" w="med" len="med"/>
+          </a:ln>
+        </p:spPr>
+        <p:style>
+          <a:lnRef idx="0">
+            <a:scrgbClr r="0" g="0" b="0"/>
+          </a:lnRef>
+          <a:fillRef idx="0">
+            <a:scrgbClr r="0" g="0" b="0"/>
+          </a:fillRef>
+          <a:effectRef idx="0">
+            <a:scrgbClr r="0" g="0" b="0"/>
+          </a:effectRef>
+          <a:fontRef idx="minor">
+            <a:schemeClr val="accent2"/>
+          </a:fontRef>
+        </p:style>
+        <p:txBody>
+          <a:bodyPr rtlCol="0" anchor="ctr"/>
+          <a:lstStyle/>
+          <a:p>
+            <a:pPr algn="ctr"/>
+            <a:endParaRPr lang="en-US"/>
+          </a:p>
+        </p:txBody>
+      </p:sp>
+      <p:sp>
+        <p:nvSpPr>
+          <p:cNvPr id="3" name="Στρογγυλεμένο ορθογώνιο 2"/>
+          <p:cNvSpPr/>
+          <p:nvPr/>
+        </p:nvSpPr>
+        <p:spPr>
+          <a:xfrm>
+            <a:off x="10132678" y="5093678"/>
+            <a:ext cx="1847480" cy="1397976"/>
+          </a:xfrm>
+          <a:prstGeom prst="roundRect">
+            <a:avLst/>
+          </a:prstGeom>
+        </p:spPr>
+        <p:style>
+          <a:lnRef idx="2">
+            <a:schemeClr val="accent2">
+              <a:shade val="50000"/>
+            </a:schemeClr>
+          </a:lnRef>
+          <a:fillRef idx="1">
+            <a:schemeClr val="accent2"/>
+          </a:fillRef>
+          <a:effectRef idx="0">
+            <a:schemeClr val="accent2"/>
+          </a:effectRef>
+          <a:fontRef idx="minor">
+            <a:schemeClr val="lt1"/>
+          </a:fontRef>
+        </p:style>
+        <p:txBody>
+          <a:bodyPr rtlCol="0" anchor="ctr"/>
+          <a:lstStyle/>
+          <a:p>
+            <a:pPr algn="ctr"/>
+            <a:r>
+              <a:rPr lang="el-GR" sz="1400" dirty="0" smtClean="0">
+                <a:latin typeface="Segoe UI Light" panose="020B0502040204020203" pitchFamily="34" charset="0"/>
+                <a:cs typeface="Segoe UI Light" panose="020B0502040204020203" pitchFamily="34" charset="0"/>
+              </a:rPr>
+              <a:t>Συγκριτικά με το </a:t>
+            </a:r>
+            <a:r>
+              <a:rPr lang="en-US" sz="1400" dirty="0" smtClean="0">
+                <a:latin typeface="Segoe UI Light" panose="020B0502040204020203" pitchFamily="34" charset="0"/>
+                <a:cs typeface="Segoe UI Light" panose="020B0502040204020203" pitchFamily="34" charset="0"/>
+              </a:rPr>
+              <a:t>Asos30 </a:t>
+            </a:r>
+            <a:r>
+              <a:rPr lang="el-GR" sz="1400" dirty="0" smtClean="0">
+                <a:latin typeface="Segoe UI Light" panose="020B0502040204020203" pitchFamily="34" charset="0"/>
+                <a:cs typeface="Segoe UI Light" panose="020B0502040204020203" pitchFamily="34" charset="0"/>
+              </a:rPr>
+              <a:t>η αύξηση των δεδομένων βελτίωσε την ακρίβεια στις προτάσεις</a:t>
+            </a:r>
+            <a:endParaRPr lang="en-US" sz="1400" dirty="0">
+              <a:latin typeface="Segoe UI Light" panose="020B0502040204020203" pitchFamily="34" charset="0"/>
+              <a:cs typeface="Segoe UI Light" panose="020B0502040204020203" pitchFamily="34" charset="0"/>
+            </a:endParaRPr>
+          </a:p>
+        </p:txBody>
+      </p:sp>
     </p:spTree>
     <p:extLst>
       <p:ext uri="{BB962C8B-B14F-4D97-AF65-F5344CB8AC3E}">
@@ -10397,7 +10974,7 @@
         </p:nvSpPr>
         <p:spPr>
           <a:xfrm>
-            <a:off x="838200" y="206863"/>
+            <a:off x="836823" y="4968"/>
             <a:ext cx="10515600" cy="1325563"/>
           </a:xfrm>
         </p:spPr>
@@ -10460,7 +11037,7 @@
         </p:blipFill>
         <p:spPr>
           <a:xfrm>
-            <a:off x="2738437" y="1532426"/>
+            <a:off x="2737061" y="1602819"/>
             <a:ext cx="6715125" cy="2295525"/>
           </a:xfrm>
           <a:prstGeom prst="rect">
@@ -10484,14 +11061,502 @@
         </p:blipFill>
         <p:spPr>
           <a:xfrm>
-            <a:off x="3431747" y="3827951"/>
-            <a:ext cx="5328504" cy="2393092"/>
+            <a:off x="3508130" y="4416542"/>
+            <a:ext cx="5172989" cy="2323248"/>
           </a:xfrm>
           <a:prstGeom prst="rect">
             <a:avLst/>
           </a:prstGeom>
         </p:spPr>
       </p:pic>
+      <p:sp>
+        <p:nvSpPr>
+          <p:cNvPr id="6" name="TextBox 5"/>
+          <p:cNvSpPr txBox="1"/>
+          <p:nvPr/>
+        </p:nvSpPr>
+        <p:spPr>
+          <a:xfrm>
+            <a:off x="2738438" y="1233487"/>
+            <a:ext cx="6021814" cy="369332"/>
+          </a:xfrm>
+          <a:prstGeom prst="rect">
+            <a:avLst/>
+          </a:prstGeom>
+          <a:noFill/>
+        </p:spPr>
+        <p:txBody>
+          <a:bodyPr wrap="square" rtlCol="0">
+            <a:spAutoFit/>
+          </a:bodyPr>
+          <a:lstStyle/>
+          <a:p>
+            <a:pPr algn="ctr"/>
+            <a:r>
+              <a:rPr lang="el-GR" dirty="0" smtClean="0">
+                <a:latin typeface="Segoe UI Light" panose="020B0502040204020203" pitchFamily="34" charset="0"/>
+                <a:cs typeface="Segoe UI Light" panose="020B0502040204020203" pitchFamily="34" charset="0"/>
+              </a:rPr>
+              <a:t>Μετρικές ταξινόμησης </a:t>
+            </a:r>
+            <a:endParaRPr lang="en-US" dirty="0">
+              <a:latin typeface="Segoe UI Light" panose="020B0502040204020203" pitchFamily="34" charset="0"/>
+              <a:cs typeface="Segoe UI Light" panose="020B0502040204020203" pitchFamily="34" charset="0"/>
+            </a:endParaRPr>
+          </a:p>
+        </p:txBody>
+      </p:sp>
+      <p:sp>
+        <p:nvSpPr>
+          <p:cNvPr id="7" name="TextBox 6"/>
+          <p:cNvSpPr txBox="1"/>
+          <p:nvPr/>
+        </p:nvSpPr>
+        <p:spPr>
+          <a:xfrm>
+            <a:off x="2737061" y="4047210"/>
+            <a:ext cx="5944058" cy="369332"/>
+          </a:xfrm>
+          <a:prstGeom prst="rect">
+            <a:avLst/>
+          </a:prstGeom>
+          <a:noFill/>
+        </p:spPr>
+        <p:txBody>
+          <a:bodyPr wrap="square" rtlCol="0">
+            <a:spAutoFit/>
+          </a:bodyPr>
+          <a:lstStyle/>
+          <a:p>
+            <a:pPr algn="ctr"/>
+            <a:r>
+              <a:rPr lang="el-GR" dirty="0" smtClean="0">
+                <a:latin typeface="Segoe UI Light" panose="020B0502040204020203" pitchFamily="34" charset="0"/>
+                <a:cs typeface="Segoe UI Light" panose="020B0502040204020203" pitchFamily="34" charset="0"/>
+              </a:rPr>
+              <a:t>Σφάλμα εκτίμησης </a:t>
+            </a:r>
+            <a:endParaRPr lang="en-US" dirty="0">
+              <a:latin typeface="Segoe UI Light" panose="020B0502040204020203" pitchFamily="34" charset="0"/>
+              <a:cs typeface="Segoe UI Light" panose="020B0502040204020203" pitchFamily="34" charset="0"/>
+            </a:endParaRPr>
+          </a:p>
+        </p:txBody>
+      </p:sp>
+      <p:sp>
+        <p:nvSpPr>
+          <p:cNvPr id="8" name="Ορθογώνιο 7"/>
+          <p:cNvSpPr/>
+          <p:nvPr/>
+        </p:nvSpPr>
+        <p:spPr>
+          <a:xfrm>
+            <a:off x="9539654" y="2082365"/>
+            <a:ext cx="2497015" cy="1336431"/>
+          </a:xfrm>
+          <a:prstGeom prst="rect">
+            <a:avLst/>
+          </a:prstGeom>
+        </p:spPr>
+        <p:style>
+          <a:lnRef idx="2">
+            <a:schemeClr val="accent2">
+              <a:shade val="50000"/>
+            </a:schemeClr>
+          </a:lnRef>
+          <a:fillRef idx="1">
+            <a:schemeClr val="accent2"/>
+          </a:fillRef>
+          <a:effectRef idx="0">
+            <a:schemeClr val="accent2"/>
+          </a:effectRef>
+          <a:fontRef idx="minor">
+            <a:schemeClr val="lt1"/>
+          </a:fontRef>
+        </p:style>
+        <p:txBody>
+          <a:bodyPr rtlCol="0" anchor="ctr"/>
+          <a:lstStyle/>
+          <a:p>
+            <a:pPr algn="ctr"/>
+            <a:r>
+              <a:rPr lang="el-GR" sz="1400" dirty="0" smtClean="0">
+                <a:latin typeface="Segoe UI Light" panose="020B0502040204020203" pitchFamily="34" charset="0"/>
+                <a:cs typeface="Segoe UI Light" panose="020B0502040204020203" pitchFamily="34" charset="0"/>
+              </a:rPr>
+              <a:t>Καλύτερη υλοποίηση σε θέματα ταξινόμησης:</a:t>
+            </a:r>
+          </a:p>
+          <a:p>
+            <a:pPr algn="ctr"/>
+            <a:r>
+              <a:rPr lang="el-GR" sz="1400" dirty="0" smtClean="0">
+                <a:latin typeface="Segoe UI Light" panose="020B0502040204020203" pitchFamily="34" charset="0"/>
+                <a:cs typeface="Segoe UI Light" panose="020B0502040204020203" pitchFamily="34" charset="0"/>
+              </a:rPr>
+              <a:t>Φιλτράρισμα Περιεχομένου με Νευρωνικά Δίκτυα</a:t>
+            </a:r>
+            <a:endParaRPr lang="en-US" sz="1400" b="1" dirty="0">
+              <a:latin typeface="Segoe UI Light" panose="020B0502040204020203" pitchFamily="34" charset="0"/>
+              <a:cs typeface="Segoe UI Light" panose="020B0502040204020203" pitchFamily="34" charset="0"/>
+            </a:endParaRPr>
+          </a:p>
+        </p:txBody>
+      </p:sp>
+      <p:cxnSp>
+        <p:nvCxnSpPr>
+          <p:cNvPr id="9" name="Ευθύγραμμο βέλος σύνδεσης 8"/>
+          <p:cNvCxnSpPr/>
+          <p:nvPr/>
+        </p:nvCxnSpPr>
+        <p:spPr>
+          <a:xfrm>
+            <a:off x="3956538" y="1567166"/>
+            <a:ext cx="5724" cy="307941"/>
+          </a:xfrm>
+          <a:prstGeom prst="straightConnector1">
+            <a:avLst/>
+          </a:prstGeom>
+          <a:ln>
+            <a:tailEnd type="triangle"/>
+          </a:ln>
+        </p:spPr>
+        <p:style>
+          <a:lnRef idx="1">
+            <a:schemeClr val="accent2"/>
+          </a:lnRef>
+          <a:fillRef idx="0">
+            <a:schemeClr val="accent2"/>
+          </a:fillRef>
+          <a:effectRef idx="0">
+            <a:schemeClr val="accent2"/>
+          </a:effectRef>
+          <a:fontRef idx="minor">
+            <a:schemeClr val="tx1"/>
+          </a:fontRef>
+        </p:style>
+      </p:cxnSp>
+      <p:cxnSp>
+        <p:nvCxnSpPr>
+          <p:cNvPr id="10" name="Ευθύγραμμο βέλος σύνδεσης 9"/>
+          <p:cNvCxnSpPr/>
+          <p:nvPr/>
+        </p:nvCxnSpPr>
+        <p:spPr>
+          <a:xfrm>
+            <a:off x="5199184" y="1567166"/>
+            <a:ext cx="0" cy="184519"/>
+          </a:xfrm>
+          <a:prstGeom prst="straightConnector1">
+            <a:avLst/>
+          </a:prstGeom>
+          <a:ln>
+            <a:tailEnd type="triangle"/>
+          </a:ln>
+        </p:spPr>
+        <p:style>
+          <a:lnRef idx="1">
+            <a:schemeClr val="accent2"/>
+          </a:lnRef>
+          <a:fillRef idx="0">
+            <a:schemeClr val="accent2"/>
+          </a:fillRef>
+          <a:effectRef idx="0">
+            <a:schemeClr val="accent2"/>
+          </a:effectRef>
+          <a:fontRef idx="minor">
+            <a:schemeClr val="tx1"/>
+          </a:fontRef>
+        </p:style>
+      </p:cxnSp>
+      <p:cxnSp>
+        <p:nvCxnSpPr>
+          <p:cNvPr id="11" name="Ευθύγραμμο βέλος σύνδεσης 10"/>
+          <p:cNvCxnSpPr/>
+          <p:nvPr/>
+        </p:nvCxnSpPr>
+        <p:spPr>
+          <a:xfrm flipH="1">
+            <a:off x="6482082" y="1602819"/>
+            <a:ext cx="24227" cy="272288"/>
+          </a:xfrm>
+          <a:prstGeom prst="straightConnector1">
+            <a:avLst/>
+          </a:prstGeom>
+          <a:ln>
+            <a:tailEnd type="triangle"/>
+          </a:ln>
+        </p:spPr>
+        <p:style>
+          <a:lnRef idx="1">
+            <a:schemeClr val="accent2"/>
+          </a:lnRef>
+          <a:fillRef idx="0">
+            <a:schemeClr val="accent2"/>
+          </a:fillRef>
+          <a:effectRef idx="0">
+            <a:schemeClr val="accent2"/>
+          </a:effectRef>
+          <a:fontRef idx="minor">
+            <a:schemeClr val="tx1"/>
+          </a:fontRef>
+        </p:style>
+      </p:cxnSp>
+      <p:cxnSp>
+        <p:nvCxnSpPr>
+          <p:cNvPr id="12" name="Ευθύγραμμο βέλος σύνδεσης 11"/>
+          <p:cNvCxnSpPr/>
+          <p:nvPr/>
+        </p:nvCxnSpPr>
+        <p:spPr>
+          <a:xfrm>
+            <a:off x="7719005" y="1615541"/>
+            <a:ext cx="18227" cy="136145"/>
+          </a:xfrm>
+          <a:prstGeom prst="straightConnector1">
+            <a:avLst/>
+          </a:prstGeom>
+          <a:ln>
+            <a:tailEnd type="triangle"/>
+          </a:ln>
+        </p:spPr>
+        <p:style>
+          <a:lnRef idx="1">
+            <a:schemeClr val="accent2"/>
+          </a:lnRef>
+          <a:fillRef idx="0">
+            <a:schemeClr val="accent2"/>
+          </a:fillRef>
+          <a:effectRef idx="0">
+            <a:schemeClr val="accent2"/>
+          </a:effectRef>
+          <a:fontRef idx="minor">
+            <a:schemeClr val="tx1"/>
+          </a:fontRef>
+        </p:style>
+      </p:cxnSp>
+      <p:sp>
+        <p:nvSpPr>
+          <p:cNvPr id="22" name="Ορθογώνιο 21"/>
+          <p:cNvSpPr/>
+          <p:nvPr/>
+        </p:nvSpPr>
+        <p:spPr>
+          <a:xfrm>
+            <a:off x="9539653" y="4909950"/>
+            <a:ext cx="2497015" cy="1336431"/>
+          </a:xfrm>
+          <a:prstGeom prst="rect">
+            <a:avLst/>
+          </a:prstGeom>
+        </p:spPr>
+        <p:style>
+          <a:lnRef idx="2">
+            <a:schemeClr val="accent6">
+              <a:shade val="50000"/>
+            </a:schemeClr>
+          </a:lnRef>
+          <a:fillRef idx="1">
+            <a:schemeClr val="accent6"/>
+          </a:fillRef>
+          <a:effectRef idx="0">
+            <a:schemeClr val="accent6"/>
+          </a:effectRef>
+          <a:fontRef idx="minor">
+            <a:schemeClr val="lt1"/>
+          </a:fontRef>
+        </p:style>
+        <p:txBody>
+          <a:bodyPr rtlCol="0" anchor="ctr"/>
+          <a:lstStyle/>
+          <a:p>
+            <a:pPr algn="ctr"/>
+            <a:r>
+              <a:rPr lang="el-GR" sz="1400" dirty="0" smtClean="0">
+                <a:latin typeface="Segoe UI Light" panose="020B0502040204020203" pitchFamily="34" charset="0"/>
+                <a:cs typeface="Segoe UI Light" panose="020B0502040204020203" pitchFamily="34" charset="0"/>
+              </a:rPr>
+              <a:t>Καλύτερη υλοποίηση σε θέματα σφάλματος:</a:t>
+            </a:r>
+          </a:p>
+          <a:p>
+            <a:pPr algn="ctr"/>
+            <a:r>
+              <a:rPr lang="el-GR" sz="1400" dirty="0">
+                <a:latin typeface="Segoe UI Light" panose="020B0502040204020203" pitchFamily="34" charset="0"/>
+                <a:cs typeface="Segoe UI Light" panose="020B0502040204020203" pitchFamily="34" charset="0"/>
+              </a:rPr>
+              <a:t>Υβριδικό Σύστημα Γραμμικής Παλινδρόμησης</a:t>
+            </a:r>
+            <a:endParaRPr lang="en-US" sz="1400" b="1" dirty="0">
+              <a:latin typeface="Segoe UI Light" panose="020B0502040204020203" pitchFamily="34" charset="0"/>
+              <a:cs typeface="Segoe UI Light" panose="020B0502040204020203" pitchFamily="34" charset="0"/>
+            </a:endParaRPr>
+          </a:p>
+        </p:txBody>
+      </p:sp>
+      <p:cxnSp>
+        <p:nvCxnSpPr>
+          <p:cNvPr id="23" name="Ευθύγραμμο βέλος σύνδεσης 22"/>
+          <p:cNvCxnSpPr/>
+          <p:nvPr/>
+        </p:nvCxnSpPr>
+        <p:spPr>
+          <a:xfrm>
+            <a:off x="5322276" y="4411437"/>
+            <a:ext cx="5724" cy="307941"/>
+          </a:xfrm>
+          <a:prstGeom prst="straightConnector1">
+            <a:avLst/>
+          </a:prstGeom>
+          <a:ln>
+            <a:tailEnd type="triangle"/>
+          </a:ln>
+        </p:spPr>
+        <p:style>
+          <a:lnRef idx="1">
+            <a:schemeClr val="accent6"/>
+          </a:lnRef>
+          <a:fillRef idx="0">
+            <a:schemeClr val="accent6"/>
+          </a:fillRef>
+          <a:effectRef idx="0">
+            <a:schemeClr val="accent6"/>
+          </a:effectRef>
+          <a:fontRef idx="minor">
+            <a:schemeClr val="tx1"/>
+          </a:fontRef>
+        </p:style>
+      </p:cxnSp>
+      <p:cxnSp>
+        <p:nvCxnSpPr>
+          <p:cNvPr id="24" name="Ευθύγραμμο βέλος σύνδεσης 23"/>
+          <p:cNvCxnSpPr/>
+          <p:nvPr/>
+        </p:nvCxnSpPr>
+        <p:spPr>
+          <a:xfrm>
+            <a:off x="7051431" y="4565407"/>
+            <a:ext cx="17585" cy="411039"/>
+          </a:xfrm>
+          <a:prstGeom prst="straightConnector1">
+            <a:avLst/>
+          </a:prstGeom>
+          <a:ln>
+            <a:tailEnd type="triangle"/>
+          </a:ln>
+        </p:spPr>
+        <p:style>
+          <a:lnRef idx="1">
+            <a:schemeClr val="accent6"/>
+          </a:lnRef>
+          <a:fillRef idx="0">
+            <a:schemeClr val="accent6"/>
+          </a:fillRef>
+          <a:effectRef idx="0">
+            <a:schemeClr val="accent6"/>
+          </a:effectRef>
+          <a:fontRef idx="minor">
+            <a:schemeClr val="tx1"/>
+          </a:fontRef>
+        </p:style>
+      </p:cxnSp>
+      <p:sp>
+        <p:nvSpPr>
+          <p:cNvPr id="3" name="Ορθογώνιο 2"/>
+          <p:cNvSpPr/>
+          <p:nvPr/>
+        </p:nvSpPr>
+        <p:spPr>
+          <a:xfrm>
+            <a:off x="8185638" y="2927838"/>
+            <a:ext cx="800100" cy="211016"/>
+          </a:xfrm>
+          <a:prstGeom prst="rect">
+            <a:avLst/>
+          </a:prstGeom>
+          <a:noFill/>
+          <a:ln w="9525" cap="flat" cmpd="sng" algn="ctr">
+            <a:solidFill>
+              <a:schemeClr val="accent2"/>
+            </a:solidFill>
+            <a:prstDash val="solid"/>
+            <a:round/>
+            <a:headEnd type="none" w="med" len="med"/>
+            <a:tailEnd type="none" w="med" len="med"/>
+          </a:ln>
+        </p:spPr>
+        <p:style>
+          <a:lnRef idx="0">
+            <a:scrgbClr r="0" g="0" b="0"/>
+          </a:lnRef>
+          <a:fillRef idx="0">
+            <a:scrgbClr r="0" g="0" b="0"/>
+          </a:fillRef>
+          <a:effectRef idx="0">
+            <a:scrgbClr r="0" g="0" b="0"/>
+          </a:effectRef>
+          <a:fontRef idx="minor">
+            <a:schemeClr val="accent2"/>
+          </a:fontRef>
+        </p:style>
+        <p:txBody>
+          <a:bodyPr rtlCol="0" anchor="ctr"/>
+          <a:lstStyle/>
+          <a:p>
+            <a:pPr algn="ctr"/>
+            <a:endParaRPr lang="en-US"/>
+          </a:p>
+        </p:txBody>
+      </p:sp>
+      <p:sp>
+        <p:nvSpPr>
+          <p:cNvPr id="13" name="Ορθογώνιο 12"/>
+          <p:cNvSpPr/>
+          <p:nvPr/>
+        </p:nvSpPr>
+        <p:spPr>
+          <a:xfrm>
+            <a:off x="7385538" y="5978769"/>
+            <a:ext cx="1200150" cy="184639"/>
+          </a:xfrm>
+          <a:prstGeom prst="rect">
+            <a:avLst/>
+          </a:prstGeom>
+          <a:noFill/>
+          <a:ln w="9525" cap="flat" cmpd="sng" algn="ctr">
+            <a:solidFill>
+              <a:schemeClr val="accent6"/>
+            </a:solidFill>
+            <a:prstDash val="solid"/>
+            <a:round/>
+            <a:headEnd type="none" w="med" len="med"/>
+            <a:tailEnd type="none" w="med" len="med"/>
+          </a:ln>
+        </p:spPr>
+        <p:style>
+          <a:lnRef idx="0">
+            <a:scrgbClr r="0" g="0" b="0"/>
+          </a:lnRef>
+          <a:fillRef idx="0">
+            <a:scrgbClr r="0" g="0" b="0"/>
+          </a:fillRef>
+          <a:effectRef idx="0">
+            <a:scrgbClr r="0" g="0" b="0"/>
+          </a:effectRef>
+          <a:fontRef idx="minor">
+            <a:schemeClr val="accent6"/>
+          </a:fontRef>
+        </p:style>
+        <p:txBody>
+          <a:bodyPr rtlCol="0" anchor="ctr"/>
+          <a:lstStyle/>
+          <a:p>
+            <a:pPr algn="ctr"/>
+            <a:endParaRPr lang="en-US"/>
+          </a:p>
+        </p:txBody>
+      </p:sp>
     </p:spTree>
     <p:extLst>
       <p:ext uri="{BB962C8B-B14F-4D97-AF65-F5344CB8AC3E}">
@@ -10597,7 +11662,7 @@
         </p:blipFill>
         <p:spPr>
           <a:xfrm>
-            <a:off x="6147793" y="1180735"/>
+            <a:off x="6227941" y="1180735"/>
             <a:ext cx="5055521" cy="2732532"/>
           </a:xfrm>
           <a:prstGeom prst="rect">
@@ -10621,7 +11686,7 @@
         </p:blipFill>
         <p:spPr>
           <a:xfrm>
-            <a:off x="3731993" y="3983229"/>
+            <a:off x="3731993" y="3992021"/>
             <a:ext cx="4728014" cy="2654962"/>
           </a:xfrm>
           <a:prstGeom prst="rect">
@@ -10629,6 +11694,118 @@
           </a:prstGeom>
         </p:spPr>
       </p:pic>
+      <p:sp>
+        <p:nvSpPr>
+          <p:cNvPr id="3" name="Ορθογώνιο 2"/>
+          <p:cNvSpPr/>
+          <p:nvPr/>
+        </p:nvSpPr>
+        <p:spPr>
+          <a:xfrm>
+            <a:off x="3376246" y="1180735"/>
+            <a:ext cx="545123" cy="219807"/>
+          </a:xfrm>
+          <a:prstGeom prst="rect">
+            <a:avLst/>
+          </a:prstGeom>
+          <a:solidFill>
+            <a:schemeClr val="bg1"/>
+          </a:solidFill>
+          <a:ln/>
+        </p:spPr>
+        <p:style>
+          <a:lnRef idx="2">
+            <a:schemeClr val="accent1">
+              <a:shade val="50000"/>
+            </a:schemeClr>
+          </a:lnRef>
+          <a:fillRef idx="1">
+            <a:schemeClr val="accent1"/>
+          </a:fillRef>
+          <a:effectRef idx="0">
+            <a:schemeClr val="accent1"/>
+          </a:effectRef>
+          <a:fontRef idx="minor">
+            <a:schemeClr val="lt1"/>
+          </a:fontRef>
+        </p:style>
+        <p:txBody>
+          <a:bodyPr rtlCol="0" anchor="ctr"/>
+          <a:lstStyle/>
+          <a:p>
+            <a:pPr algn="ctr"/>
+            <a:r>
+              <a:rPr lang="en-US" sz="800" dirty="0" smtClean="0">
+                <a:solidFill>
+                  <a:schemeClr val="tx1"/>
+                </a:solidFill>
+              </a:rPr>
+              <a:t>asos30</a:t>
+            </a:r>
+            <a:endParaRPr lang="en-US" sz="800" dirty="0">
+              <a:solidFill>
+                <a:schemeClr val="tx1"/>
+              </a:solidFill>
+            </a:endParaRPr>
+          </a:p>
+        </p:txBody>
+      </p:sp>
+      <p:sp>
+        <p:nvSpPr>
+          <p:cNvPr id="7" name="Ορθογώνιο 6"/>
+          <p:cNvSpPr/>
+          <p:nvPr/>
+        </p:nvSpPr>
+        <p:spPr>
+          <a:xfrm>
+            <a:off x="8755701" y="1220112"/>
+            <a:ext cx="545123" cy="219807"/>
+          </a:xfrm>
+          <a:prstGeom prst="rect">
+            <a:avLst/>
+          </a:prstGeom>
+          <a:solidFill>
+            <a:schemeClr val="bg1"/>
+          </a:solidFill>
+          <a:ln/>
+        </p:spPr>
+        <p:style>
+          <a:lnRef idx="2">
+            <a:schemeClr val="accent1">
+              <a:shade val="50000"/>
+            </a:schemeClr>
+          </a:lnRef>
+          <a:fillRef idx="1">
+            <a:schemeClr val="accent1"/>
+          </a:fillRef>
+          <a:effectRef idx="0">
+            <a:schemeClr val="accent1"/>
+          </a:effectRef>
+          <a:fontRef idx="minor">
+            <a:schemeClr val="lt1"/>
+          </a:fontRef>
+        </p:style>
+        <p:txBody>
+          <a:bodyPr rtlCol="0" anchor="ctr"/>
+          <a:lstStyle/>
+          <a:p>
+            <a:pPr algn="ctr"/>
+            <a:r>
+              <a:rPr lang="en-US" sz="800" dirty="0" smtClean="0">
+                <a:solidFill>
+                  <a:schemeClr val="tx1"/>
+                </a:solidFill>
+              </a:rPr>
+              <a:t>asos60</a:t>
+            </a:r>
+            <a:endParaRPr lang="en-US" sz="800" dirty="0">
+              <a:solidFill>
+                <a:schemeClr val="tx1"/>
+              </a:solidFill>
+            </a:endParaRPr>
+          </a:p>
+        </p:txBody>
+      </p:sp>
     </p:spTree>
     <p:extLst>
       <p:ext uri="{BB962C8B-B14F-4D97-AF65-F5344CB8AC3E}">
@@ -11168,7 +12345,21 @@
                 <a:latin typeface="Segoe UI Light" panose="020B0502040204020203" pitchFamily="34" charset="0"/>
                 <a:cs typeface="Segoe UI Light" panose="020B0502040204020203" pitchFamily="34" charset="0"/>
               </a:rPr>
-              <a:t>Το πέμπτο πράσινο γυναικείο παλτό με την γούνα στο γιακά πρώτης σειράς που αρέσει στον σχεδιαστή είναι αρκετά παρόμοιο με το τέταρτο γκρι γυναικείο παλτό της δεύτερης σειράς που προτείνεται από το σύστημα.</a:t>
+              <a:t>Το πέμπτο πράσινο γυναικείο παλτό με την γούνα στο γιακά πρώτης σειράς που αρέσει στον σχεδιαστή είναι αρκετά παρόμοιο με το τέταρτο </a:t>
+            </a:r>
+            <a:r>
+              <a:rPr lang="el-GR" dirty="0" smtClean="0">
+                <a:latin typeface="Segoe UI Light" panose="020B0502040204020203" pitchFamily="34" charset="0"/>
+                <a:cs typeface="Segoe UI Light" panose="020B0502040204020203" pitchFamily="34" charset="0"/>
+              </a:rPr>
+              <a:t>γυναικείο </a:t>
+            </a:r>
+            <a:r>
+              <a:rPr lang="el-GR" dirty="0">
+                <a:latin typeface="Segoe UI Light" panose="020B0502040204020203" pitchFamily="34" charset="0"/>
+                <a:cs typeface="Segoe UI Light" panose="020B0502040204020203" pitchFamily="34" charset="0"/>
+              </a:rPr>
+              <a:t>παλτό της δεύτερης σειράς που προτείνεται από το σύστημα.</a:t>
             </a:r>
             <a:endParaRPr lang="en-US" dirty="0">
               <a:latin typeface="Segoe UI Light" panose="020B0502040204020203" pitchFamily="34" charset="0"/>
@@ -11283,7 +12474,7 @@
         <p:spPr>
           <a:xfrm>
             <a:off x="8036168" y="1479672"/>
-            <a:ext cx="3317631" cy="4836196"/>
+            <a:ext cx="3317631" cy="4586897"/>
           </a:xfrm>
           <a:prstGeom prst="rect">
             <a:avLst/>
@@ -11319,7 +12510,21 @@
                 <a:latin typeface="Segoe UI Light" panose="020B0502040204020203" pitchFamily="34" charset="0"/>
                 <a:cs typeface="Segoe UI Light" panose="020B0502040204020203" pitchFamily="34" charset="0"/>
               </a:rPr>
-              <a:t>Το δεύτερο αντρικό πουκάμισο της πρώτης σειράς που είναι σκούρο μπλε μοιάζει αρκετά με το τέταρτο πουκάμισο της δεύτερης σειράς σου προτείνει το σύστημα.</a:t>
+              <a:t>Το δεύτερο </a:t>
+            </a:r>
+            <a:r>
+              <a:rPr lang="el-GR" sz="1800" dirty="0" smtClean="0">
+                <a:latin typeface="Segoe UI Light" panose="020B0502040204020203" pitchFamily="34" charset="0"/>
+                <a:cs typeface="Segoe UI Light" panose="020B0502040204020203" pitchFamily="34" charset="0"/>
+              </a:rPr>
+              <a:t>πουκάμισο </a:t>
+            </a:r>
+            <a:r>
+              <a:rPr lang="el-GR" sz="1800" dirty="0">
+                <a:latin typeface="Segoe UI Light" panose="020B0502040204020203" pitchFamily="34" charset="0"/>
+                <a:cs typeface="Segoe UI Light" panose="020B0502040204020203" pitchFamily="34" charset="0"/>
+              </a:rPr>
+              <a:t>της πρώτης σειράς που είναι σκούρο μπλε μοιάζει αρκετά με το τέταρτο πουκάμισο της δεύτερης σειράς σου προτείνει το σύστημα.</a:t>
             </a:r>
             <a:endParaRPr lang="en-US" sz="1800" dirty="0">
               <a:latin typeface="Segoe UI Light" panose="020B0502040204020203" pitchFamily="34" charset="0"/>
@@ -11464,7 +12669,7 @@
         <p:spPr>
           <a:xfrm>
             <a:off x="8308730" y="1437826"/>
-            <a:ext cx="3710354" cy="5509200"/>
+            <a:ext cx="3710354" cy="4770537"/>
           </a:xfrm>
           <a:prstGeom prst="rect">
             <a:avLst/>
@@ -11486,15 +12691,12 @@
                 <a:latin typeface="Segoe UI Light" panose="020B0502040204020203" pitchFamily="34" charset="0"/>
                 <a:cs typeface="Segoe UI Light" panose="020B0502040204020203" pitchFamily="34" charset="0"/>
               </a:rPr>
-              <a:t>Το δεύτερο μαγιό της πρώτης σειράς που αρέσει στον σχεδιαστή μοιάζει αρκετά με το δεύτερο μαγιό της δεύτερης σειράς που προτείνει το σύστημα. Τα δύο αυτά μαγιό είναι ασπρόμαυρα με παρόμοια σχέδια και </a:t>
-            </a:r>
-            <a:r>
-              <a:rPr lang="el-GR" sz="1600" dirty="0" smtClean="0">
-                <a:latin typeface="Segoe UI Light" panose="020B0502040204020203" pitchFamily="34" charset="0"/>
-                <a:cs typeface="Segoe UI Light" panose="020B0502040204020203" pitchFamily="34" charset="0"/>
-              </a:rPr>
-              <a:t>διαστάσεις</a:t>
-            </a:r>
+              <a:t>Το δεύτερο μαγιό της πρώτης σειράς που αρέσει στον σχεδιαστή μοιάζει αρκετά με το δεύτερο μαγιό της δεύτερης σειράς που προτείνει το σύστημα. </a:t>
+            </a:r>
+            <a:endParaRPr lang="el-GR" sz="1600" dirty="0" smtClean="0">
+              <a:latin typeface="Segoe UI Light" panose="020B0502040204020203" pitchFamily="34" charset="0"/>
+              <a:cs typeface="Segoe UI Light" panose="020B0502040204020203" pitchFamily="34" charset="0"/>
+            </a:endParaRPr>
           </a:p>
           <a:p>
             <a:pPr marL="285750" lvl="0" indent="-285750">
@@ -11502,11 +12704,18 @@
               <a:buChar char="•"/>
             </a:pPr>
             <a:r>
+              <a:rPr lang="el-GR" sz="1600" dirty="0" smtClean="0">
+                <a:latin typeface="Segoe UI Light" panose="020B0502040204020203" pitchFamily="34" charset="0"/>
+                <a:cs typeface="Segoe UI Light" panose="020B0502040204020203" pitchFamily="34" charset="0"/>
+              </a:rPr>
+              <a:t>Το </a:t>
+            </a:r>
+            <a:r>
               <a:rPr lang="el-GR" sz="1600" dirty="0">
                 <a:latin typeface="Segoe UI Light" panose="020B0502040204020203" pitchFamily="34" charset="0"/>
                 <a:cs typeface="Segoe UI Light" panose="020B0502040204020203" pitchFamily="34" charset="0"/>
               </a:rPr>
-              <a:t>Το τέταρτο μαγιό της πρώτης σειράς που αρέσει στον σχεδιαστή είναι μαύρο ολόσωμο και μοιάζει αρκετά με το μαγιό στην δεύτερη σειρά της τέταρτης θέσης που προτείνει το σύστημα</a:t>
+              <a:t>τέταρτο μαγιό της πρώτης σειράς που αρέσει στον σχεδιαστή είναι μαύρο ολόσωμο και μοιάζει αρκετά με το μαγιό στην δεύτερη σειρά της τέταρτης θέσης που προτείνει το σύστημα</a:t>
             </a:r>
             <a:r>
               <a:rPr lang="el-GR" sz="1600" dirty="0" smtClean="0">
@@ -11526,35 +12735,56 @@
                 <a:latin typeface="Segoe UI Light" panose="020B0502040204020203" pitchFamily="34" charset="0"/>
                 <a:cs typeface="Segoe UI Light" panose="020B0502040204020203" pitchFamily="34" charset="0"/>
               </a:rPr>
-              <a:t>Το μαγιό στην πέμπτη θέση της πρώτης σειράς που ο σχεδιαστής έχει δηλώσει όπως του αρέσει είναι ένα </a:t>
-            </a:r>
-            <a:r>
-              <a:rPr lang="el-GR" sz="1600" dirty="0" err="1">
-                <a:latin typeface="Segoe UI Light" panose="020B0502040204020203" pitchFamily="34" charset="0"/>
-                <a:cs typeface="Segoe UI Light" panose="020B0502040204020203" pitchFamily="34" charset="0"/>
-              </a:rPr>
-              <a:t>λεοπάρ</a:t>
+              <a:t>Το μαγιό στην πέμπτη θέση της πρώτης </a:t>
+            </a:r>
+            <a:r>
+              <a:rPr lang="el-GR" sz="1600" dirty="0" smtClean="0">
+                <a:latin typeface="Segoe UI Light" panose="020B0502040204020203" pitchFamily="34" charset="0"/>
+                <a:cs typeface="Segoe UI Light" panose="020B0502040204020203" pitchFamily="34" charset="0"/>
+              </a:rPr>
+              <a:t>σειράς</a:t>
+            </a:r>
+            <a:r>
+              <a:rPr lang="en-US" sz="1600" dirty="0" smtClean="0">
+                <a:latin typeface="Segoe UI Light" panose="020B0502040204020203" pitchFamily="34" charset="0"/>
+                <a:cs typeface="Segoe UI Light" panose="020B0502040204020203" pitchFamily="34" charset="0"/>
+              </a:rPr>
+              <a:t> </a:t>
+            </a:r>
+            <a:r>
+              <a:rPr lang="el-GR" sz="1600" dirty="0" smtClean="0">
+                <a:latin typeface="Segoe UI Light" panose="020B0502040204020203" pitchFamily="34" charset="0"/>
+                <a:cs typeface="Segoe UI Light" panose="020B0502040204020203" pitchFamily="34" charset="0"/>
+              </a:rPr>
+              <a:t>που αρέσει στον σχεδιαστή </a:t>
             </a:r>
             <a:r>
               <a:rPr lang="el-GR" sz="1600" dirty="0">
                 <a:latin typeface="Segoe UI Light" panose="020B0502040204020203" pitchFamily="34" charset="0"/>
                 <a:cs typeface="Segoe UI Light" panose="020B0502040204020203" pitchFamily="34" charset="0"/>
               </a:rPr>
-              <a:t> μαγιό και υπάρχει αντίστοιχα πρόταση παρόμοιου </a:t>
-            </a:r>
-            <a:r>
-              <a:rPr lang="el-GR" sz="1600" dirty="0" err="1">
-                <a:latin typeface="Segoe UI Light" panose="020B0502040204020203" pitchFamily="34" charset="0"/>
-                <a:cs typeface="Segoe UI Light" panose="020B0502040204020203" pitchFamily="34" charset="0"/>
-              </a:rPr>
-              <a:t>λεοπάρ</a:t>
+              <a:t>μοιάζει αρκετά </a:t>
+            </a:r>
+            <a:r>
+              <a:rPr lang="el-GR" sz="1600" dirty="0" smtClean="0">
+                <a:latin typeface="Segoe UI Light" panose="020B0502040204020203" pitchFamily="34" charset="0"/>
+                <a:cs typeface="Segoe UI Light" panose="020B0502040204020203" pitchFamily="34" charset="0"/>
+              </a:rPr>
+              <a:t>με το μαγιό στην </a:t>
             </a:r>
             <a:r>
               <a:rPr lang="el-GR" sz="1600" dirty="0">
                 <a:latin typeface="Segoe UI Light" panose="020B0502040204020203" pitchFamily="34" charset="0"/>
                 <a:cs typeface="Segoe UI Light" panose="020B0502040204020203" pitchFamily="34" charset="0"/>
               </a:rPr>
-              <a:t> μαγιό στην δεύτερη σειρά της πέμπτης θέσης</a:t>
+              <a:t>δεύτερη σειρά της πέμπτης </a:t>
+            </a:r>
+            <a:r>
+              <a:rPr lang="el-GR" sz="1600" dirty="0" smtClean="0">
+                <a:latin typeface="Segoe UI Light" panose="020B0502040204020203" pitchFamily="34" charset="0"/>
+                <a:cs typeface="Segoe UI Light" panose="020B0502040204020203" pitchFamily="34" charset="0"/>
+              </a:rPr>
+              <a:t>θέσης που προτείνει το σύστημα</a:t>
             </a:r>
             <a:endParaRPr lang="en-US" sz="1600" dirty="0">
               <a:latin typeface="Segoe UI Light" panose="020B0502040204020203" pitchFamily="34" charset="0"/>
@@ -11878,8 +13108,40 @@
                 <a:latin typeface="Segoe UI Light" panose="020B0502040204020203" pitchFamily="34" charset="0"/>
                 <a:cs typeface="Segoe UI Light" panose="020B0502040204020203" pitchFamily="34" charset="0"/>
               </a:rPr>
-              <a:t>Τα πειράματα έδειξαν ότι η σωστή επιλογή παραμέτρων σε κάθε υλοποίηση συμβάλει θετικά στις επιδόσεις των προτάσεων</a:t>
-            </a:r>
+              <a:t>Τα πειράματα έδειξαν </a:t>
+            </a:r>
+            <a:r>
+              <a:rPr lang="el-GR" sz="2000" dirty="0" smtClean="0">
+                <a:latin typeface="Segoe UI Light" panose="020B0502040204020203" pitchFamily="34" charset="0"/>
+                <a:cs typeface="Segoe UI Light" panose="020B0502040204020203" pitchFamily="34" charset="0"/>
+              </a:rPr>
+              <a:t>πως</a:t>
+            </a:r>
+            <a:r>
+              <a:rPr lang="el-GR" sz="2000" dirty="0" smtClean="0">
+                <a:latin typeface="Segoe UI Light" panose="020B0502040204020203" pitchFamily="34" charset="0"/>
+                <a:cs typeface="Segoe UI Light" panose="020B0502040204020203" pitchFamily="34" charset="0"/>
+              </a:rPr>
+              <a:t> </a:t>
+            </a:r>
+            <a:r>
+              <a:rPr lang="el-GR" sz="2000" dirty="0" smtClean="0">
+                <a:latin typeface="Segoe UI Light" panose="020B0502040204020203" pitchFamily="34" charset="0"/>
+                <a:cs typeface="Segoe UI Light" panose="020B0502040204020203" pitchFamily="34" charset="0"/>
+              </a:rPr>
+              <a:t>η σωστή επιλογή παραμέτρων σε κάθε υλοποίηση συμβάλει θετικά στις επιδόσεις των </a:t>
+            </a:r>
+            <a:r>
+              <a:rPr lang="el-GR" sz="2000" dirty="0" smtClean="0">
+                <a:latin typeface="Segoe UI Light" panose="020B0502040204020203" pitchFamily="34" charset="0"/>
+                <a:cs typeface="Segoe UI Light" panose="020B0502040204020203" pitchFamily="34" charset="0"/>
+              </a:rPr>
+              <a:t>προτάσεων.</a:t>
+            </a:r>
+            <a:endParaRPr lang="el-GR" sz="2000" dirty="0" smtClean="0">
+              <a:latin typeface="Segoe UI Light" panose="020B0502040204020203" pitchFamily="34" charset="0"/>
+              <a:cs typeface="Segoe UI Light" panose="020B0502040204020203" pitchFamily="34" charset="0"/>
+            </a:endParaRPr>
           </a:p>
           <a:p>
             <a:pPr marL="514350" indent="-514350">
@@ -11891,8 +13153,19 @@
                 <a:latin typeface="Segoe UI Light" panose="020B0502040204020203" pitchFamily="34" charset="0"/>
                 <a:cs typeface="Segoe UI Light" panose="020B0502040204020203" pitchFamily="34" charset="0"/>
               </a:rPr>
-              <a:t>Είναι εξίσου σημαντικό στα συστήματα προτάσεων να μελετάμε τόσο τις αλληλεπιδράσεις των χρηστών όσο και τα χαρακτηριστικά των προϊόντων</a:t>
-            </a:r>
+              <a:t>Είναι εξίσου σημαντικό στα συστήματα προτάσεων να μελετάμε τόσο τις αλληλεπιδράσεις των χρηστών όσο και τα χαρακτηριστικά των </a:t>
+            </a:r>
+            <a:r>
+              <a:rPr lang="el-GR" sz="2000" dirty="0" smtClean="0">
+                <a:latin typeface="Segoe UI Light" panose="020B0502040204020203" pitchFamily="34" charset="0"/>
+                <a:cs typeface="Segoe UI Light" panose="020B0502040204020203" pitchFamily="34" charset="0"/>
+              </a:rPr>
+              <a:t>προϊόντων.</a:t>
+            </a:r>
+            <a:endParaRPr lang="el-GR" sz="2000" dirty="0" smtClean="0">
+              <a:latin typeface="Segoe UI Light" panose="020B0502040204020203" pitchFamily="34" charset="0"/>
+              <a:cs typeface="Segoe UI Light" panose="020B0502040204020203" pitchFamily="34" charset="0"/>
+            </a:endParaRPr>
           </a:p>
           <a:p>
             <a:pPr marL="514350" indent="-514350">
@@ -11911,15 +13184,40 @@
                 <a:latin typeface="Segoe UI Light" panose="020B0502040204020203" pitchFamily="34" charset="0"/>
                 <a:cs typeface="Segoe UI Light" panose="020B0502040204020203" pitchFamily="34" charset="0"/>
               </a:rPr>
-              <a:t>υβριδικό σύστημα απέδειξε ότι μπορεί να αξιοποιήσει όλα τα θετικά </a:t>
+              <a:t>υβριδικό σύστημα </a:t>
             </a:r>
             <a:r>
               <a:rPr lang="el-GR" sz="2000" dirty="0" smtClean="0">
                 <a:latin typeface="Segoe UI Light" panose="020B0502040204020203" pitchFamily="34" charset="0"/>
                 <a:cs typeface="Segoe UI Light" panose="020B0502040204020203" pitchFamily="34" charset="0"/>
               </a:rPr>
-              <a:t>στοιχεία κάθε υλοποίησης</a:t>
-            </a:r>
+              <a:t>είναι ο βελτιωμένος εαυτός όλων των υλοποιήσεων αφού απέδειξε </a:t>
+            </a:r>
+            <a:r>
+              <a:rPr lang="el-GR" sz="2000" dirty="0">
+                <a:latin typeface="Segoe UI Light" panose="020B0502040204020203" pitchFamily="34" charset="0"/>
+                <a:cs typeface="Segoe UI Light" panose="020B0502040204020203" pitchFamily="34" charset="0"/>
+              </a:rPr>
+              <a:t>ότι μπορεί να αξιοποιήσει όλα τα θετικά </a:t>
+            </a:r>
+            <a:r>
+              <a:rPr lang="el-GR" sz="2000" dirty="0" smtClean="0">
+                <a:latin typeface="Segoe UI Light" panose="020B0502040204020203" pitchFamily="34" charset="0"/>
+                <a:cs typeface="Segoe UI Light" panose="020B0502040204020203" pitchFamily="34" charset="0"/>
+              </a:rPr>
+              <a:t>στοιχεία κάθε </a:t>
+            </a:r>
+            <a:r>
+              <a:rPr lang="el-GR" sz="2000" dirty="0" smtClean="0">
+                <a:latin typeface="Segoe UI Light" panose="020B0502040204020203" pitchFamily="34" charset="0"/>
+                <a:cs typeface="Segoe UI Light" panose="020B0502040204020203" pitchFamily="34" charset="0"/>
+              </a:rPr>
+              <a:t>υλοποίησης.</a:t>
+            </a:r>
+            <a:endParaRPr lang="el-GR" sz="2000" dirty="0" smtClean="0">
+              <a:latin typeface="Segoe UI Light" panose="020B0502040204020203" pitchFamily="34" charset="0"/>
+              <a:cs typeface="Segoe UI Light" panose="020B0502040204020203" pitchFamily="34" charset="0"/>
+            </a:endParaRPr>
           </a:p>
           <a:p>
             <a:pPr marL="0" indent="0">
@@ -11971,8 +13269,19 @@
                 <a:latin typeface="Segoe UI Light" panose="020B0502040204020203" pitchFamily="34" charset="0"/>
                 <a:cs typeface="Segoe UI Light" panose="020B0502040204020203" pitchFamily="34" charset="0"/>
               </a:rPr>
-              <a:t>σετ δεδομένων </a:t>
-            </a:r>
+              <a:t>σετ </a:t>
+            </a:r>
+            <a:r>
+              <a:rPr lang="el-GR" sz="2000" dirty="0" smtClean="0">
+                <a:latin typeface="Segoe UI Light" panose="020B0502040204020203" pitchFamily="34" charset="0"/>
+                <a:cs typeface="Segoe UI Light" panose="020B0502040204020203" pitchFamily="34" charset="0"/>
+              </a:rPr>
+              <a:t>δεδομένων.</a:t>
+            </a:r>
+            <a:endParaRPr lang="el-GR" sz="2000" dirty="0" smtClean="0">
+              <a:latin typeface="Segoe UI Light" panose="020B0502040204020203" pitchFamily="34" charset="0"/>
+              <a:cs typeface="Segoe UI Light" panose="020B0502040204020203" pitchFamily="34" charset="0"/>
+            </a:endParaRPr>
           </a:p>
           <a:p>
             <a:pPr marL="457200" indent="-457200">
@@ -12005,7 +13314,14 @@
                 <a:latin typeface="Segoe UI Light" panose="020B0502040204020203" pitchFamily="34" charset="0"/>
                 <a:cs typeface="Segoe UI Light" panose="020B0502040204020203" pitchFamily="34" charset="0"/>
               </a:rPr>
-              <a:t>του χρήστη στα συστήματα προτάσεων αν η πρόταση ήταν καλή</a:t>
+              <a:t>του χρήστη στα συστήματα προτάσεων αν η πρόταση ήταν </a:t>
+            </a:r>
+            <a:r>
+              <a:rPr lang="el-GR" sz="2000" dirty="0" smtClean="0">
+                <a:latin typeface="Segoe UI Light" panose="020B0502040204020203" pitchFamily="34" charset="0"/>
+                <a:cs typeface="Segoe UI Light" panose="020B0502040204020203" pitchFamily="34" charset="0"/>
+              </a:rPr>
+              <a:t>καλή.</a:t>
             </a:r>
             <a:endParaRPr lang="en-US" sz="2000" dirty="0" smtClean="0">
               <a:latin typeface="Segoe UI Light" panose="020B0502040204020203" pitchFamily="34" charset="0"/>
@@ -12502,7 +13818,21 @@
                 <a:latin typeface="Segoe UI Light" panose="020B0502040204020203" pitchFamily="34" charset="0"/>
                 <a:cs typeface="Segoe UI Light" panose="020B0502040204020203" pitchFamily="34" charset="0"/>
               </a:rPr>
-              <a:t>Βρίσκουν προϊόντα ή υπηρεσίες που είναι αρκετά πιθανό να αρέσουν μέσα από τεράστιους όγκους δεδομένων.</a:t>
+              <a:t>Βρίσκουν προϊόντα ή υπηρεσίες που είναι αρκετά πιθανό να μας αρέσουν </a:t>
+            </a:r>
+            <a:r>
+              <a:rPr lang="el-GR" dirty="0" err="1" smtClean="0">
+                <a:latin typeface="Segoe UI Light" panose="020B0502040204020203" pitchFamily="34" charset="0"/>
+                <a:cs typeface="Segoe UI Light" panose="020B0502040204020203" pitchFamily="34" charset="0"/>
+              </a:rPr>
+              <a:t>ψάχνωντας</a:t>
+            </a:r>
+            <a:r>
+              <a:rPr lang="el-GR" dirty="0" smtClean="0">
+                <a:latin typeface="Segoe UI Light" panose="020B0502040204020203" pitchFamily="34" charset="0"/>
+                <a:cs typeface="Segoe UI Light" panose="020B0502040204020203" pitchFamily="34" charset="0"/>
+              </a:rPr>
+              <a:t> μέσα σε τεράστιους όγκους δεδομένων.</a:t>
             </a:r>
           </a:p>
           <a:p>
@@ -13800,6 +15130,13 @@
           <a:prstGeom prst="rect">
             <a:avLst/>
           </a:prstGeom>
+          <a:ln>
+            <a:solidFill>
+              <a:schemeClr val="accent1">
+                <a:shade val="50000"/>
+              </a:schemeClr>
+            </a:solidFill>
+          </a:ln>
         </p:spPr>
         <p:style>
           <a:lnRef idx="2">
@@ -14342,14 +15679,7 @@
                 <a:latin typeface="Segoe UI Light" panose="020B0502040204020203" pitchFamily="34" charset="0"/>
                 <a:cs typeface="Segoe UI Light" panose="020B0502040204020203" pitchFamily="34" charset="0"/>
               </a:rPr>
-              <a:t> x </a:t>
-            </a:r>
-            <a:r>
-              <a:rPr lang="en-US" sz="1200" dirty="0" smtClean="0">
-                <a:latin typeface="Segoe UI Light" panose="020B0502040204020203" pitchFamily="34" charset="0"/>
-                <a:cs typeface="Segoe UI Light" panose="020B0502040204020203" pitchFamily="34" charset="0"/>
-              </a:rPr>
-              <a:t>k</a:t>
+              <a:t> x k</a:t>
             </a:r>
             <a:endParaRPr lang="en-US" sz="1200" dirty="0">
               <a:latin typeface="Segoe UI Light" panose="020B0502040204020203" pitchFamily="34" charset="0"/>
@@ -14392,21 +15722,7 @@
                 <a:latin typeface="Segoe UI Light" panose="020B0502040204020203" pitchFamily="34" charset="0"/>
                 <a:cs typeface="Segoe UI Light" panose="020B0502040204020203" pitchFamily="34" charset="0"/>
               </a:rPr>
-              <a:t> </a:t>
-            </a:r>
-            <a:r>
-              <a:rPr lang="en-US" sz="1200" dirty="0" smtClean="0">
-                <a:latin typeface="Segoe UI Light" panose="020B0502040204020203" pitchFamily="34" charset="0"/>
-                <a:cs typeface="Segoe UI Light" panose="020B0502040204020203" pitchFamily="34" charset="0"/>
-              </a:rPr>
-              <a:t>x </a:t>
-            </a:r>
-            <a:r>
-              <a:rPr lang="en-US" sz="1200" dirty="0" smtClean="0">
-                <a:latin typeface="Segoe UI Light" panose="020B0502040204020203" pitchFamily="34" charset="0"/>
-                <a:cs typeface="Segoe UI Light" panose="020B0502040204020203" pitchFamily="34" charset="0"/>
-              </a:rPr>
-              <a:t>k</a:t>
+              <a:t> x k</a:t>
             </a:r>
             <a:endParaRPr lang="en-US" sz="1200" dirty="0">
               <a:latin typeface="Segoe UI Light" panose="020B0502040204020203" pitchFamily="34" charset="0"/>
@@ -14449,14 +15765,7 @@
                 <a:latin typeface="Segoe UI Light" panose="020B0502040204020203" pitchFamily="34" charset="0"/>
                 <a:cs typeface="Segoe UI Light" panose="020B0502040204020203" pitchFamily="34" charset="0"/>
               </a:rPr>
-              <a:t> </a:t>
-            </a:r>
-            <a:r>
-              <a:rPr lang="en-US" sz="1200" dirty="0" smtClean="0">
-                <a:latin typeface="Segoe UI Light" panose="020B0502040204020203" pitchFamily="34" charset="0"/>
-                <a:cs typeface="Segoe UI Light" panose="020B0502040204020203" pitchFamily="34" charset="0"/>
-              </a:rPr>
-              <a:t>x N</a:t>
+              <a:t> x N</a:t>
             </a:r>
             <a:endParaRPr lang="en-US" sz="1200" dirty="0">
               <a:latin typeface="Segoe UI Light" panose="020B0502040204020203" pitchFamily="34" charset="0"/>

--- a/παρουσίαση.pptx
+++ b/παρουσίαση.pptx
@@ -4075,8 +4075,8 @@
           </a:fontRef>
         </p:style>
       </p:cxnSp>
-      <mc:AlternateContent xmlns:mc="http://schemas.openxmlformats.org/markup-compatibility/2006" xmlns:a14="http://schemas.microsoft.com/office/drawing/2010/main">
-        <mc:Choice Requires="a14">
+      <mc:AlternateContent xmlns:mc="http://schemas.openxmlformats.org/markup-compatibility/2006">
+        <mc:Choice xmlns:a14="http://schemas.microsoft.com/office/drawing/2010/main" Requires="a14">
           <p:sp>
             <p:nvSpPr>
               <p:cNvPr id="28" name="Οβάλ 27"/>
@@ -4085,8 +4085,8 @@
             </p:nvSpPr>
             <p:spPr>
               <a:xfrm>
-                <a:off x="5887309" y="2224271"/>
-                <a:ext cx="424962" cy="334107"/>
+                <a:off x="5660264" y="2224271"/>
+                <a:ext cx="871472" cy="334107"/>
               </a:xfrm>
               <a:prstGeom prst="ellipse">
                 <a:avLst/>
@@ -4120,10 +4120,25 @@
                     </m:oMathParaPr>
                     <m:oMath xmlns:m="http://schemas.openxmlformats.org/officeDocument/2006/math">
                       <m:r>
+                        <a:rPr lang="en-US" sz="1200" b="0" i="0" smtClean="0">
+                          <a:latin typeface="Cambria Math" panose="02040503050406030204" pitchFamily="18" charset="0"/>
+                        </a:rPr>
+                        <m:t> </m:t>
+                      </m:r>
+                      <m:r>
+                        <m:rPr>
+                          <m:sty m:val="p"/>
+                        </m:rPr>
+                        <a:rPr lang="en-US" sz="1200" b="0" i="0" smtClean="0">
+                          <a:latin typeface="Cambria Math" panose="02040503050406030204" pitchFamily="18" charset="0"/>
+                        </a:rPr>
+                        <m:t>max</m:t>
+                      </m:r>
+                      <m:r>
                         <a:rPr lang="en-US" sz="1200" b="0" i="1" smtClean="0">
                           <a:latin typeface="Cambria Math" panose="02040503050406030204" pitchFamily="18" charset="0"/>
                         </a:rPr>
-                        <m:t> </m:t>
+                        <m:t>⁡(</m:t>
                       </m:r>
                       <m:sSub>
                         <m:sSubPr>
@@ -4150,6 +4165,12 @@
                           </m:r>
                         </m:sub>
                       </m:sSub>
+                      <m:r>
+                        <a:rPr lang="en-US" sz="1200" b="0" i="1" smtClean="0">
+                          <a:latin typeface="Cambria Math" panose="02040503050406030204" pitchFamily="18" charset="0"/>
+                        </a:rPr>
+                        <m:t>)</m:t>
+                      </m:r>
                     </m:oMath>
                   </m:oMathPara>
                 </a14:m>
@@ -4158,7 +4179,7 @@
             </p:txBody>
           </p:sp>
         </mc:Choice>
-        <mc:Fallback xmlns="">
+        <mc:Fallback>
           <p:sp>
             <p:nvSpPr>
               <p:cNvPr id="28" name="Οβάλ 27"/>
@@ -4169,8 +4190,8 @@
             </p:nvSpPr>
             <p:spPr>
               <a:xfrm>
-                <a:off x="5887309" y="2224271"/>
-                <a:ext cx="424962" cy="334107"/>
+                <a:off x="5660264" y="2224271"/>
+                <a:ext cx="871472" cy="334107"/>
               </a:xfrm>
               <a:prstGeom prst="ellipse">
                 <a:avLst/>
@@ -4187,7 +4208,7 @@
               <a:lstStyle/>
               <a:p>
                 <a:r>
-                  <a:rPr lang="en-US">
+                  <a:rPr lang="el-GR">
                     <a:noFill/>
                   </a:rPr>
                   <a:t> </a:t>
@@ -4208,8 +4229,8 @@
         </p:nvCxnSpPr>
         <p:spPr>
           <a:xfrm flipH="1" flipV="1">
-            <a:off x="6099790" y="2558378"/>
-            <a:ext cx="3" cy="226764"/>
+            <a:off x="6096000" y="2558378"/>
+            <a:ext cx="3793" cy="226764"/>
           </a:xfrm>
           <a:prstGeom prst="straightConnector1">
             <a:avLst/>
@@ -13108,40 +13129,43 @@
                 <a:latin typeface="Segoe UI Light" panose="020B0502040204020203" pitchFamily="34" charset="0"/>
                 <a:cs typeface="Segoe UI Light" panose="020B0502040204020203" pitchFamily="34" charset="0"/>
               </a:rPr>
-              <a:t>Τα πειράματα έδειξαν </a:t>
+              <a:t>Η σωστή </a:t>
             </a:r>
             <a:r>
               <a:rPr lang="el-GR" sz="2000" dirty="0" smtClean="0">
                 <a:latin typeface="Segoe UI Light" panose="020B0502040204020203" pitchFamily="34" charset="0"/>
                 <a:cs typeface="Segoe UI Light" panose="020B0502040204020203" pitchFamily="34" charset="0"/>
               </a:rPr>
-              <a:t>πως</a:t>
+              <a:t>επιλογή </a:t>
             </a:r>
             <a:r>
               <a:rPr lang="el-GR" sz="2000" dirty="0" smtClean="0">
                 <a:latin typeface="Segoe UI Light" panose="020B0502040204020203" pitchFamily="34" charset="0"/>
                 <a:cs typeface="Segoe UI Light" panose="020B0502040204020203" pitchFamily="34" charset="0"/>
               </a:rPr>
-              <a:t> </a:t>
+              <a:t>των παραμέτρων </a:t>
             </a:r>
             <a:r>
               <a:rPr lang="el-GR" sz="2000" dirty="0" smtClean="0">
                 <a:latin typeface="Segoe UI Light" panose="020B0502040204020203" pitchFamily="34" charset="0"/>
                 <a:cs typeface="Segoe UI Light" panose="020B0502040204020203" pitchFamily="34" charset="0"/>
               </a:rPr>
-              <a:t>η σωστή επιλογή παραμέτρων σε κάθε υλοποίηση συμβάλει θετικά στις επιδόσεις των </a:t>
+              <a:t>σε κάθε υλοποίηση συμβάλει </a:t>
             </a:r>
             <a:r>
               <a:rPr lang="el-GR" sz="2000" dirty="0" smtClean="0">
                 <a:latin typeface="Segoe UI Light" panose="020B0502040204020203" pitchFamily="34" charset="0"/>
                 <a:cs typeface="Segoe UI Light" panose="020B0502040204020203" pitchFamily="34" charset="0"/>
               </a:rPr>
-              <a:t>προτάσεων.</a:t>
-            </a:r>
-            <a:endParaRPr lang="el-GR" sz="2000" dirty="0" smtClean="0">
-              <a:latin typeface="Segoe UI Light" panose="020B0502040204020203" pitchFamily="34" charset="0"/>
-              <a:cs typeface="Segoe UI Light" panose="020B0502040204020203" pitchFamily="34" charset="0"/>
-            </a:endParaRPr>
+              <a:t>σημαντικά </a:t>
+            </a:r>
+            <a:r>
+              <a:rPr lang="el-GR" sz="2000" dirty="0" smtClean="0">
+                <a:latin typeface="Segoe UI Light" panose="020B0502040204020203" pitchFamily="34" charset="0"/>
+                <a:cs typeface="Segoe UI Light" panose="020B0502040204020203" pitchFamily="34" charset="0"/>
+              </a:rPr>
+              <a:t>στις επιδόσεις των προτάσεων.</a:t>
+            </a:r>
           </a:p>
           <a:p>
             <a:pPr marL="514350" indent="-514350">
@@ -13153,19 +13177,29 @@
                 <a:latin typeface="Segoe UI Light" panose="020B0502040204020203" pitchFamily="34" charset="0"/>
                 <a:cs typeface="Segoe UI Light" panose="020B0502040204020203" pitchFamily="34" charset="0"/>
               </a:rPr>
-              <a:t>Είναι εξίσου σημαντικό στα συστήματα προτάσεων να μελετάμε τόσο τις αλληλεπιδράσεις των χρηστών όσο και τα χαρακτηριστικά των </a:t>
+              <a:t>Στα συστήματα </a:t>
             </a:r>
             <a:r>
               <a:rPr lang="el-GR" sz="2000" dirty="0" smtClean="0">
                 <a:latin typeface="Segoe UI Light" panose="020B0502040204020203" pitchFamily="34" charset="0"/>
                 <a:cs typeface="Segoe UI Light" panose="020B0502040204020203" pitchFamily="34" charset="0"/>
               </a:rPr>
-              <a:t>προϊόντων.</a:t>
-            </a:r>
-            <a:endParaRPr lang="el-GR" sz="2000" dirty="0" smtClean="0">
-              <a:latin typeface="Segoe UI Light" panose="020B0502040204020203" pitchFamily="34" charset="0"/>
-              <a:cs typeface="Segoe UI Light" panose="020B0502040204020203" pitchFamily="34" charset="0"/>
-            </a:endParaRPr>
+              <a:t>προτάσεων </a:t>
+            </a:r>
+            <a:r>
+              <a:rPr lang="el-GR" sz="2000" dirty="0" smtClean="0">
+                <a:latin typeface="Segoe UI Light" panose="020B0502040204020203" pitchFamily="34" charset="0"/>
+                <a:cs typeface="Segoe UI Light" panose="020B0502040204020203" pitchFamily="34" charset="0"/>
+              </a:rPr>
+              <a:t>χρειάζεται </a:t>
+            </a:r>
+            <a:r>
+              <a:rPr lang="el-GR" sz="2000" dirty="0" smtClean="0">
+                <a:latin typeface="Segoe UI Light" panose="020B0502040204020203" pitchFamily="34" charset="0"/>
+                <a:cs typeface="Segoe UI Light" panose="020B0502040204020203" pitchFamily="34" charset="0"/>
+              </a:rPr>
+              <a:t>μελετάμε τόσο τις αλληλεπιδράσεις των χρηστών όσο και τα χαρακτηριστικά των προϊόντων.</a:t>
+            </a:r>
           </a:p>
           <a:p>
             <a:pPr marL="514350" indent="-514350">
@@ -13191,33 +13225,22 @@
                 <a:latin typeface="Segoe UI Light" panose="020B0502040204020203" pitchFamily="34" charset="0"/>
                 <a:cs typeface="Segoe UI Light" panose="020B0502040204020203" pitchFamily="34" charset="0"/>
               </a:rPr>
-              <a:t>είναι ο βελτιωμένος εαυτός όλων των υλοποιήσεων αφού απέδειξε </a:t>
+              <a:t>κατάφερε και αξιοποίησε πετυχημένα όλα </a:t>
             </a:r>
             <a:r>
               <a:rPr lang="el-GR" sz="2000" dirty="0">
                 <a:latin typeface="Segoe UI Light" panose="020B0502040204020203" pitchFamily="34" charset="0"/>
                 <a:cs typeface="Segoe UI Light" panose="020B0502040204020203" pitchFamily="34" charset="0"/>
               </a:rPr>
-              <a:t>ότι μπορεί να αξιοποιήσει όλα τα θετικά </a:t>
+              <a:t>τα θετικά </a:t>
             </a:r>
             <a:r>
               <a:rPr lang="el-GR" sz="2000" dirty="0" smtClean="0">
                 <a:latin typeface="Segoe UI Light" panose="020B0502040204020203" pitchFamily="34" charset="0"/>
                 <a:cs typeface="Segoe UI Light" panose="020B0502040204020203" pitchFamily="34" charset="0"/>
               </a:rPr>
-              <a:t>στοιχεία κάθε </a:t>
-            </a:r>
-            <a:r>
-              <a:rPr lang="el-GR" sz="2000" dirty="0" smtClean="0">
-                <a:latin typeface="Segoe UI Light" panose="020B0502040204020203" pitchFamily="34" charset="0"/>
-                <a:cs typeface="Segoe UI Light" panose="020B0502040204020203" pitchFamily="34" charset="0"/>
-              </a:rPr>
-              <a:t>υλοποίησης.</a:t>
-            </a:r>
-            <a:endParaRPr lang="el-GR" sz="2000" dirty="0" smtClean="0">
-              <a:latin typeface="Segoe UI Light" panose="020B0502040204020203" pitchFamily="34" charset="0"/>
-              <a:cs typeface="Segoe UI Light" panose="020B0502040204020203" pitchFamily="34" charset="0"/>
-            </a:endParaRPr>
+              <a:t>στοιχεία κάθε υλοποίησης.</a:t>
+            </a:r>
           </a:p>
           <a:p>
             <a:pPr marL="0" indent="0">
@@ -13241,7 +13264,14 @@
                 <a:latin typeface="Segoe UI Light" panose="020B0502040204020203" pitchFamily="34" charset="0"/>
                 <a:cs typeface="Segoe UI Light" panose="020B0502040204020203" pitchFamily="34" charset="0"/>
               </a:rPr>
-              <a:t>Δημιουργία καλύτερων και πιο </a:t>
+              <a:t>Η δημιουργία καλύτερου </a:t>
+            </a:r>
+            <a:r>
+              <a:rPr lang="el-GR" sz="2000" dirty="0" smtClean="0">
+                <a:latin typeface="Segoe UI Light" panose="020B0502040204020203" pitchFamily="34" charset="0"/>
+                <a:cs typeface="Segoe UI Light" panose="020B0502040204020203" pitchFamily="34" charset="0"/>
+              </a:rPr>
+              <a:t>και πιο </a:t>
             </a:r>
             <a:r>
               <a:rPr lang="en-US" sz="2000" dirty="0" smtClean="0">
@@ -13255,7 +13285,7 @@
                 <a:latin typeface="Segoe UI Light" panose="020B0502040204020203" pitchFamily="34" charset="0"/>
                 <a:cs typeface="Segoe UI Light" panose="020B0502040204020203" pitchFamily="34" charset="0"/>
               </a:rPr>
-              <a:t>καθαρών</a:t>
+              <a:t>καθαρού</a:t>
             </a:r>
             <a:r>
               <a:rPr lang="en-US" sz="2000" dirty="0" smtClean="0">
@@ -13269,19 +13299,8 @@
                 <a:latin typeface="Segoe UI Light" panose="020B0502040204020203" pitchFamily="34" charset="0"/>
                 <a:cs typeface="Segoe UI Light" panose="020B0502040204020203" pitchFamily="34" charset="0"/>
               </a:rPr>
-              <a:t>σετ </a:t>
-            </a:r>
-            <a:r>
-              <a:rPr lang="el-GR" sz="2000" dirty="0" smtClean="0">
-                <a:latin typeface="Segoe UI Light" panose="020B0502040204020203" pitchFamily="34" charset="0"/>
-                <a:cs typeface="Segoe UI Light" panose="020B0502040204020203" pitchFamily="34" charset="0"/>
-              </a:rPr>
-              <a:t>δεδομένων.</a:t>
-            </a:r>
-            <a:endParaRPr lang="el-GR" sz="2000" dirty="0" smtClean="0">
-              <a:latin typeface="Segoe UI Light" panose="020B0502040204020203" pitchFamily="34" charset="0"/>
-              <a:cs typeface="Segoe UI Light" panose="020B0502040204020203" pitchFamily="34" charset="0"/>
-            </a:endParaRPr>
+              <a:t>σετ δεδομένων.</a:t>
+            </a:r>
           </a:p>
           <a:p>
             <a:pPr marL="457200" indent="-457200">
@@ -13293,7 +13312,14 @@
                 <a:latin typeface="Segoe UI Light" panose="020B0502040204020203" pitchFamily="34" charset="0"/>
                 <a:cs typeface="Segoe UI Light" panose="020B0502040204020203" pitchFamily="34" charset="0"/>
               </a:rPr>
-              <a:t>Αποστολή </a:t>
+              <a:t>Η α</a:t>
+            </a:r>
+            <a:r>
+              <a:rPr lang="el-GR" sz="2000" dirty="0" smtClean="0">
+                <a:latin typeface="Segoe UI Light" panose="020B0502040204020203" pitchFamily="34" charset="0"/>
+                <a:cs typeface="Segoe UI Light" panose="020B0502040204020203" pitchFamily="34" charset="0"/>
+              </a:rPr>
+              <a:t>ποστολή </a:t>
             </a:r>
             <a:r>
               <a:rPr lang="en-US" sz="2000" dirty="0">
@@ -13314,14 +13340,7 @@
                 <a:latin typeface="Segoe UI Light" panose="020B0502040204020203" pitchFamily="34" charset="0"/>
                 <a:cs typeface="Segoe UI Light" panose="020B0502040204020203" pitchFamily="34" charset="0"/>
               </a:rPr>
-              <a:t>του χρήστη στα συστήματα προτάσεων αν η πρόταση ήταν </a:t>
-            </a:r>
-            <a:r>
-              <a:rPr lang="el-GR" sz="2000" dirty="0" smtClean="0">
-                <a:latin typeface="Segoe UI Light" panose="020B0502040204020203" pitchFamily="34" charset="0"/>
-                <a:cs typeface="Segoe UI Light" panose="020B0502040204020203" pitchFamily="34" charset="0"/>
-              </a:rPr>
-              <a:t>καλή.</a:t>
+              <a:t>του χρήστη στα συστήματα προτάσεων αν η πρόταση ήταν καλή.</a:t>
             </a:r>
             <a:endParaRPr lang="en-US" sz="2000" dirty="0" smtClean="0">
               <a:latin typeface="Segoe UI Light" panose="020B0502040204020203" pitchFamily="34" charset="0"/>
@@ -13338,7 +13357,28 @@
                 <a:latin typeface="Segoe UI Light" panose="020B0502040204020203" pitchFamily="34" charset="0"/>
                 <a:cs typeface="Segoe UI Light" panose="020B0502040204020203" pitchFamily="34" charset="0"/>
               </a:rPr>
-              <a:t>Λήψη περισσότερων παραμέτρων υπ’ όψη πέρα των βαθμολογιών και των χαρακτηριστικών για την δημιουργία πρότασης (χρόνος προβολής, πωλήσεις κλπ.)</a:t>
+              <a:t>Η αξιοποίηση </a:t>
+            </a:r>
+            <a:r>
+              <a:rPr lang="el-GR" sz="2000" dirty="0" smtClean="0">
+                <a:latin typeface="Segoe UI Light" panose="020B0502040204020203" pitchFamily="34" charset="0"/>
+                <a:cs typeface="Segoe UI Light" panose="020B0502040204020203" pitchFamily="34" charset="0"/>
+              </a:rPr>
+              <a:t>περισσότερων παραμέτρων </a:t>
+            </a:r>
+            <a:r>
+              <a:rPr lang="el-GR" sz="2000" dirty="0" smtClean="0">
+                <a:latin typeface="Segoe UI Light" panose="020B0502040204020203" pitchFamily="34" charset="0"/>
+                <a:cs typeface="Segoe UI Light" panose="020B0502040204020203" pitchFamily="34" charset="0"/>
+              </a:rPr>
+              <a:t>για </a:t>
+            </a:r>
+            <a:r>
+              <a:rPr lang="el-GR" sz="2000" dirty="0" smtClean="0">
+                <a:latin typeface="Segoe UI Light" panose="020B0502040204020203" pitchFamily="34" charset="0"/>
+                <a:cs typeface="Segoe UI Light" panose="020B0502040204020203" pitchFamily="34" charset="0"/>
+              </a:rPr>
+              <a:t>την δημιουργία πρότασης (χρόνος προβολής, πωλήσεις κλπ.)</a:t>
             </a:r>
           </a:p>
           <a:p>
@@ -13818,22 +13858,54 @@
                 <a:latin typeface="Segoe UI Light" panose="020B0502040204020203" pitchFamily="34" charset="0"/>
                 <a:cs typeface="Segoe UI Light" panose="020B0502040204020203" pitchFamily="34" charset="0"/>
               </a:rPr>
-              <a:t>Βρίσκουν προϊόντα ή υπηρεσίες που είναι αρκετά πιθανό να μας αρέσουν </a:t>
-            </a:r>
-            <a:r>
-              <a:rPr lang="el-GR" dirty="0" err="1" smtClean="0">
-                <a:latin typeface="Segoe UI Light" panose="020B0502040204020203" pitchFamily="34" charset="0"/>
-                <a:cs typeface="Segoe UI Light" panose="020B0502040204020203" pitchFamily="34" charset="0"/>
-              </a:rPr>
-              <a:t>ψάχνωντας</a:t>
+              <a:t>Βρίσκουν προϊόντα ή </a:t>
+            </a:r>
+            <a:r>
+              <a:rPr lang="el-GR" dirty="0">
+                <a:latin typeface="Segoe UI Light" panose="020B0502040204020203" pitchFamily="34" charset="0"/>
+                <a:cs typeface="Segoe UI Light" panose="020B0502040204020203" pitchFamily="34" charset="0"/>
+              </a:rPr>
+              <a:t>υπηρεσίες μέσα </a:t>
             </a:r>
             <a:r>
               <a:rPr lang="el-GR" dirty="0" smtClean="0">
                 <a:latin typeface="Segoe UI Light" panose="020B0502040204020203" pitchFamily="34" charset="0"/>
                 <a:cs typeface="Segoe UI Light" panose="020B0502040204020203" pitchFamily="34" charset="0"/>
               </a:rPr>
-              <a:t> μέσα σε τεράστιους όγκους δεδομένων.</a:t>
-            </a:r>
+              <a:t>από </a:t>
+            </a:r>
+            <a:r>
+              <a:rPr lang="el-GR" dirty="0">
+                <a:latin typeface="Segoe UI Light" panose="020B0502040204020203" pitchFamily="34" charset="0"/>
+                <a:cs typeface="Segoe UI Light" panose="020B0502040204020203" pitchFamily="34" charset="0"/>
+              </a:rPr>
+              <a:t>τεράστιους όγκους </a:t>
+            </a:r>
+            <a:r>
+              <a:rPr lang="el-GR" dirty="0" smtClean="0">
+                <a:latin typeface="Segoe UI Light" panose="020B0502040204020203" pitchFamily="34" charset="0"/>
+                <a:cs typeface="Segoe UI Light" panose="020B0502040204020203" pitchFamily="34" charset="0"/>
+              </a:rPr>
+              <a:t>δεδομένων </a:t>
+            </a:r>
+            <a:r>
+              <a:rPr lang="el-GR" dirty="0" smtClean="0">
+                <a:latin typeface="Segoe UI Light" panose="020B0502040204020203" pitchFamily="34" charset="0"/>
+                <a:cs typeface="Segoe UI Light" panose="020B0502040204020203" pitchFamily="34" charset="0"/>
+              </a:rPr>
+              <a:t>που είναι αρκετά πιθανό να μας </a:t>
+            </a:r>
+            <a:r>
+              <a:rPr lang="el-GR" dirty="0" smtClean="0">
+                <a:latin typeface="Segoe UI Light" panose="020B0502040204020203" pitchFamily="34" charset="0"/>
+                <a:cs typeface="Segoe UI Light" panose="020B0502040204020203" pitchFamily="34" charset="0"/>
+              </a:rPr>
+              <a:t>αρέσουν.</a:t>
+            </a:r>
+            <a:endParaRPr lang="el-GR" dirty="0" smtClean="0">
+              <a:latin typeface="Segoe UI Light" panose="020B0502040204020203" pitchFamily="34" charset="0"/>
+              <a:cs typeface="Segoe UI Light" panose="020B0502040204020203" pitchFamily="34" charset="0"/>
+            </a:endParaRPr>
           </a:p>
           <a:p>
             <a:endParaRPr lang="el-GR" dirty="0" smtClean="0">
@@ -14316,7 +14388,21 @@
                 <a:latin typeface="Segoe UI Light" panose="020B0502040204020203" pitchFamily="34" charset="0"/>
                 <a:cs typeface="Segoe UI Light" panose="020B0502040204020203" pitchFamily="34" charset="0"/>
               </a:rPr>
-              <a:t>Ταινίες για την παροχή προτάσεων σε τηλεθεατές.</a:t>
+              <a:t>Ταινίες για την παροχή προτάσεων σε </a:t>
+            </a:r>
+            <a:r>
+              <a:rPr lang="el-GR" dirty="0" smtClean="0">
+                <a:latin typeface="Segoe UI Light" panose="020B0502040204020203" pitchFamily="34" charset="0"/>
+                <a:cs typeface="Segoe UI Light" panose="020B0502040204020203" pitchFamily="34" charset="0"/>
+              </a:rPr>
+              <a:t>θεατές</a:t>
+            </a:r>
+            <a:r>
+              <a:rPr lang="el-GR" dirty="0" smtClean="0">
+                <a:latin typeface="Segoe UI Light" panose="020B0502040204020203" pitchFamily="34" charset="0"/>
+                <a:cs typeface="Segoe UI Light" panose="020B0502040204020203" pitchFamily="34" charset="0"/>
+              </a:rPr>
+              <a:t>.</a:t>
             </a:r>
             <a:endParaRPr lang="en-US" dirty="0">
               <a:latin typeface="Segoe UI Light" panose="020B0502040204020203" pitchFamily="34" charset="0"/>
@@ -15768,6 +15854,510 @@
               <a:t> x N</a:t>
             </a:r>
             <a:endParaRPr lang="en-US" sz="1200" dirty="0">
+              <a:latin typeface="Segoe UI Light" panose="020B0502040204020203" pitchFamily="34" charset="0"/>
+              <a:cs typeface="Segoe UI Light" panose="020B0502040204020203" pitchFamily="34" charset="0"/>
+            </a:endParaRPr>
+          </a:p>
+        </p:txBody>
+      </p:sp>
+      <p:graphicFrame>
+        <p:nvGraphicFramePr>
+          <p:cNvPr id="19" name="Πίνακας 18"/>
+          <p:cNvGraphicFramePr>
+            <a:graphicFrameLocks noGrp="1"/>
+          </p:cNvGraphicFramePr>
+          <p:nvPr>
+            <p:extLst>
+              <p:ext uri="{D42A27DB-BD31-4B8C-83A1-F6EECF244321}">
+                <p14:modId xmlns:p14="http://schemas.microsoft.com/office/powerpoint/2010/main" val="2845849936"/>
+              </p:ext>
+            </p:extLst>
+          </p:nvPr>
+        </p:nvGraphicFramePr>
+        <p:xfrm>
+          <a:off x="1920385" y="3126120"/>
+          <a:ext cx="1866170" cy="1841535"/>
+        </p:xfrm>
+        <a:graphic>
+          <a:graphicData uri="http://schemas.openxmlformats.org/drawingml/2006/table">
+            <a:tbl>
+              <a:tblPr firstRow="1" bandRow="1">
+                <a:tableStyleId>{5940675A-B579-460E-94D1-54222C63F5DA}</a:tableStyleId>
+              </a:tblPr>
+              <a:tblGrid>
+                <a:gridCol w="373234">
+                  <a:extLst>
+                    <a:ext uri="{9D8B030D-6E8A-4147-A177-3AD203B41FA5}">
+                      <a16:colId xmlns:a16="http://schemas.microsoft.com/office/drawing/2014/main" val="3884742194"/>
+                    </a:ext>
+                  </a:extLst>
+                </a:gridCol>
+                <a:gridCol w="373234">
+                  <a:extLst>
+                    <a:ext uri="{9D8B030D-6E8A-4147-A177-3AD203B41FA5}">
+                      <a16:colId xmlns:a16="http://schemas.microsoft.com/office/drawing/2014/main" val="2456573414"/>
+                    </a:ext>
+                  </a:extLst>
+                </a:gridCol>
+                <a:gridCol w="373234">
+                  <a:extLst>
+                    <a:ext uri="{9D8B030D-6E8A-4147-A177-3AD203B41FA5}">
+                      <a16:colId xmlns:a16="http://schemas.microsoft.com/office/drawing/2014/main" val="2714751493"/>
+                    </a:ext>
+                  </a:extLst>
+                </a:gridCol>
+                <a:gridCol w="373234">
+                  <a:extLst>
+                    <a:ext uri="{9D8B030D-6E8A-4147-A177-3AD203B41FA5}">
+                      <a16:colId xmlns:a16="http://schemas.microsoft.com/office/drawing/2014/main" val="1207705442"/>
+                    </a:ext>
+                  </a:extLst>
+                </a:gridCol>
+                <a:gridCol w="373234">
+                  <a:extLst>
+                    <a:ext uri="{9D8B030D-6E8A-4147-A177-3AD203B41FA5}">
+                      <a16:colId xmlns:a16="http://schemas.microsoft.com/office/drawing/2014/main" val="4081594407"/>
+                    </a:ext>
+                  </a:extLst>
+                </a:gridCol>
+              </a:tblGrid>
+              <a:tr h="613845">
+                <a:tc>
+                  <a:txBody>
+                    <a:bodyPr/>
+                    <a:lstStyle/>
+                    <a:p>
+                      <a:endParaRPr lang="el-GR" dirty="0"/>
+                    </a:p>
+                  </a:txBody>
+                  <a:tcPr/>
+                </a:tc>
+                <a:tc>
+                  <a:txBody>
+                    <a:bodyPr/>
+                    <a:lstStyle/>
+                    <a:p>
+                      <a:endParaRPr lang="el-GR" dirty="0"/>
+                    </a:p>
+                  </a:txBody>
+                  <a:tcPr/>
+                </a:tc>
+                <a:tc>
+                  <a:txBody>
+                    <a:bodyPr/>
+                    <a:lstStyle/>
+                    <a:p>
+                      <a:endParaRPr lang="el-GR"/>
+                    </a:p>
+                  </a:txBody>
+                  <a:tcPr/>
+                </a:tc>
+                <a:tc>
+                  <a:txBody>
+                    <a:bodyPr/>
+                    <a:lstStyle/>
+                    <a:p>
+                      <a:endParaRPr lang="el-GR" dirty="0"/>
+                    </a:p>
+                  </a:txBody>
+                  <a:tcPr/>
+                </a:tc>
+                <a:tc>
+                  <a:txBody>
+                    <a:bodyPr/>
+                    <a:lstStyle/>
+                    <a:p>
+                      <a:endParaRPr lang="el-GR"/>
+                    </a:p>
+                  </a:txBody>
+                  <a:tcPr/>
+                </a:tc>
+                <a:extLst>
+                  <a:ext uri="{0D108BD9-81ED-4DB2-BD59-A6C34878D82A}">
+                    <a16:rowId xmlns:a16="http://schemas.microsoft.com/office/drawing/2014/main" val="15843778"/>
+                  </a:ext>
+                </a:extLst>
+              </a:tr>
+              <a:tr h="613845">
+                <a:tc>
+                  <a:txBody>
+                    <a:bodyPr/>
+                    <a:lstStyle/>
+                    <a:p>
+                      <a:endParaRPr lang="el-GR"/>
+                    </a:p>
+                  </a:txBody>
+                  <a:tcPr/>
+                </a:tc>
+                <a:tc>
+                  <a:txBody>
+                    <a:bodyPr/>
+                    <a:lstStyle/>
+                    <a:p>
+                      <a:endParaRPr lang="el-GR"/>
+                    </a:p>
+                  </a:txBody>
+                  <a:tcPr/>
+                </a:tc>
+                <a:tc>
+                  <a:txBody>
+                    <a:bodyPr/>
+                    <a:lstStyle/>
+                    <a:p>
+                      <a:endParaRPr lang="el-GR" dirty="0"/>
+                    </a:p>
+                  </a:txBody>
+                  <a:tcPr/>
+                </a:tc>
+                <a:tc>
+                  <a:txBody>
+                    <a:bodyPr/>
+                    <a:lstStyle/>
+                    <a:p>
+                      <a:endParaRPr lang="el-GR"/>
+                    </a:p>
+                  </a:txBody>
+                  <a:tcPr/>
+                </a:tc>
+                <a:tc>
+                  <a:txBody>
+                    <a:bodyPr/>
+                    <a:lstStyle/>
+                    <a:p>
+                      <a:endParaRPr lang="el-GR"/>
+                    </a:p>
+                  </a:txBody>
+                  <a:tcPr/>
+                </a:tc>
+                <a:extLst>
+                  <a:ext uri="{0D108BD9-81ED-4DB2-BD59-A6C34878D82A}">
+                    <a16:rowId xmlns:a16="http://schemas.microsoft.com/office/drawing/2014/main" val="860642957"/>
+                  </a:ext>
+                </a:extLst>
+              </a:tr>
+              <a:tr h="613845">
+                <a:tc>
+                  <a:txBody>
+                    <a:bodyPr/>
+                    <a:lstStyle/>
+                    <a:p>
+                      <a:pPr algn="ctr"/>
+                      <a:endParaRPr lang="en-US" sz="900" dirty="0" smtClean="0">
+                        <a:latin typeface="Segoe UI Light" panose="020B0502040204020203" pitchFamily="34" charset="0"/>
+                        <a:cs typeface="Segoe UI Light" panose="020B0502040204020203" pitchFamily="34" charset="0"/>
+                      </a:endParaRPr>
+                    </a:p>
+                    <a:p>
+                      <a:pPr algn="ctr"/>
+                      <a:r>
+                        <a:rPr lang="el-GR" sz="1600" b="1" dirty="0" smtClean="0">
+                          <a:latin typeface="Segoe UI Light" panose="020B0502040204020203" pitchFamily="34" charset="0"/>
+                          <a:cs typeface="Segoe UI Light" panose="020B0502040204020203" pitchFamily="34" charset="0"/>
+                        </a:rPr>
+                        <a:t>10</a:t>
+                      </a:r>
+                      <a:endParaRPr lang="el-GR" sz="1600" b="1" dirty="0">
+                        <a:latin typeface="Segoe UI Light" panose="020B0502040204020203" pitchFamily="34" charset="0"/>
+                        <a:cs typeface="Segoe UI Light" panose="020B0502040204020203" pitchFamily="34" charset="0"/>
+                      </a:endParaRPr>
+                    </a:p>
+                  </a:txBody>
+                  <a:tcPr/>
+                </a:tc>
+                <a:tc>
+                  <a:txBody>
+                    <a:bodyPr/>
+                    <a:lstStyle/>
+                    <a:p>
+                      <a:endParaRPr lang="el-GR" dirty="0"/>
+                    </a:p>
+                  </a:txBody>
+                  <a:tcPr/>
+                </a:tc>
+                <a:tc>
+                  <a:txBody>
+                    <a:bodyPr/>
+                    <a:lstStyle/>
+                    <a:p>
+                      <a:endParaRPr lang="el-GR" dirty="0"/>
+                    </a:p>
+                  </a:txBody>
+                  <a:tcPr/>
+                </a:tc>
+                <a:tc>
+                  <a:txBody>
+                    <a:bodyPr/>
+                    <a:lstStyle/>
+                    <a:p>
+                      <a:pPr marL="0" marR="0" lvl="0" indent="0" algn="ctr" defTabSz="914400" rtl="0" eaLnBrk="1" fontAlgn="auto" latinLnBrk="0" hangingPunct="1">
+                        <a:lnSpc>
+                          <a:spcPct val="100000"/>
+                        </a:lnSpc>
+                        <a:spcBef>
+                          <a:spcPts val="0"/>
+                        </a:spcBef>
+                        <a:spcAft>
+                          <a:spcPts val="0"/>
+                        </a:spcAft>
+                        <a:buClrTx/>
+                        <a:buSzTx/>
+                        <a:buFontTx/>
+                        <a:buNone/>
+                        <a:tabLst/>
+                        <a:defRPr/>
+                      </a:pPr>
+                      <a:endParaRPr kumimoji="0" lang="en-US" sz="900" b="0" i="0" u="none" strike="noStrike" kern="1200" cap="none" spc="0" normalizeH="0" baseline="0" noProof="0" dirty="0" smtClean="0">
+                        <a:ln>
+                          <a:noFill/>
+                        </a:ln>
+                        <a:solidFill>
+                          <a:prstClr val="black"/>
+                        </a:solidFill>
+                        <a:effectLst/>
+                        <a:uLnTx/>
+                        <a:uFillTx/>
+                        <a:latin typeface="Segoe UI Light" panose="020B0502040204020203" pitchFamily="34" charset="0"/>
+                        <a:ea typeface="+mn-ea"/>
+                        <a:cs typeface="Segoe UI Light" panose="020B0502040204020203" pitchFamily="34" charset="0"/>
+                      </a:endParaRPr>
+                    </a:p>
+                    <a:p>
+                      <a:pPr marL="0" marR="0" lvl="0" indent="0" algn="ctr" defTabSz="914400" rtl="0" eaLnBrk="1" fontAlgn="auto" latinLnBrk="0" hangingPunct="1">
+                        <a:lnSpc>
+                          <a:spcPct val="100000"/>
+                        </a:lnSpc>
+                        <a:spcBef>
+                          <a:spcPts val="0"/>
+                        </a:spcBef>
+                        <a:spcAft>
+                          <a:spcPts val="0"/>
+                        </a:spcAft>
+                        <a:buClrTx/>
+                        <a:buSzTx/>
+                        <a:buFontTx/>
+                        <a:buNone/>
+                        <a:tabLst/>
+                        <a:defRPr/>
+                      </a:pPr>
+                      <a:r>
+                        <a:rPr kumimoji="0" lang="en-US" sz="1600" b="1" i="0" u="none" strike="noStrike" kern="1200" cap="none" spc="0" normalizeH="0" baseline="0" noProof="0" dirty="0" smtClean="0">
+                          <a:ln>
+                            <a:noFill/>
+                          </a:ln>
+                          <a:solidFill>
+                            <a:prstClr val="black"/>
+                          </a:solidFill>
+                          <a:effectLst/>
+                          <a:uLnTx/>
+                          <a:uFillTx/>
+                          <a:latin typeface="Arial Black" panose="020B0A04020102020204" pitchFamily="34" charset="0"/>
+                          <a:ea typeface="+mn-ea"/>
+                          <a:cs typeface="Segoe UI Light" panose="020B0502040204020203" pitchFamily="34" charset="0"/>
+                        </a:rPr>
+                        <a:t>-</a:t>
+                      </a:r>
+                      <a:endParaRPr kumimoji="0" lang="el-GR" sz="1600" b="1" i="0" u="none" strike="noStrike" kern="1200" cap="none" spc="0" normalizeH="0" baseline="0" noProof="0" dirty="0" smtClean="0">
+                        <a:ln>
+                          <a:noFill/>
+                        </a:ln>
+                        <a:solidFill>
+                          <a:prstClr val="black"/>
+                        </a:solidFill>
+                        <a:effectLst/>
+                        <a:uLnTx/>
+                        <a:uFillTx/>
+                        <a:latin typeface="Arial Black" panose="020B0A04020102020204" pitchFamily="34" charset="0"/>
+                        <a:ea typeface="+mn-ea"/>
+                        <a:cs typeface="Segoe UI Light" panose="020B0502040204020203" pitchFamily="34" charset="0"/>
+                      </a:endParaRPr>
+                    </a:p>
+                  </a:txBody>
+                  <a:tcPr/>
+                </a:tc>
+                <a:tc>
+                  <a:txBody>
+                    <a:bodyPr/>
+                    <a:lstStyle/>
+                    <a:p>
+                      <a:endParaRPr lang="el-GR" dirty="0"/>
+                    </a:p>
+                  </a:txBody>
+                  <a:tcPr/>
+                </a:tc>
+                <a:extLst>
+                  <a:ext uri="{0D108BD9-81ED-4DB2-BD59-A6C34878D82A}">
+                    <a16:rowId xmlns:a16="http://schemas.microsoft.com/office/drawing/2014/main" val="1206727885"/>
+                  </a:ext>
+                </a:extLst>
+              </a:tr>
+            </a:tbl>
+          </a:graphicData>
+        </a:graphic>
+      </p:graphicFrame>
+      <p:cxnSp>
+        <p:nvCxnSpPr>
+          <p:cNvPr id="21" name="Ευθύγραμμο βέλος σύνδεσης 20"/>
+          <p:cNvCxnSpPr>
+            <a:endCxn id="22" idx="0"/>
+          </p:cNvCxnSpPr>
+          <p:nvPr/>
+        </p:nvCxnSpPr>
+        <p:spPr>
+          <a:xfrm flipH="1">
+            <a:off x="1410798" y="4835769"/>
+            <a:ext cx="611436" cy="888023"/>
+          </a:xfrm>
+          <a:prstGeom prst="straightConnector1">
+            <a:avLst/>
+          </a:prstGeom>
+          <a:ln>
+            <a:tailEnd type="triangle"/>
+          </a:ln>
+        </p:spPr>
+        <p:style>
+          <a:lnRef idx="1">
+            <a:schemeClr val="accent2"/>
+          </a:lnRef>
+          <a:fillRef idx="0">
+            <a:schemeClr val="accent2"/>
+          </a:fillRef>
+          <a:effectRef idx="0">
+            <a:schemeClr val="accent2"/>
+          </a:effectRef>
+          <a:fontRef idx="minor">
+            <a:schemeClr val="tx1"/>
+          </a:fontRef>
+        </p:style>
+      </p:cxnSp>
+      <p:sp>
+        <p:nvSpPr>
+          <p:cNvPr id="22" name="Ορθογώνιο 21"/>
+          <p:cNvSpPr/>
+          <p:nvPr/>
+        </p:nvSpPr>
+        <p:spPr>
+          <a:xfrm>
+            <a:off x="368542" y="5723792"/>
+            <a:ext cx="2084511" cy="967154"/>
+          </a:xfrm>
+          <a:prstGeom prst="rect">
+            <a:avLst/>
+          </a:prstGeom>
+        </p:spPr>
+        <p:style>
+          <a:lnRef idx="2">
+            <a:schemeClr val="accent2">
+              <a:shade val="50000"/>
+            </a:schemeClr>
+          </a:lnRef>
+          <a:fillRef idx="1">
+            <a:schemeClr val="accent2"/>
+          </a:fillRef>
+          <a:effectRef idx="0">
+            <a:schemeClr val="accent2"/>
+          </a:effectRef>
+          <a:fontRef idx="minor">
+            <a:schemeClr val="lt1"/>
+          </a:fontRef>
+        </p:style>
+        <p:txBody>
+          <a:bodyPr rtlCol="0" anchor="ctr"/>
+          <a:lstStyle/>
+          <a:p>
+            <a:pPr algn="ctr"/>
+            <a:r>
+              <a:rPr lang="el-GR" dirty="0" smtClean="0">
+                <a:latin typeface="Segoe UI Light" panose="020B0502040204020203" pitchFamily="34" charset="0"/>
+                <a:cs typeface="Segoe UI Light" panose="020B0502040204020203" pitchFamily="34" charset="0"/>
+              </a:rPr>
+              <a:t>Αξιολόγηση χρήστη σε προϊόν</a:t>
+            </a:r>
+            <a:endParaRPr lang="el-GR" dirty="0">
+              <a:latin typeface="Segoe UI Light" panose="020B0502040204020203" pitchFamily="34" charset="0"/>
+              <a:cs typeface="Segoe UI Light" panose="020B0502040204020203" pitchFamily="34" charset="0"/>
+            </a:endParaRPr>
+          </a:p>
+        </p:txBody>
+      </p:sp>
+      <p:cxnSp>
+        <p:nvCxnSpPr>
+          <p:cNvPr id="25" name="Ευθύγραμμο βέλος σύνδεσης 24"/>
+          <p:cNvCxnSpPr>
+            <a:endCxn id="28" idx="0"/>
+          </p:cNvCxnSpPr>
+          <p:nvPr/>
+        </p:nvCxnSpPr>
+        <p:spPr>
+          <a:xfrm>
+            <a:off x="3235570" y="4765431"/>
+            <a:ext cx="1027236" cy="964467"/>
+          </a:xfrm>
+          <a:prstGeom prst="straightConnector1">
+            <a:avLst/>
+          </a:prstGeom>
+          <a:ln>
+            <a:tailEnd type="triangle"/>
+          </a:ln>
+        </p:spPr>
+        <p:style>
+          <a:lnRef idx="1">
+            <a:schemeClr val="accent2"/>
+          </a:lnRef>
+          <a:fillRef idx="0">
+            <a:schemeClr val="accent2"/>
+          </a:fillRef>
+          <a:effectRef idx="0">
+            <a:schemeClr val="accent2"/>
+          </a:effectRef>
+          <a:fontRef idx="minor">
+            <a:schemeClr val="tx1"/>
+          </a:fontRef>
+        </p:style>
+      </p:cxnSp>
+      <p:sp>
+        <p:nvSpPr>
+          <p:cNvPr id="28" name="Ορθογώνιο 27"/>
+          <p:cNvSpPr/>
+          <p:nvPr/>
+        </p:nvSpPr>
+        <p:spPr>
+          <a:xfrm>
+            <a:off x="3220550" y="5729898"/>
+            <a:ext cx="2084511" cy="967154"/>
+          </a:xfrm>
+          <a:prstGeom prst="rect">
+            <a:avLst/>
+          </a:prstGeom>
+        </p:spPr>
+        <p:style>
+          <a:lnRef idx="2">
+            <a:schemeClr val="accent2">
+              <a:shade val="50000"/>
+            </a:schemeClr>
+          </a:lnRef>
+          <a:fillRef idx="1">
+            <a:schemeClr val="accent2"/>
+          </a:fillRef>
+          <a:effectRef idx="0">
+            <a:schemeClr val="accent2"/>
+          </a:effectRef>
+          <a:fontRef idx="minor">
+            <a:schemeClr val="lt1"/>
+          </a:fontRef>
+        </p:style>
+        <p:txBody>
+          <a:bodyPr rtlCol="0" anchor="ctr"/>
+          <a:lstStyle/>
+          <a:p>
+            <a:pPr algn="ctr"/>
+            <a:r>
+              <a:rPr lang="el-GR" dirty="0" smtClean="0">
+                <a:latin typeface="Segoe UI Light" panose="020B0502040204020203" pitchFamily="34" charset="0"/>
+                <a:cs typeface="Segoe UI Light" panose="020B0502040204020203" pitchFamily="34" charset="0"/>
+              </a:rPr>
+              <a:t>Προϊόν μη βαθμολογημένο από χρήστη</a:t>
+            </a:r>
+            <a:endParaRPr lang="el-GR" dirty="0">
               <a:latin typeface="Segoe UI Light" panose="020B0502040204020203" pitchFamily="34" charset="0"/>
               <a:cs typeface="Segoe UI Light" panose="020B0502040204020203" pitchFamily="34" charset="0"/>
             </a:endParaRPr>

--- a/παρουσίαση.pptx
+++ b/παρουσίαση.pptx
@@ -4075,8 +4075,8 @@
           </a:fontRef>
         </p:style>
       </p:cxnSp>
-      <mc:AlternateContent xmlns:mc="http://schemas.openxmlformats.org/markup-compatibility/2006">
-        <mc:Choice xmlns:a14="http://schemas.microsoft.com/office/drawing/2010/main" Requires="a14">
+      <mc:AlternateContent xmlns:mc="http://schemas.openxmlformats.org/markup-compatibility/2006" xmlns:a14="http://schemas.microsoft.com/office/drawing/2010/main">
+        <mc:Choice Requires="a14">
           <p:sp>
             <p:nvSpPr>
               <p:cNvPr id="28" name="Οβάλ 27"/>
@@ -4179,7 +4179,7 @@
             </p:txBody>
           </p:sp>
         </mc:Choice>
-        <mc:Fallback>
+        <mc:Fallback xmlns="">
           <p:sp>
             <p:nvSpPr>
               <p:cNvPr id="28" name="Οβάλ 27"/>
@@ -13129,42 +13129,7 @@
                 <a:latin typeface="Segoe UI Light" panose="020B0502040204020203" pitchFamily="34" charset="0"/>
                 <a:cs typeface="Segoe UI Light" panose="020B0502040204020203" pitchFamily="34" charset="0"/>
               </a:rPr>
-              <a:t>Η σωστή </a:t>
-            </a:r>
-            <a:r>
-              <a:rPr lang="el-GR" sz="2000" dirty="0" smtClean="0">
-                <a:latin typeface="Segoe UI Light" panose="020B0502040204020203" pitchFamily="34" charset="0"/>
-                <a:cs typeface="Segoe UI Light" panose="020B0502040204020203" pitchFamily="34" charset="0"/>
-              </a:rPr>
-              <a:t>επιλογή </a:t>
-            </a:r>
-            <a:r>
-              <a:rPr lang="el-GR" sz="2000" dirty="0" smtClean="0">
-                <a:latin typeface="Segoe UI Light" panose="020B0502040204020203" pitchFamily="34" charset="0"/>
-                <a:cs typeface="Segoe UI Light" panose="020B0502040204020203" pitchFamily="34" charset="0"/>
-              </a:rPr>
-              <a:t>των παραμέτρων </a:t>
-            </a:r>
-            <a:r>
-              <a:rPr lang="el-GR" sz="2000" dirty="0" smtClean="0">
-                <a:latin typeface="Segoe UI Light" panose="020B0502040204020203" pitchFamily="34" charset="0"/>
-                <a:cs typeface="Segoe UI Light" panose="020B0502040204020203" pitchFamily="34" charset="0"/>
-              </a:rPr>
-              <a:t>σε κάθε υλοποίηση συμβάλει </a:t>
-            </a:r>
-            <a:r>
-              <a:rPr lang="el-GR" sz="2000" dirty="0" smtClean="0">
-                <a:latin typeface="Segoe UI Light" panose="020B0502040204020203" pitchFamily="34" charset="0"/>
-                <a:cs typeface="Segoe UI Light" panose="020B0502040204020203" pitchFamily="34" charset="0"/>
-              </a:rPr>
-              <a:t>σημαντικά </a:t>
-            </a:r>
-            <a:r>
-              <a:rPr lang="el-GR" sz="2000" dirty="0" smtClean="0">
-                <a:latin typeface="Segoe UI Light" panose="020B0502040204020203" pitchFamily="34" charset="0"/>
-                <a:cs typeface="Segoe UI Light" panose="020B0502040204020203" pitchFamily="34" charset="0"/>
-              </a:rPr>
-              <a:t>στις επιδόσεις των προτάσεων.</a:t>
+              <a:t>Η σωστή επιλογή των παραμέτρων σε κάθε υλοποίηση συμβάλει σημαντικά στις επιδόσεις των προτάσεων.</a:t>
             </a:r>
           </a:p>
           <a:p>
@@ -13177,28 +13142,7 @@
                 <a:latin typeface="Segoe UI Light" panose="020B0502040204020203" pitchFamily="34" charset="0"/>
                 <a:cs typeface="Segoe UI Light" panose="020B0502040204020203" pitchFamily="34" charset="0"/>
               </a:rPr>
-              <a:t>Στα συστήματα </a:t>
-            </a:r>
-            <a:r>
-              <a:rPr lang="el-GR" sz="2000" dirty="0" smtClean="0">
-                <a:latin typeface="Segoe UI Light" panose="020B0502040204020203" pitchFamily="34" charset="0"/>
-                <a:cs typeface="Segoe UI Light" panose="020B0502040204020203" pitchFamily="34" charset="0"/>
-              </a:rPr>
-              <a:t>προτάσεων </a:t>
-            </a:r>
-            <a:r>
-              <a:rPr lang="el-GR" sz="2000" dirty="0" smtClean="0">
-                <a:latin typeface="Segoe UI Light" panose="020B0502040204020203" pitchFamily="34" charset="0"/>
-                <a:cs typeface="Segoe UI Light" panose="020B0502040204020203" pitchFamily="34" charset="0"/>
-              </a:rPr>
-              <a:t>χρειάζεται </a:t>
-            </a:r>
-            <a:r>
-              <a:rPr lang="el-GR" sz="2000" dirty="0" smtClean="0">
-                <a:latin typeface="Segoe UI Light" panose="020B0502040204020203" pitchFamily="34" charset="0"/>
-                <a:cs typeface="Segoe UI Light" panose="020B0502040204020203" pitchFamily="34" charset="0"/>
-              </a:rPr>
-              <a:t>μελετάμε τόσο τις αλληλεπιδράσεις των χρηστών όσο και τα χαρακτηριστικά των προϊόντων.</a:t>
+              <a:t>Στα συστήματα προτάσεων χρειάζεται μελετάμε τόσο τις αλληλεπιδράσεις των χρηστών όσο και τα χαρακτηριστικά των προϊόντων.</a:t>
             </a:r>
           </a:p>
           <a:p>
@@ -13225,7 +13169,28 @@
                 <a:latin typeface="Segoe UI Light" panose="020B0502040204020203" pitchFamily="34" charset="0"/>
                 <a:cs typeface="Segoe UI Light" panose="020B0502040204020203" pitchFamily="34" charset="0"/>
               </a:rPr>
-              <a:t>κατάφερε και αξιοποίησε πετυχημένα όλα </a:t>
+              <a:t>καταφέρνει </a:t>
+            </a:r>
+            <a:r>
+              <a:rPr lang="el-GR" sz="2000" smtClean="0">
+                <a:latin typeface="Segoe UI Light" panose="020B0502040204020203" pitchFamily="34" charset="0"/>
+                <a:cs typeface="Segoe UI Light" panose="020B0502040204020203" pitchFamily="34" charset="0"/>
+              </a:rPr>
+              <a:t>και </a:t>
+            </a:r>
+            <a:r>
+              <a:rPr lang="el-GR" sz="2000" smtClean="0">
+                <a:latin typeface="Segoe UI Light" panose="020B0502040204020203" pitchFamily="34" charset="0"/>
+                <a:cs typeface="Segoe UI Light" panose="020B0502040204020203" pitchFamily="34" charset="0"/>
+              </a:rPr>
+              <a:t>αξιοποιεί </a:t>
+            </a:r>
+            <a:r>
+              <a:rPr lang="el-GR" sz="2000" dirty="0" smtClean="0">
+                <a:latin typeface="Segoe UI Light" panose="020B0502040204020203" pitchFamily="34" charset="0"/>
+                <a:cs typeface="Segoe UI Light" panose="020B0502040204020203" pitchFamily="34" charset="0"/>
+              </a:rPr>
+              <a:t>πετυχημένα όλα </a:t>
             </a:r>
             <a:r>
               <a:rPr lang="el-GR" sz="2000" dirty="0">
@@ -13264,14 +13229,7 @@
                 <a:latin typeface="Segoe UI Light" panose="020B0502040204020203" pitchFamily="34" charset="0"/>
                 <a:cs typeface="Segoe UI Light" panose="020B0502040204020203" pitchFamily="34" charset="0"/>
               </a:rPr>
-              <a:t>Η δημιουργία καλύτερου </a:t>
-            </a:r>
-            <a:r>
-              <a:rPr lang="el-GR" sz="2000" dirty="0" smtClean="0">
-                <a:latin typeface="Segoe UI Light" panose="020B0502040204020203" pitchFamily="34" charset="0"/>
-                <a:cs typeface="Segoe UI Light" panose="020B0502040204020203" pitchFamily="34" charset="0"/>
-              </a:rPr>
-              <a:t>και πιο </a:t>
+              <a:t>Η δημιουργία καλύτερου και πιο </a:t>
             </a:r>
             <a:r>
               <a:rPr lang="en-US" sz="2000" dirty="0" smtClean="0">
@@ -13312,14 +13270,7 @@
                 <a:latin typeface="Segoe UI Light" panose="020B0502040204020203" pitchFamily="34" charset="0"/>
                 <a:cs typeface="Segoe UI Light" panose="020B0502040204020203" pitchFamily="34" charset="0"/>
               </a:rPr>
-              <a:t>Η α</a:t>
-            </a:r>
-            <a:r>
-              <a:rPr lang="el-GR" sz="2000" dirty="0" smtClean="0">
-                <a:latin typeface="Segoe UI Light" panose="020B0502040204020203" pitchFamily="34" charset="0"/>
-                <a:cs typeface="Segoe UI Light" panose="020B0502040204020203" pitchFamily="34" charset="0"/>
-              </a:rPr>
-              <a:t>ποστολή </a:t>
+              <a:t>Η αποστολή </a:t>
             </a:r>
             <a:r>
               <a:rPr lang="en-US" sz="2000" dirty="0">
@@ -13357,28 +13308,7 @@
                 <a:latin typeface="Segoe UI Light" panose="020B0502040204020203" pitchFamily="34" charset="0"/>
                 <a:cs typeface="Segoe UI Light" panose="020B0502040204020203" pitchFamily="34" charset="0"/>
               </a:rPr>
-              <a:t>Η αξιοποίηση </a:t>
-            </a:r>
-            <a:r>
-              <a:rPr lang="el-GR" sz="2000" dirty="0" smtClean="0">
-                <a:latin typeface="Segoe UI Light" panose="020B0502040204020203" pitchFamily="34" charset="0"/>
-                <a:cs typeface="Segoe UI Light" panose="020B0502040204020203" pitchFamily="34" charset="0"/>
-              </a:rPr>
-              <a:t>περισσότερων παραμέτρων </a:t>
-            </a:r>
-            <a:r>
-              <a:rPr lang="el-GR" sz="2000" dirty="0" smtClean="0">
-                <a:latin typeface="Segoe UI Light" panose="020B0502040204020203" pitchFamily="34" charset="0"/>
-                <a:cs typeface="Segoe UI Light" panose="020B0502040204020203" pitchFamily="34" charset="0"/>
-              </a:rPr>
-              <a:t>για </a:t>
-            </a:r>
-            <a:r>
-              <a:rPr lang="el-GR" sz="2000" dirty="0" smtClean="0">
-                <a:latin typeface="Segoe UI Light" panose="020B0502040204020203" pitchFamily="34" charset="0"/>
-                <a:cs typeface="Segoe UI Light" panose="020B0502040204020203" pitchFamily="34" charset="0"/>
-              </a:rPr>
-              <a:t>την δημιουργία πρότασης (χρόνος προβολής, πωλήσεις κλπ.)</a:t>
+              <a:t>Η αξιοποίηση περισσότερων παραμέτρων για την δημιουργία πρότασης (χρόνος προβολής, πωλήσεις κλπ.)</a:t>
             </a:r>
           </a:p>
           <a:p>
@@ -13886,26 +13816,8 @@
                 <a:latin typeface="Segoe UI Light" panose="020B0502040204020203" pitchFamily="34" charset="0"/>
                 <a:cs typeface="Segoe UI Light" panose="020B0502040204020203" pitchFamily="34" charset="0"/>
               </a:rPr>
-              <a:t>δεδομένων </a:t>
-            </a:r>
-            <a:r>
-              <a:rPr lang="el-GR" dirty="0" smtClean="0">
-                <a:latin typeface="Segoe UI Light" panose="020B0502040204020203" pitchFamily="34" charset="0"/>
-                <a:cs typeface="Segoe UI Light" panose="020B0502040204020203" pitchFamily="34" charset="0"/>
-              </a:rPr>
-              <a:t>που είναι αρκετά πιθανό να μας </a:t>
-            </a:r>
-            <a:r>
-              <a:rPr lang="el-GR" dirty="0" smtClean="0">
-                <a:latin typeface="Segoe UI Light" panose="020B0502040204020203" pitchFamily="34" charset="0"/>
-                <a:cs typeface="Segoe UI Light" panose="020B0502040204020203" pitchFamily="34" charset="0"/>
-              </a:rPr>
-              <a:t>αρέσουν.</a:t>
-            </a:r>
-            <a:endParaRPr lang="el-GR" dirty="0" smtClean="0">
-              <a:latin typeface="Segoe UI Light" panose="020B0502040204020203" pitchFamily="34" charset="0"/>
-              <a:cs typeface="Segoe UI Light" panose="020B0502040204020203" pitchFamily="34" charset="0"/>
-            </a:endParaRPr>
+              <a:t>δεδομένων που είναι αρκετά πιθανό να μας αρέσουν.</a:t>
+            </a:r>
           </a:p>
           <a:p>
             <a:endParaRPr lang="el-GR" dirty="0" smtClean="0">
@@ -14388,21 +14300,7 @@
                 <a:latin typeface="Segoe UI Light" panose="020B0502040204020203" pitchFamily="34" charset="0"/>
                 <a:cs typeface="Segoe UI Light" panose="020B0502040204020203" pitchFamily="34" charset="0"/>
               </a:rPr>
-              <a:t>Ταινίες για την παροχή προτάσεων σε </a:t>
-            </a:r>
-            <a:r>
-              <a:rPr lang="el-GR" dirty="0" smtClean="0">
-                <a:latin typeface="Segoe UI Light" panose="020B0502040204020203" pitchFamily="34" charset="0"/>
-                <a:cs typeface="Segoe UI Light" panose="020B0502040204020203" pitchFamily="34" charset="0"/>
-              </a:rPr>
-              <a:t>θεατές</a:t>
-            </a:r>
-            <a:r>
-              <a:rPr lang="el-GR" dirty="0" smtClean="0">
-                <a:latin typeface="Segoe UI Light" panose="020B0502040204020203" pitchFamily="34" charset="0"/>
-                <a:cs typeface="Segoe UI Light" panose="020B0502040204020203" pitchFamily="34" charset="0"/>
-              </a:rPr>
-              <a:t>.</a:t>
+              <a:t>Ταινίες για την παροχή προτάσεων σε θεατές.</a:t>
             </a:r>
             <a:endParaRPr lang="en-US" dirty="0">
               <a:latin typeface="Segoe UI Light" panose="020B0502040204020203" pitchFamily="34" charset="0"/>

--- a/παρουσίαση.pptx
+++ b/παρουσίαση.pptx
@@ -4,6 +4,9 @@
   <p:sldMasterIdLst>
     <p:sldMasterId id="2147483672" r:id="rId1"/>
   </p:sldMasterIdLst>
+  <p:notesMasterIdLst>
+    <p:notesMasterId r:id="rId28"/>
+  </p:notesMasterIdLst>
   <p:sldIdLst>
     <p:sldId id="256" r:id="rId2"/>
     <p:sldId id="257" r:id="rId3"/>
@@ -137,6 +140,440 @@
 </p:presentation>
 </file>
 
+<file path=ppt/notesMasters/notesMaster1.xml><?xml version="1.0" encoding="utf-8"?>
+<p:notesMaster xmlns:a="http://schemas.openxmlformats.org/drawingml/2006/main" xmlns:r="http://schemas.openxmlformats.org/officeDocument/2006/relationships" xmlns:p="http://schemas.openxmlformats.org/presentationml/2006/main">
+  <p:cSld>
+    <p:bg>
+      <p:bgRef idx="1001">
+        <a:schemeClr val="bg1"/>
+      </p:bgRef>
+    </p:bg>
+    <p:spTree>
+      <p:nvGrpSpPr>
+        <p:cNvPr id="1" name=""/>
+        <p:cNvGrpSpPr/>
+        <p:nvPr/>
+      </p:nvGrpSpPr>
+      <p:grpSpPr>
+        <a:xfrm>
+          <a:off x="0" y="0"/>
+          <a:ext cx="0" cy="0"/>
+          <a:chOff x="0" y="0"/>
+          <a:chExt cx="0" cy="0"/>
+        </a:xfrm>
+      </p:grpSpPr>
+      <p:sp>
+        <p:nvSpPr>
+          <p:cNvPr id="2" name="Θέση κεφαλίδας 1"/>
+          <p:cNvSpPr>
+            <a:spLocks noGrp="1"/>
+          </p:cNvSpPr>
+          <p:nvPr>
+            <p:ph type="hdr" sz="quarter"/>
+          </p:nvPr>
+        </p:nvSpPr>
+        <p:spPr>
+          <a:xfrm>
+            <a:off x="0" y="0"/>
+            <a:ext cx="2971800" cy="458788"/>
+          </a:xfrm>
+          <a:prstGeom prst="rect">
+            <a:avLst/>
+          </a:prstGeom>
+        </p:spPr>
+        <p:txBody>
+          <a:bodyPr vert="horz" lIns="91440" tIns="45720" rIns="91440" bIns="45720" rtlCol="0"/>
+          <a:lstStyle>
+            <a:lvl1pPr algn="l">
+              <a:defRPr sz="1200"/>
+            </a:lvl1pPr>
+          </a:lstStyle>
+          <a:p>
+            <a:endParaRPr lang="en-US"/>
+          </a:p>
+        </p:txBody>
+      </p:sp>
+      <p:sp>
+        <p:nvSpPr>
+          <p:cNvPr id="3" name="Θέση ημερομηνίας 2"/>
+          <p:cNvSpPr>
+            <a:spLocks noGrp="1"/>
+          </p:cNvSpPr>
+          <p:nvPr>
+            <p:ph type="dt" idx="1"/>
+          </p:nvPr>
+        </p:nvSpPr>
+        <p:spPr>
+          <a:xfrm>
+            <a:off x="3884613" y="0"/>
+            <a:ext cx="2971800" cy="458788"/>
+          </a:xfrm>
+          <a:prstGeom prst="rect">
+            <a:avLst/>
+          </a:prstGeom>
+        </p:spPr>
+        <p:txBody>
+          <a:bodyPr vert="horz" lIns="91440" tIns="45720" rIns="91440" bIns="45720" rtlCol="0"/>
+          <a:lstStyle>
+            <a:lvl1pPr algn="r">
+              <a:defRPr sz="1200"/>
+            </a:lvl1pPr>
+          </a:lstStyle>
+          <a:p>
+            <a:fld id="{D5F1FF3C-9FA4-4937-9A4D-708F3899BEA2}" type="datetimeFigureOut">
+              <a:rPr lang="en-US" smtClean="0"/>
+              <a:t>4/14/2021</a:t>
+            </a:fld>
+            <a:endParaRPr lang="en-US"/>
+          </a:p>
+        </p:txBody>
+      </p:sp>
+      <p:sp>
+        <p:nvSpPr>
+          <p:cNvPr id="4" name="Θέση εικόνας διαφάνειας 3"/>
+          <p:cNvSpPr>
+            <a:spLocks noGrp="1" noRot="1" noChangeAspect="1"/>
+          </p:cNvSpPr>
+          <p:nvPr>
+            <p:ph type="sldImg" idx="2"/>
+          </p:nvPr>
+        </p:nvSpPr>
+        <p:spPr>
+          <a:xfrm>
+            <a:off x="685800" y="1143000"/>
+            <a:ext cx="5486400" cy="3086100"/>
+          </a:xfrm>
+          <a:prstGeom prst="rect">
+            <a:avLst/>
+          </a:prstGeom>
+          <a:noFill/>
+          <a:ln w="12700">
+            <a:solidFill>
+              <a:prstClr val="black"/>
+            </a:solidFill>
+          </a:ln>
+        </p:spPr>
+        <p:txBody>
+          <a:bodyPr vert="horz" lIns="91440" tIns="45720" rIns="91440" bIns="45720" rtlCol="0" anchor="ctr"/>
+          <a:lstStyle/>
+          <a:p>
+            <a:endParaRPr lang="en-US"/>
+          </a:p>
+        </p:txBody>
+      </p:sp>
+      <p:sp>
+        <p:nvSpPr>
+          <p:cNvPr id="5" name="Θέση σημειώσεων 4"/>
+          <p:cNvSpPr>
+            <a:spLocks noGrp="1"/>
+          </p:cNvSpPr>
+          <p:nvPr>
+            <p:ph type="body" sz="quarter" idx="3"/>
+          </p:nvPr>
+        </p:nvSpPr>
+        <p:spPr>
+          <a:xfrm>
+            <a:off x="685800" y="4400550"/>
+            <a:ext cx="5486400" cy="3600450"/>
+          </a:xfrm>
+          <a:prstGeom prst="rect">
+            <a:avLst/>
+          </a:prstGeom>
+        </p:spPr>
+        <p:txBody>
+          <a:bodyPr vert="horz" lIns="91440" tIns="45720" rIns="91440" bIns="45720" rtlCol="0"/>
+          <a:lstStyle/>
+          <a:p>
+            <a:pPr lvl="0"/>
+            <a:r>
+              <a:rPr lang="el-GR" smtClean="0"/>
+              <a:t>Επεξεργασία στυλ υποδείγματος κειμένου</a:t>
+            </a:r>
+          </a:p>
+          <a:p>
+            <a:pPr lvl="1"/>
+            <a:r>
+              <a:rPr lang="el-GR" smtClean="0"/>
+              <a:t>Δεύτερου επιπέδου</a:t>
+            </a:r>
+          </a:p>
+          <a:p>
+            <a:pPr lvl="2"/>
+            <a:r>
+              <a:rPr lang="el-GR" smtClean="0"/>
+              <a:t>Τρίτου επιπέδου</a:t>
+            </a:r>
+          </a:p>
+          <a:p>
+            <a:pPr lvl="3"/>
+            <a:r>
+              <a:rPr lang="el-GR" smtClean="0"/>
+              <a:t>Τέταρτου επιπέδου</a:t>
+            </a:r>
+          </a:p>
+          <a:p>
+            <a:pPr lvl="4"/>
+            <a:r>
+              <a:rPr lang="el-GR" smtClean="0"/>
+              <a:t>Πέμπτου επιπέδου</a:t>
+            </a:r>
+            <a:endParaRPr lang="en-US"/>
+          </a:p>
+        </p:txBody>
+      </p:sp>
+      <p:sp>
+        <p:nvSpPr>
+          <p:cNvPr id="6" name="Θέση υποσέλιδου 5"/>
+          <p:cNvSpPr>
+            <a:spLocks noGrp="1"/>
+          </p:cNvSpPr>
+          <p:nvPr>
+            <p:ph type="ftr" sz="quarter" idx="4"/>
+          </p:nvPr>
+        </p:nvSpPr>
+        <p:spPr>
+          <a:xfrm>
+            <a:off x="0" y="8685213"/>
+            <a:ext cx="2971800" cy="458787"/>
+          </a:xfrm>
+          <a:prstGeom prst="rect">
+            <a:avLst/>
+          </a:prstGeom>
+        </p:spPr>
+        <p:txBody>
+          <a:bodyPr vert="horz" lIns="91440" tIns="45720" rIns="91440" bIns="45720" rtlCol="0" anchor="b"/>
+          <a:lstStyle>
+            <a:lvl1pPr algn="l">
+              <a:defRPr sz="1200"/>
+            </a:lvl1pPr>
+          </a:lstStyle>
+          <a:p>
+            <a:endParaRPr lang="en-US"/>
+          </a:p>
+        </p:txBody>
+      </p:sp>
+      <p:sp>
+        <p:nvSpPr>
+          <p:cNvPr id="7" name="Θέση αριθμού διαφάνειας 6"/>
+          <p:cNvSpPr>
+            <a:spLocks noGrp="1"/>
+          </p:cNvSpPr>
+          <p:nvPr>
+            <p:ph type="sldNum" sz="quarter" idx="5"/>
+          </p:nvPr>
+        </p:nvSpPr>
+        <p:spPr>
+          <a:xfrm>
+            <a:off x="3884613" y="8685213"/>
+            <a:ext cx="2971800" cy="458787"/>
+          </a:xfrm>
+          <a:prstGeom prst="rect">
+            <a:avLst/>
+          </a:prstGeom>
+        </p:spPr>
+        <p:txBody>
+          <a:bodyPr vert="horz" lIns="91440" tIns="45720" rIns="91440" bIns="45720" rtlCol="0" anchor="b"/>
+          <a:lstStyle>
+            <a:lvl1pPr algn="r">
+              <a:defRPr sz="1200"/>
+            </a:lvl1pPr>
+          </a:lstStyle>
+          <a:p>
+            <a:fld id="{FEE5B7F8-C16B-411D-AE9A-B64BBD28623A}" type="slidenum">
+              <a:rPr lang="en-US" smtClean="0"/>
+              <a:t>‹#›</a:t>
+            </a:fld>
+            <a:endParaRPr lang="en-US"/>
+          </a:p>
+        </p:txBody>
+      </p:sp>
+    </p:spTree>
+    <p:extLst>
+      <p:ext uri="{BB962C8B-B14F-4D97-AF65-F5344CB8AC3E}">
+        <p14:creationId xmlns:p14="http://schemas.microsoft.com/office/powerpoint/2010/main" val="3600951805"/>
+      </p:ext>
+    </p:extLst>
+  </p:cSld>
+  <p:clrMap bg1="lt1" tx1="dk1" bg2="lt2" tx2="dk2" accent1="accent1" accent2="accent2" accent3="accent3" accent4="accent4" accent5="accent5" accent6="accent6" hlink="hlink" folHlink="folHlink"/>
+  <p:notesStyle>
+    <a:lvl1pPr marL="0" algn="l" defTabSz="914400" rtl="0" eaLnBrk="1" latinLnBrk="0" hangingPunct="1">
+      <a:defRPr sz="1200" kern="1200">
+        <a:solidFill>
+          <a:schemeClr val="tx1"/>
+        </a:solidFill>
+        <a:latin typeface="+mn-lt"/>
+        <a:ea typeface="+mn-ea"/>
+        <a:cs typeface="+mn-cs"/>
+      </a:defRPr>
+    </a:lvl1pPr>
+    <a:lvl2pPr marL="457200" algn="l" defTabSz="914400" rtl="0" eaLnBrk="1" latinLnBrk="0" hangingPunct="1">
+      <a:defRPr sz="1200" kern="1200">
+        <a:solidFill>
+          <a:schemeClr val="tx1"/>
+        </a:solidFill>
+        <a:latin typeface="+mn-lt"/>
+        <a:ea typeface="+mn-ea"/>
+        <a:cs typeface="+mn-cs"/>
+      </a:defRPr>
+    </a:lvl2pPr>
+    <a:lvl3pPr marL="914400" algn="l" defTabSz="914400" rtl="0" eaLnBrk="1" latinLnBrk="0" hangingPunct="1">
+      <a:defRPr sz="1200" kern="1200">
+        <a:solidFill>
+          <a:schemeClr val="tx1"/>
+        </a:solidFill>
+        <a:latin typeface="+mn-lt"/>
+        <a:ea typeface="+mn-ea"/>
+        <a:cs typeface="+mn-cs"/>
+      </a:defRPr>
+    </a:lvl3pPr>
+    <a:lvl4pPr marL="1371600" algn="l" defTabSz="914400" rtl="0" eaLnBrk="1" latinLnBrk="0" hangingPunct="1">
+      <a:defRPr sz="1200" kern="1200">
+        <a:solidFill>
+          <a:schemeClr val="tx1"/>
+        </a:solidFill>
+        <a:latin typeface="+mn-lt"/>
+        <a:ea typeface="+mn-ea"/>
+        <a:cs typeface="+mn-cs"/>
+      </a:defRPr>
+    </a:lvl4pPr>
+    <a:lvl5pPr marL="1828800" algn="l" defTabSz="914400" rtl="0" eaLnBrk="1" latinLnBrk="0" hangingPunct="1">
+      <a:defRPr sz="1200" kern="1200">
+        <a:solidFill>
+          <a:schemeClr val="tx1"/>
+        </a:solidFill>
+        <a:latin typeface="+mn-lt"/>
+        <a:ea typeface="+mn-ea"/>
+        <a:cs typeface="+mn-cs"/>
+      </a:defRPr>
+    </a:lvl5pPr>
+    <a:lvl6pPr marL="2286000" algn="l" defTabSz="914400" rtl="0" eaLnBrk="1" latinLnBrk="0" hangingPunct="1">
+      <a:defRPr sz="1200" kern="1200">
+        <a:solidFill>
+          <a:schemeClr val="tx1"/>
+        </a:solidFill>
+        <a:latin typeface="+mn-lt"/>
+        <a:ea typeface="+mn-ea"/>
+        <a:cs typeface="+mn-cs"/>
+      </a:defRPr>
+    </a:lvl6pPr>
+    <a:lvl7pPr marL="2743200" algn="l" defTabSz="914400" rtl="0" eaLnBrk="1" latinLnBrk="0" hangingPunct="1">
+      <a:defRPr sz="1200" kern="1200">
+        <a:solidFill>
+          <a:schemeClr val="tx1"/>
+        </a:solidFill>
+        <a:latin typeface="+mn-lt"/>
+        <a:ea typeface="+mn-ea"/>
+        <a:cs typeface="+mn-cs"/>
+      </a:defRPr>
+    </a:lvl7pPr>
+    <a:lvl8pPr marL="3200400" algn="l" defTabSz="914400" rtl="0" eaLnBrk="1" latinLnBrk="0" hangingPunct="1">
+      <a:defRPr sz="1200" kern="1200">
+        <a:solidFill>
+          <a:schemeClr val="tx1"/>
+        </a:solidFill>
+        <a:latin typeface="+mn-lt"/>
+        <a:ea typeface="+mn-ea"/>
+        <a:cs typeface="+mn-cs"/>
+      </a:defRPr>
+    </a:lvl8pPr>
+    <a:lvl9pPr marL="3657600" algn="l" defTabSz="914400" rtl="0" eaLnBrk="1" latinLnBrk="0" hangingPunct="1">
+      <a:defRPr sz="1200" kern="1200">
+        <a:solidFill>
+          <a:schemeClr val="tx1"/>
+        </a:solidFill>
+        <a:latin typeface="+mn-lt"/>
+        <a:ea typeface="+mn-ea"/>
+        <a:cs typeface="+mn-cs"/>
+      </a:defRPr>
+    </a:lvl9pPr>
+  </p:notesStyle>
+</p:notesMaster>
+</file>
+
+<file path=ppt/notesSlides/notesSlide1.xml><?xml version="1.0" encoding="utf-8"?>
+<p:notes xmlns:a="http://schemas.openxmlformats.org/drawingml/2006/main" xmlns:r="http://schemas.openxmlformats.org/officeDocument/2006/relationships" xmlns:p="http://schemas.openxmlformats.org/presentationml/2006/main">
+  <p:cSld>
+    <p:spTree>
+      <p:nvGrpSpPr>
+        <p:cNvPr id="1" name=""/>
+        <p:cNvGrpSpPr/>
+        <p:nvPr/>
+      </p:nvGrpSpPr>
+      <p:grpSpPr>
+        <a:xfrm>
+          <a:off x="0" y="0"/>
+          <a:ext cx="0" cy="0"/>
+          <a:chOff x="0" y="0"/>
+          <a:chExt cx="0" cy="0"/>
+        </a:xfrm>
+      </p:grpSpPr>
+      <p:sp>
+        <p:nvSpPr>
+          <p:cNvPr id="2" name="Θέση εικόνας διαφάνειας 1"/>
+          <p:cNvSpPr>
+            <a:spLocks noGrp="1" noRot="1" noChangeAspect="1"/>
+          </p:cNvSpPr>
+          <p:nvPr>
+            <p:ph type="sldImg"/>
+          </p:nvPr>
+        </p:nvSpPr>
+        <p:spPr/>
+      </p:sp>
+      <p:sp>
+        <p:nvSpPr>
+          <p:cNvPr id="3" name="Θέση σημειώσεων 2"/>
+          <p:cNvSpPr>
+            <a:spLocks noGrp="1"/>
+          </p:cNvSpPr>
+          <p:nvPr>
+            <p:ph type="body" idx="1"/>
+          </p:nvPr>
+        </p:nvSpPr>
+        <p:spPr/>
+        <p:txBody>
+          <a:bodyPr/>
+          <a:lstStyle/>
+          <a:p>
+            <a:endParaRPr lang="en-US"/>
+          </a:p>
+        </p:txBody>
+      </p:sp>
+      <p:sp>
+        <p:nvSpPr>
+          <p:cNvPr id="4" name="Θέση αριθμού διαφάνειας 3"/>
+          <p:cNvSpPr>
+            <a:spLocks noGrp="1"/>
+          </p:cNvSpPr>
+          <p:nvPr>
+            <p:ph type="sldNum" sz="quarter" idx="10"/>
+          </p:nvPr>
+        </p:nvSpPr>
+        <p:spPr/>
+        <p:txBody>
+          <a:bodyPr/>
+          <a:lstStyle/>
+          <a:p>
+            <a:fld id="{FEE5B7F8-C16B-411D-AE9A-B64BBD28623A}" type="slidenum">
+              <a:rPr lang="en-US" smtClean="0"/>
+              <a:t>1</a:t>
+            </a:fld>
+            <a:endParaRPr lang="en-US"/>
+          </a:p>
+        </p:txBody>
+      </p:sp>
+    </p:spTree>
+    <p:extLst>
+      <p:ext uri="{BB962C8B-B14F-4D97-AF65-F5344CB8AC3E}">
+        <p14:creationId xmlns:p14="http://schemas.microsoft.com/office/powerpoint/2010/main" val="588986274"/>
+      </p:ext>
+    </p:extLst>
+  </p:cSld>
+  <p:clrMapOvr>
+    <a:masterClrMapping/>
+  </p:clrMapOvr>
+</p:notes>
+</file>
+
 <file path=ppt/slideLayouts/slideLayout1.xml><?xml version="1.0" encoding="utf-8"?>
 <p:sldLayout xmlns:a="http://schemas.openxmlformats.org/drawingml/2006/main" xmlns:r="http://schemas.openxmlformats.org/officeDocument/2006/relationships" xmlns:p="http://schemas.openxmlformats.org/presentationml/2006/main" type="title" preserve="1">
   <p:cSld name="Διαφάνεια τίτλου">
@@ -268,7 +705,7 @@
           <a:p>
             <a:fld id="{E03456D4-7753-4FDE-8187-3BFD45D146A1}" type="datetimeFigureOut">
               <a:rPr lang="en-US" smtClean="0"/>
-              <a:t>4/12/2021</a:t>
+              <a:t>4/14/2021</a:t>
             </a:fld>
             <a:endParaRPr lang="en-US"/>
           </a:p>
@@ -438,7 +875,7 @@
           <a:p>
             <a:fld id="{E03456D4-7753-4FDE-8187-3BFD45D146A1}" type="datetimeFigureOut">
               <a:rPr lang="en-US" smtClean="0"/>
-              <a:t>4/12/2021</a:t>
+              <a:t>4/14/2021</a:t>
             </a:fld>
             <a:endParaRPr lang="en-US"/>
           </a:p>
@@ -618,7 +1055,7 @@
           <a:p>
             <a:fld id="{E03456D4-7753-4FDE-8187-3BFD45D146A1}" type="datetimeFigureOut">
               <a:rPr lang="en-US" smtClean="0"/>
-              <a:t>4/12/2021</a:t>
+              <a:t>4/14/2021</a:t>
             </a:fld>
             <a:endParaRPr lang="en-US"/>
           </a:p>
@@ -788,7 +1225,7 @@
           <a:p>
             <a:fld id="{E03456D4-7753-4FDE-8187-3BFD45D146A1}" type="datetimeFigureOut">
               <a:rPr lang="en-US" smtClean="0"/>
-              <a:t>4/12/2021</a:t>
+              <a:t>4/14/2021</a:t>
             </a:fld>
             <a:endParaRPr lang="en-US"/>
           </a:p>
@@ -1034,7 +1471,7 @@
           <a:p>
             <a:fld id="{E03456D4-7753-4FDE-8187-3BFD45D146A1}" type="datetimeFigureOut">
               <a:rPr lang="en-US" smtClean="0"/>
-              <a:t>4/12/2021</a:t>
+              <a:t>4/14/2021</a:t>
             </a:fld>
             <a:endParaRPr lang="en-US"/>
           </a:p>
@@ -1266,7 +1703,7 @@
           <a:p>
             <a:fld id="{E03456D4-7753-4FDE-8187-3BFD45D146A1}" type="datetimeFigureOut">
               <a:rPr lang="en-US" smtClean="0"/>
-              <a:t>4/12/2021</a:t>
+              <a:t>4/14/2021</a:t>
             </a:fld>
             <a:endParaRPr lang="en-US"/>
           </a:p>
@@ -1633,7 +2070,7 @@
           <a:p>
             <a:fld id="{E03456D4-7753-4FDE-8187-3BFD45D146A1}" type="datetimeFigureOut">
               <a:rPr lang="en-US" smtClean="0"/>
-              <a:t>4/12/2021</a:t>
+              <a:t>4/14/2021</a:t>
             </a:fld>
             <a:endParaRPr lang="en-US"/>
           </a:p>
@@ -1751,7 +2188,7 @@
           <a:p>
             <a:fld id="{E03456D4-7753-4FDE-8187-3BFD45D146A1}" type="datetimeFigureOut">
               <a:rPr lang="en-US" smtClean="0"/>
-              <a:t>4/12/2021</a:t>
+              <a:t>4/14/2021</a:t>
             </a:fld>
             <a:endParaRPr lang="en-US"/>
           </a:p>
@@ -1846,7 +2283,7 @@
           <a:p>
             <a:fld id="{E03456D4-7753-4FDE-8187-3BFD45D146A1}" type="datetimeFigureOut">
               <a:rPr lang="en-US" smtClean="0"/>
-              <a:t>4/12/2021</a:t>
+              <a:t>4/14/2021</a:t>
             </a:fld>
             <a:endParaRPr lang="en-US"/>
           </a:p>
@@ -2123,7 +2560,7 @@
           <a:p>
             <a:fld id="{E03456D4-7753-4FDE-8187-3BFD45D146A1}" type="datetimeFigureOut">
               <a:rPr lang="en-US" smtClean="0"/>
-              <a:t>4/12/2021</a:t>
+              <a:t>4/14/2021</a:t>
             </a:fld>
             <a:endParaRPr lang="en-US"/>
           </a:p>
@@ -2376,7 +2813,7 @@
           <a:p>
             <a:fld id="{E03456D4-7753-4FDE-8187-3BFD45D146A1}" type="datetimeFigureOut">
               <a:rPr lang="en-US" smtClean="0"/>
-              <a:t>4/12/2021</a:t>
+              <a:t>4/14/2021</a:t>
             </a:fld>
             <a:endParaRPr lang="en-US"/>
           </a:p>
@@ -2589,7 +3026,7 @@
           <a:p>
             <a:fld id="{E03456D4-7753-4FDE-8187-3BFD45D146A1}" type="datetimeFigureOut">
               <a:rPr lang="en-US" smtClean="0"/>
-              <a:t>4/12/2021</a:t>
+              <a:t>4/14/2021</a:t>
             </a:fld>
             <a:endParaRPr lang="en-US"/>
           </a:p>
@@ -3143,7 +3580,7 @@
           <p:nvPr/>
         </p:nvPicPr>
         <p:blipFill>
-          <a:blip r:embed="rId2"/>
+          <a:blip r:embed="rId3"/>
           <a:stretch>
             <a:fillRect/>
           </a:stretch>
@@ -3446,7 +3883,7 @@
                 <a:latin typeface="Segoe UI Light" panose="020B0502040204020203" pitchFamily="34" charset="0"/>
                 <a:cs typeface="Segoe UI Light" panose="020B0502040204020203" pitchFamily="34" charset="0"/>
               </a:rPr>
-              <a:t>Θεσσαλονίκη 2021</a:t>
+              <a:t>Θεσσαλονίκη, Μάρτιος 2021</a:t>
             </a:r>
             <a:endParaRPr lang="en-US" dirty="0">
               <a:latin typeface="Segoe UI Light" panose="020B0502040204020203" pitchFamily="34" charset="0"/>
@@ -3455,6 +3892,30 @@
           </a:p>
         </p:txBody>
       </p:sp>
+      <p:pic>
+        <p:nvPicPr>
+          <p:cNvPr id="5" name="Εικόνα 4"/>
+          <p:cNvPicPr>
+            <a:picLocks noChangeAspect="1"/>
+          </p:cNvPicPr>
+          <p:nvPr/>
+        </p:nvPicPr>
+        <p:blipFill>
+          <a:blip r:embed="rId4"/>
+          <a:stretch>
+            <a:fillRect/>
+          </a:stretch>
+        </p:blipFill>
+        <p:spPr>
+          <a:xfrm>
+            <a:off x="9801225" y="5741257"/>
+            <a:ext cx="2390775" cy="1104900"/>
+          </a:xfrm>
+          <a:prstGeom prst="rect">
+            <a:avLst/>
+          </a:prstGeom>
+        </p:spPr>
+      </p:pic>
     </p:spTree>
     <p:extLst>
       <p:ext uri="{BB962C8B-B14F-4D97-AF65-F5344CB8AC3E}">
@@ -7167,7 +7628,7 @@
             </p:nvSpPr>
             <p:spPr>
               <a:xfrm>
-                <a:off x="5372107" y="3393830"/>
+                <a:off x="5372108" y="3156438"/>
                 <a:ext cx="3651737" cy="1863969"/>
               </a:xfrm>
               <a:prstGeom prst="rect">
@@ -7337,7 +7798,7 @@
             </p:nvSpPr>
             <p:spPr>
               <a:xfrm>
-                <a:off x="5372107" y="3393830"/>
+                <a:off x="5372108" y="3156438"/>
                 <a:ext cx="3651737" cy="1863969"/>
               </a:xfrm>
               <a:prstGeom prst="rect">
@@ -7375,7 +7836,7 @@
             </p:nvSpPr>
             <p:spPr>
               <a:xfrm>
-                <a:off x="5990502" y="3780692"/>
+                <a:off x="5990503" y="3543300"/>
                 <a:ext cx="413239" cy="378070"/>
               </a:xfrm>
               <a:prstGeom prst="ellipse">
@@ -7459,7 +7920,7 @@
             </p:nvSpPr>
             <p:spPr>
               <a:xfrm>
-                <a:off x="5990502" y="3780692"/>
+                <a:off x="5990503" y="3543300"/>
                 <a:ext cx="413239" cy="378070"/>
               </a:xfrm>
               <a:prstGeom prst="ellipse">
@@ -7497,7 +7958,7 @@
             </p:nvSpPr>
             <p:spPr>
               <a:xfrm>
-                <a:off x="6661651" y="3780692"/>
+                <a:off x="6661652" y="3543300"/>
                 <a:ext cx="413239" cy="378070"/>
               </a:xfrm>
               <a:prstGeom prst="ellipse">
@@ -7581,7 +8042,7 @@
             </p:nvSpPr>
             <p:spPr>
               <a:xfrm>
-                <a:off x="6661651" y="3780692"/>
+                <a:off x="6661652" y="3543300"/>
                 <a:ext cx="413239" cy="378070"/>
               </a:xfrm>
               <a:prstGeom prst="ellipse">
@@ -7619,7 +8080,7 @@
             </p:nvSpPr>
             <p:spPr>
               <a:xfrm>
-                <a:off x="7332800" y="3780692"/>
+                <a:off x="7332801" y="3543300"/>
                 <a:ext cx="413239" cy="378070"/>
               </a:xfrm>
               <a:prstGeom prst="ellipse">
@@ -7703,7 +8164,7 @@
             </p:nvSpPr>
             <p:spPr>
               <a:xfrm>
-                <a:off x="7332800" y="3780692"/>
+                <a:off x="7332801" y="3543300"/>
                 <a:ext cx="413239" cy="378070"/>
               </a:xfrm>
               <a:prstGeom prst="ellipse">
@@ -7741,7 +8202,7 @@
             </p:nvSpPr>
             <p:spPr>
               <a:xfrm>
-                <a:off x="8003949" y="3780692"/>
+                <a:off x="8003950" y="3543300"/>
                 <a:ext cx="413239" cy="378070"/>
               </a:xfrm>
               <a:prstGeom prst="ellipse">
@@ -7825,7 +8286,7 @@
             </p:nvSpPr>
             <p:spPr>
               <a:xfrm>
-                <a:off x="8003949" y="3780692"/>
+                <a:off x="8003950" y="3543300"/>
                 <a:ext cx="413239" cy="378070"/>
               </a:xfrm>
               <a:prstGeom prst="ellipse">
@@ -7865,7 +8326,7 @@
         <p:spPr>
           <a:xfrm>
             <a:off x="3883278" y="2602524"/>
-            <a:ext cx="3314698" cy="791306"/>
+            <a:ext cx="3314699" cy="553914"/>
           </a:xfrm>
           <a:prstGeom prst="straightConnector1">
             <a:avLst/>
@@ -7901,7 +8362,7 @@
         <p:spPr>
           <a:xfrm>
             <a:off x="6093077" y="2602523"/>
-            <a:ext cx="1104899" cy="791307"/>
+            <a:ext cx="1104900" cy="553915"/>
           </a:xfrm>
           <a:prstGeom prst="straightConnector1">
             <a:avLst/>
@@ -7936,8 +8397,8 @@
         </p:nvCxnSpPr>
         <p:spPr>
           <a:xfrm flipH="1">
-            <a:off x="7197976" y="2602521"/>
-            <a:ext cx="1104900" cy="791309"/>
+            <a:off x="7197977" y="2602521"/>
+            <a:ext cx="1104899" cy="553917"/>
           </a:xfrm>
           <a:prstGeom prst="straightConnector1">
             <a:avLst/>
@@ -7972,8 +8433,8 @@
         </p:nvCxnSpPr>
         <p:spPr>
           <a:xfrm flipH="1">
-            <a:off x="7197976" y="2602521"/>
-            <a:ext cx="3314699" cy="791309"/>
+            <a:off x="7197977" y="2602521"/>
+            <a:ext cx="3314698" cy="553917"/>
           </a:xfrm>
           <a:prstGeom prst="straightConnector1">
             <a:avLst/>
@@ -8008,7 +8469,7 @@
         </p:nvCxnSpPr>
         <p:spPr>
           <a:xfrm flipH="1">
-            <a:off x="6197122" y="3393830"/>
+            <a:off x="6197123" y="3156438"/>
             <a:ext cx="1000854" cy="386862"/>
           </a:xfrm>
           <a:prstGeom prst="straightConnector1">
@@ -8044,7 +8505,7 @@
         </p:nvCxnSpPr>
         <p:spPr>
           <a:xfrm flipH="1">
-            <a:off x="6868271" y="3393830"/>
+            <a:off x="6868272" y="3156438"/>
             <a:ext cx="329705" cy="386862"/>
           </a:xfrm>
           <a:prstGeom prst="straightConnector1">
@@ -8080,7 +8541,7 @@
         </p:nvCxnSpPr>
         <p:spPr>
           <a:xfrm>
-            <a:off x="7197976" y="3393830"/>
+            <a:off x="7197977" y="3156438"/>
             <a:ext cx="341444" cy="386862"/>
           </a:xfrm>
           <a:prstGeom prst="straightConnector1">
@@ -8116,7 +8577,7 @@
         </p:nvCxnSpPr>
         <p:spPr>
           <a:xfrm>
-            <a:off x="7197976" y="3393830"/>
+            <a:off x="7197977" y="3156438"/>
             <a:ext cx="1012593" cy="386862"/>
           </a:xfrm>
           <a:prstGeom prst="straightConnector1">
@@ -8200,7 +8661,7 @@
         </p:nvSpPr>
         <p:spPr>
           <a:xfrm>
-            <a:off x="504085" y="3741038"/>
+            <a:off x="504083" y="3719090"/>
             <a:ext cx="2206869" cy="738664"/>
           </a:xfrm>
           <a:prstGeom prst="rect">
@@ -8237,7 +8698,7 @@
         </p:nvSpPr>
         <p:spPr>
           <a:xfrm>
-            <a:off x="504085" y="5978690"/>
+            <a:off x="504083" y="6128235"/>
             <a:ext cx="2206869" cy="523220"/>
           </a:xfrm>
           <a:prstGeom prst="rect">
@@ -8257,7 +8718,7 @@
                 <a:latin typeface="Segoe UI Light" panose="020B0502040204020203" pitchFamily="34" charset="0"/>
                 <a:cs typeface="Segoe UI Light" panose="020B0502040204020203" pitchFamily="34" charset="0"/>
               </a:rPr>
-              <a:t>Εξαγωγή των τελικών προτάσεων</a:t>
+              <a:t>Εξαγωγή των καλύτερων προτάσεων</a:t>
             </a:r>
             <a:endParaRPr lang="en-US" sz="1400" dirty="0">
               <a:latin typeface="Segoe UI Light" panose="020B0502040204020203" pitchFamily="34" charset="0"/>
@@ -8276,7 +8737,7 @@
             </p:nvSpPr>
             <p:spPr>
               <a:xfrm>
-                <a:off x="6551740" y="5972555"/>
+                <a:off x="6551740" y="6128235"/>
                 <a:ext cx="1292469" cy="529355"/>
               </a:xfrm>
               <a:prstGeom prst="ellipse">
@@ -8353,7 +8814,7 @@
             </p:nvSpPr>
             <p:spPr>
               <a:xfrm>
-                <a:off x="6551740" y="5972555"/>
+                <a:off x="6551740" y="6128235"/>
                 <a:ext cx="1292469" cy="529355"/>
               </a:xfrm>
               <a:prstGeom prst="ellipse">
@@ -8392,8 +8853,8 @@
         </p:nvCxnSpPr>
         <p:spPr>
           <a:xfrm flipH="1">
-            <a:off x="7197975" y="5257799"/>
-            <a:ext cx="1" cy="714756"/>
+            <a:off x="7197975" y="5020407"/>
+            <a:ext cx="2" cy="1107828"/>
           </a:xfrm>
           <a:prstGeom prst="straightConnector1">
             <a:avLst/>
@@ -8417,6 +8878,56 @@
           </a:fontRef>
         </p:style>
       </p:cxnSp>
+      <p:sp>
+        <p:nvSpPr>
+          <p:cNvPr id="35" name="Ορθογώνιο 34"/>
+          <p:cNvSpPr/>
+          <p:nvPr/>
+        </p:nvSpPr>
+        <p:spPr>
+          <a:xfrm>
+            <a:off x="5798536" y="5300097"/>
+            <a:ext cx="2798878" cy="548448"/>
+          </a:xfrm>
+          <a:prstGeom prst="rect">
+            <a:avLst/>
+          </a:prstGeom>
+        </p:spPr>
+        <p:style>
+          <a:lnRef idx="2">
+            <a:schemeClr val="accent1">
+              <a:shade val="50000"/>
+            </a:schemeClr>
+          </a:lnRef>
+          <a:fillRef idx="1">
+            <a:schemeClr val="accent1"/>
+          </a:fillRef>
+          <a:effectRef idx="0">
+            <a:schemeClr val="accent1"/>
+          </a:effectRef>
+          <a:fontRef idx="minor">
+            <a:schemeClr val="lt1"/>
+          </a:fontRef>
+        </p:style>
+        <p:txBody>
+          <a:bodyPr rtlCol="0" anchor="ctr"/>
+          <a:lstStyle/>
+          <a:p>
+            <a:pPr algn="ctr"/>
+            <a:r>
+              <a:rPr lang="el-GR" sz="1400" dirty="0" smtClean="0">
+                <a:latin typeface="Segoe UI Light" panose="020B0502040204020203" pitchFamily="34" charset="0"/>
+                <a:cs typeface="Segoe UI Light" panose="020B0502040204020203" pitchFamily="34" charset="0"/>
+              </a:rPr>
+              <a:t>Πρόβλεψη σε μη βαθμολογημένα προϊόντα</a:t>
+            </a:r>
+            <a:endParaRPr lang="en-US" sz="1400" dirty="0">
+              <a:latin typeface="Segoe UI Light" panose="020B0502040204020203" pitchFamily="34" charset="0"/>
+              <a:cs typeface="Segoe UI Light" panose="020B0502040204020203" pitchFamily="34" charset="0"/>
+            </a:endParaRPr>
+          </a:p>
+        </p:txBody>
+      </p:sp>
     </p:spTree>
     <p:extLst>
       <p:ext uri="{BB962C8B-B14F-4D97-AF65-F5344CB8AC3E}">
@@ -13169,28 +13680,7 @@
                 <a:latin typeface="Segoe UI Light" panose="020B0502040204020203" pitchFamily="34" charset="0"/>
                 <a:cs typeface="Segoe UI Light" panose="020B0502040204020203" pitchFamily="34" charset="0"/>
               </a:rPr>
-              <a:t>καταφέρνει </a:t>
-            </a:r>
-            <a:r>
-              <a:rPr lang="el-GR" sz="2000" smtClean="0">
-                <a:latin typeface="Segoe UI Light" panose="020B0502040204020203" pitchFamily="34" charset="0"/>
-                <a:cs typeface="Segoe UI Light" panose="020B0502040204020203" pitchFamily="34" charset="0"/>
-              </a:rPr>
-              <a:t>και </a:t>
-            </a:r>
-            <a:r>
-              <a:rPr lang="el-GR" sz="2000" smtClean="0">
-                <a:latin typeface="Segoe UI Light" panose="020B0502040204020203" pitchFamily="34" charset="0"/>
-                <a:cs typeface="Segoe UI Light" panose="020B0502040204020203" pitchFamily="34" charset="0"/>
-              </a:rPr>
-              <a:t>αξιοποιεί </a:t>
-            </a:r>
-            <a:r>
-              <a:rPr lang="el-GR" sz="2000" dirty="0" smtClean="0">
-                <a:latin typeface="Segoe UI Light" panose="020B0502040204020203" pitchFamily="34" charset="0"/>
-                <a:cs typeface="Segoe UI Light" panose="020B0502040204020203" pitchFamily="34" charset="0"/>
-              </a:rPr>
-              <a:t>πετυχημένα όλα </a:t>
+              <a:t>καταφέρνει και αξιοποιεί πετυχημένα όλα </a:t>
             </a:r>
             <a:r>
               <a:rPr lang="el-GR" sz="2000" dirty="0">
@@ -13816,7 +14306,7 @@
                 <a:latin typeface="Segoe UI Light" panose="020B0502040204020203" pitchFamily="34" charset="0"/>
                 <a:cs typeface="Segoe UI Light" panose="020B0502040204020203" pitchFamily="34" charset="0"/>
               </a:rPr>
-              <a:t>δεδομένων που είναι αρκετά πιθανό να μας αρέσουν.</a:t>
+              <a:t>δεδομένων που θεωρούν αρκετά πιθανό ότι θα μας αρέσουν.</a:t>
             </a:r>
           </a:p>
           <a:p>
@@ -16541,4 +17031,265 @@
     </a:ext>
   </a:extLst>
 </a:theme>
+</file>
+
+<file path=ppt/theme/theme2.xml><?xml version="1.0" encoding="utf-8"?>
+<a:theme xmlns:a="http://schemas.openxmlformats.org/drawingml/2006/main" name="Θέμα του Office">
+  <a:themeElements>
+    <a:clrScheme name="Office">
+      <a:dk1>
+        <a:sysClr val="windowText" lastClr="000000"/>
+      </a:dk1>
+      <a:lt1>
+        <a:sysClr val="window" lastClr="FFFFFF"/>
+      </a:lt1>
+      <a:dk2>
+        <a:srgbClr val="44546A"/>
+      </a:dk2>
+      <a:lt2>
+        <a:srgbClr val="E7E6E6"/>
+      </a:lt2>
+      <a:accent1>
+        <a:srgbClr val="5B9BD5"/>
+      </a:accent1>
+      <a:accent2>
+        <a:srgbClr val="ED7D31"/>
+      </a:accent2>
+      <a:accent3>
+        <a:srgbClr val="A5A5A5"/>
+      </a:accent3>
+      <a:accent4>
+        <a:srgbClr val="FFC000"/>
+      </a:accent4>
+      <a:accent5>
+        <a:srgbClr val="4472C4"/>
+      </a:accent5>
+      <a:accent6>
+        <a:srgbClr val="70AD47"/>
+      </a:accent6>
+      <a:hlink>
+        <a:srgbClr val="0563C1"/>
+      </a:hlink>
+      <a:folHlink>
+        <a:srgbClr val="954F72"/>
+      </a:folHlink>
+    </a:clrScheme>
+    <a:fontScheme name="Office">
+      <a:majorFont>
+        <a:latin typeface="Calibri Light" panose="020F0302020204030204"/>
+        <a:ea typeface=""/>
+        <a:cs typeface=""/>
+        <a:font script="Jpan" typeface="游ゴシック Light"/>
+        <a:font script="Hang" typeface="맑은 고딕"/>
+        <a:font script="Hans" typeface="等线 Light"/>
+        <a:font script="Hant" typeface="新細明體"/>
+        <a:font script="Arab" typeface="Times New Roman"/>
+        <a:font script="Hebr" typeface="Times New Roman"/>
+        <a:font script="Thai" typeface="Angsana New"/>
+        <a:font script="Ethi" typeface="Nyala"/>
+        <a:font script="Beng" typeface="Vrinda"/>
+        <a:font script="Gujr" typeface="Shruti"/>
+        <a:font script="Khmr" typeface="MoolBoran"/>
+        <a:font script="Knda" typeface="Tunga"/>
+        <a:font script="Guru" typeface="Raavi"/>
+        <a:font script="Cans" typeface="Euphemia"/>
+        <a:font script="Cher" typeface="Plantagenet Cherokee"/>
+        <a:font script="Yiii" typeface="Microsoft Yi Baiti"/>
+        <a:font script="Tibt" typeface="Microsoft Himalaya"/>
+        <a:font script="Thaa" typeface="MV Boli"/>
+        <a:font script="Deva" typeface="Mangal"/>
+        <a:font script="Telu" typeface="Gautami"/>
+        <a:font script="Taml" typeface="Latha"/>
+        <a:font script="Syrc" typeface="Estrangelo Edessa"/>
+        <a:font script="Orya" typeface="Kalinga"/>
+        <a:font script="Mlym" typeface="Kartika"/>
+        <a:font script="Laoo" typeface="DokChampa"/>
+        <a:font script="Sinh" typeface="Iskoola Pota"/>
+        <a:font script="Mong" typeface="Mongolian Baiti"/>
+        <a:font script="Viet" typeface="Times New Roman"/>
+        <a:font script="Uigh" typeface="Microsoft Uighur"/>
+        <a:font script="Geor" typeface="Sylfaen"/>
+      </a:majorFont>
+      <a:minorFont>
+        <a:latin typeface="Calibri" panose="020F0502020204030204"/>
+        <a:ea typeface=""/>
+        <a:cs typeface=""/>
+        <a:font script="Jpan" typeface="游ゴシック"/>
+        <a:font script="Hang" typeface="맑은 고딕"/>
+        <a:font script="Hans" typeface="等线"/>
+        <a:font script="Hant" typeface="新細明體"/>
+        <a:font script="Arab" typeface="Arial"/>
+        <a:font script="Hebr" typeface="Arial"/>
+        <a:font script="Thai" typeface="Cordia New"/>
+        <a:font script="Ethi" typeface="Nyala"/>
+        <a:font script="Beng" typeface="Vrinda"/>
+        <a:font script="Gujr" typeface="Shruti"/>
+        <a:font script="Khmr" typeface="DaunPenh"/>
+        <a:font script="Knda" typeface="Tunga"/>
+        <a:font script="Guru" typeface="Raavi"/>
+        <a:font script="Cans" typeface="Euphemia"/>
+        <a:font script="Cher" typeface="Plantagenet Cherokee"/>
+        <a:font script="Yiii" typeface="Microsoft Yi Baiti"/>
+        <a:font script="Tibt" typeface="Microsoft Himalaya"/>
+        <a:font script="Thaa" typeface="MV Boli"/>
+        <a:font script="Deva" typeface="Mangal"/>
+        <a:font script="Telu" typeface="Gautami"/>
+        <a:font script="Taml" typeface="Latha"/>
+        <a:font script="Syrc" typeface="Estrangelo Edessa"/>
+        <a:font script="Orya" typeface="Kalinga"/>
+        <a:font script="Mlym" typeface="Kartika"/>
+        <a:font script="Laoo" typeface="DokChampa"/>
+        <a:font script="Sinh" typeface="Iskoola Pota"/>
+        <a:font script="Mong" typeface="Mongolian Baiti"/>
+        <a:font script="Viet" typeface="Arial"/>
+        <a:font script="Uigh" typeface="Microsoft Uighur"/>
+        <a:font script="Geor" typeface="Sylfaen"/>
+      </a:minorFont>
+    </a:fontScheme>
+    <a:fmtScheme name="Office">
+      <a:fillStyleLst>
+        <a:solidFill>
+          <a:schemeClr val="phClr"/>
+        </a:solidFill>
+        <a:gradFill rotWithShape="1">
+          <a:gsLst>
+            <a:gs pos="0">
+              <a:schemeClr val="phClr">
+                <a:lumMod val="110000"/>
+                <a:satMod val="105000"/>
+                <a:tint val="67000"/>
+              </a:schemeClr>
+            </a:gs>
+            <a:gs pos="50000">
+              <a:schemeClr val="phClr">
+                <a:lumMod val="105000"/>
+                <a:satMod val="103000"/>
+                <a:tint val="73000"/>
+              </a:schemeClr>
+            </a:gs>
+            <a:gs pos="100000">
+              <a:schemeClr val="phClr">
+                <a:lumMod val="105000"/>
+                <a:satMod val="109000"/>
+                <a:tint val="81000"/>
+              </a:schemeClr>
+            </a:gs>
+          </a:gsLst>
+          <a:lin ang="5400000" scaled="0"/>
+        </a:gradFill>
+        <a:gradFill rotWithShape="1">
+          <a:gsLst>
+            <a:gs pos="0">
+              <a:schemeClr val="phClr">
+                <a:satMod val="103000"/>
+                <a:lumMod val="102000"/>
+                <a:tint val="94000"/>
+              </a:schemeClr>
+            </a:gs>
+            <a:gs pos="50000">
+              <a:schemeClr val="phClr">
+                <a:satMod val="110000"/>
+                <a:lumMod val="100000"/>
+                <a:shade val="100000"/>
+              </a:schemeClr>
+            </a:gs>
+            <a:gs pos="100000">
+              <a:schemeClr val="phClr">
+                <a:lumMod val="99000"/>
+                <a:satMod val="120000"/>
+                <a:shade val="78000"/>
+              </a:schemeClr>
+            </a:gs>
+          </a:gsLst>
+          <a:lin ang="5400000" scaled="0"/>
+        </a:gradFill>
+      </a:fillStyleLst>
+      <a:lnStyleLst>
+        <a:ln w="6350" cap="flat" cmpd="sng" algn="ctr">
+          <a:solidFill>
+            <a:schemeClr val="phClr"/>
+          </a:solidFill>
+          <a:prstDash val="solid"/>
+          <a:miter lim="800000"/>
+        </a:ln>
+        <a:ln w="12700" cap="flat" cmpd="sng" algn="ctr">
+          <a:solidFill>
+            <a:schemeClr val="phClr"/>
+          </a:solidFill>
+          <a:prstDash val="solid"/>
+          <a:miter lim="800000"/>
+        </a:ln>
+        <a:ln w="19050" cap="flat" cmpd="sng" algn="ctr">
+          <a:solidFill>
+            <a:schemeClr val="phClr"/>
+          </a:solidFill>
+          <a:prstDash val="solid"/>
+          <a:miter lim="800000"/>
+        </a:ln>
+      </a:lnStyleLst>
+      <a:effectStyleLst>
+        <a:effectStyle>
+          <a:effectLst/>
+        </a:effectStyle>
+        <a:effectStyle>
+          <a:effectLst/>
+        </a:effectStyle>
+        <a:effectStyle>
+          <a:effectLst>
+            <a:outerShdw blurRad="57150" dist="19050" dir="5400000" algn="ctr" rotWithShape="0">
+              <a:srgbClr val="000000">
+                <a:alpha val="63000"/>
+              </a:srgbClr>
+            </a:outerShdw>
+          </a:effectLst>
+        </a:effectStyle>
+      </a:effectStyleLst>
+      <a:bgFillStyleLst>
+        <a:solidFill>
+          <a:schemeClr val="phClr"/>
+        </a:solidFill>
+        <a:solidFill>
+          <a:schemeClr val="phClr">
+            <a:tint val="95000"/>
+            <a:satMod val="170000"/>
+          </a:schemeClr>
+        </a:solidFill>
+        <a:gradFill rotWithShape="1">
+          <a:gsLst>
+            <a:gs pos="0">
+              <a:schemeClr val="phClr">
+                <a:tint val="93000"/>
+                <a:satMod val="150000"/>
+                <a:shade val="98000"/>
+                <a:lumMod val="102000"/>
+              </a:schemeClr>
+            </a:gs>
+            <a:gs pos="50000">
+              <a:schemeClr val="phClr">
+                <a:tint val="98000"/>
+                <a:satMod val="130000"/>
+                <a:shade val="90000"/>
+                <a:lumMod val="103000"/>
+              </a:schemeClr>
+            </a:gs>
+            <a:gs pos="100000">
+              <a:schemeClr val="phClr">
+                <a:shade val="63000"/>
+                <a:satMod val="120000"/>
+              </a:schemeClr>
+            </a:gs>
+          </a:gsLst>
+          <a:lin ang="5400000" scaled="0"/>
+        </a:gradFill>
+      </a:bgFillStyleLst>
+    </a:fmtScheme>
+  </a:themeElements>
+  <a:objectDefaults/>
+  <a:extraClrSchemeLst/>
+  <a:extLst>
+    <a:ext uri="{05A4C25C-085E-4340-85A3-A5531E510DB2}">
+      <thm15:themeFamily xmlns:thm15="http://schemas.microsoft.com/office/thememl/2012/main" name="Office Theme" id="{62F939B6-93AF-4DB8-9C6B-D6C7DFDC589F}" vid="{4A3C46E8-61CC-4603-A589-7422A47A8E4A}"/>
+    </a:ext>
+  </a:extLst>
+</a:theme>
 </file>